--- a/_book/plot/unnamed-chunk-35-1.pptx
+++ b/_book/plot/unnamed-chunk-35-1.pptx
@@ -3151,361 +3151,20 @@
         </p:sp>
         <p:sp>
           <p:nvSpPr>
-            <p:cNvPr id="4" name="pg4"/>
-            <p:cNvSpPr/>
-            <p:nvPr/>
-          </p:nvSpPr>
-          <p:spPr>
-            <a:xfrm>
-              <a:off x="5073232" y="1973107"/>
-              <a:ext cx="1808237" cy="2315419"/>
-            </a:xfrm>
-            <a:custGeom>
-              <a:avLst/>
-              <a:pathLst>
-                <a:path w="1808237" h="2315419">
-                  <a:moveTo>
-                    <a:pt x="0" y="1808317"/>
-                  </a:moveTo>
-                  <a:lnTo>
-                    <a:pt x="59853" y="1825803"/>
-                  </a:lnTo>
-                  <a:lnTo>
-                    <a:pt x="119707" y="1843289"/>
-                  </a:lnTo>
-                  <a:lnTo>
-                    <a:pt x="179561" y="1860776"/>
-                  </a:lnTo>
-                  <a:lnTo>
-                    <a:pt x="239415" y="1878262"/>
-                  </a:lnTo>
-                  <a:lnTo>
-                    <a:pt x="299268" y="1895748"/>
-                  </a:lnTo>
-                  <a:lnTo>
-                    <a:pt x="359122" y="1913235"/>
-                  </a:lnTo>
-                  <a:lnTo>
-                    <a:pt x="418976" y="1930721"/>
-                  </a:lnTo>
-                  <a:lnTo>
-                    <a:pt x="478830" y="1948207"/>
-                  </a:lnTo>
-                  <a:lnTo>
-                    <a:pt x="538683" y="1965693"/>
-                  </a:lnTo>
-                  <a:lnTo>
-                    <a:pt x="598537" y="1983180"/>
-                  </a:lnTo>
-                  <a:lnTo>
-                    <a:pt x="658391" y="2000666"/>
-                  </a:lnTo>
-                  <a:lnTo>
-                    <a:pt x="718245" y="2018152"/>
-                  </a:lnTo>
-                  <a:lnTo>
-                    <a:pt x="778098" y="2035638"/>
-                  </a:lnTo>
-                  <a:lnTo>
-                    <a:pt x="837952" y="2053125"/>
-                  </a:lnTo>
-                  <a:lnTo>
-                    <a:pt x="897806" y="2070611"/>
-                  </a:lnTo>
-                  <a:lnTo>
-                    <a:pt x="957660" y="2088097"/>
-                  </a:lnTo>
-                  <a:lnTo>
-                    <a:pt x="1017513" y="2105583"/>
-                  </a:lnTo>
-                  <a:lnTo>
-                    <a:pt x="1077367" y="2123070"/>
-                  </a:lnTo>
-                  <a:lnTo>
-                    <a:pt x="1137221" y="2140556"/>
-                  </a:lnTo>
-                  <a:lnTo>
-                    <a:pt x="1197075" y="2158042"/>
-                  </a:lnTo>
-                  <a:lnTo>
-                    <a:pt x="1256929" y="2175529"/>
-                  </a:lnTo>
-                  <a:lnTo>
-                    <a:pt x="1316782" y="2193015"/>
-                  </a:lnTo>
-                  <a:lnTo>
-                    <a:pt x="1376636" y="2210501"/>
-                  </a:lnTo>
-                  <a:lnTo>
-                    <a:pt x="1436490" y="2227987"/>
-                  </a:lnTo>
-                  <a:lnTo>
-                    <a:pt x="1496344" y="2245474"/>
-                  </a:lnTo>
-                  <a:lnTo>
-                    <a:pt x="1556197" y="2262960"/>
-                  </a:lnTo>
-                  <a:lnTo>
-                    <a:pt x="1616051" y="2280446"/>
-                  </a:lnTo>
-                  <a:lnTo>
-                    <a:pt x="1675905" y="2297932"/>
-                  </a:lnTo>
-                  <a:lnTo>
-                    <a:pt x="1735759" y="2315419"/>
-                  </a:lnTo>
-                  <a:lnTo>
-                    <a:pt x="1752151" y="2255504"/>
-                  </a:lnTo>
-                  <a:lnTo>
-                    <a:pt x="1766477" y="2195061"/>
-                  </a:lnTo>
-                  <a:lnTo>
-                    <a:pt x="1778717" y="2134162"/>
-                  </a:lnTo>
-                  <a:lnTo>
-                    <a:pt x="1788859" y="2072878"/>
-                  </a:lnTo>
-                  <a:lnTo>
-                    <a:pt x="1796890" y="2011282"/>
-                  </a:lnTo>
-                  <a:lnTo>
-                    <a:pt x="1802801" y="1949447"/>
-                  </a:lnTo>
-                  <a:lnTo>
-                    <a:pt x="1806585" y="1887445"/>
-                  </a:lnTo>
-                  <a:lnTo>
-                    <a:pt x="1808237" y="1825350"/>
-                  </a:lnTo>
-                  <a:lnTo>
-                    <a:pt x="1807755" y="1763234"/>
-                  </a:lnTo>
-                  <a:lnTo>
-                    <a:pt x="1805140" y="1701172"/>
-                  </a:lnTo>
-                  <a:lnTo>
-                    <a:pt x="1800395" y="1639237"/>
-                  </a:lnTo>
-                  <a:lnTo>
-                    <a:pt x="1793526" y="1577500"/>
-                  </a:lnTo>
-                  <a:lnTo>
-                    <a:pt x="1784540" y="1516036"/>
-                  </a:lnTo>
-                  <a:lnTo>
-                    <a:pt x="1773448" y="1454918"/>
-                  </a:lnTo>
-                  <a:lnTo>
-                    <a:pt x="1760264" y="1394216"/>
-                  </a:lnTo>
-                  <a:lnTo>
-                    <a:pt x="1745003" y="1334002"/>
-                  </a:lnTo>
-                  <a:lnTo>
-                    <a:pt x="1727683" y="1274349"/>
-                  </a:lnTo>
-                  <a:lnTo>
-                    <a:pt x="1708324" y="1215325"/>
-                  </a:lnTo>
-                  <a:lnTo>
-                    <a:pt x="1686949" y="1157001"/>
-                  </a:lnTo>
-                  <a:lnTo>
-                    <a:pt x="1663584" y="1099446"/>
-                  </a:lnTo>
-                  <a:lnTo>
-                    <a:pt x="1638256" y="1042727"/>
-                  </a:lnTo>
-                  <a:lnTo>
-                    <a:pt x="1610995" y="986912"/>
-                  </a:lnTo>
-                  <a:lnTo>
-                    <a:pt x="1581832" y="932065"/>
-                  </a:lnTo>
-                  <a:lnTo>
-                    <a:pt x="1550804" y="878253"/>
-                  </a:lnTo>
-                  <a:lnTo>
-                    <a:pt x="1517945" y="825538"/>
-                  </a:lnTo>
-                  <a:lnTo>
-                    <a:pt x="1483295" y="773983"/>
-                  </a:lnTo>
-                  <a:lnTo>
-                    <a:pt x="1446895" y="723649"/>
-                  </a:lnTo>
-                  <a:lnTo>
-                    <a:pt x="1408788" y="674594"/>
-                  </a:lnTo>
-                  <a:lnTo>
-                    <a:pt x="1369018" y="626877"/>
-                  </a:lnTo>
-                  <a:lnTo>
-                    <a:pt x="1327633" y="580554"/>
-                  </a:lnTo>
-                  <a:lnTo>
-                    <a:pt x="1284681" y="535680"/>
-                  </a:lnTo>
-                  <a:lnTo>
-                    <a:pt x="1240213" y="492307"/>
-                  </a:lnTo>
-                  <a:lnTo>
-                    <a:pt x="1194282" y="450487"/>
-                  </a:lnTo>
-                  <a:lnTo>
-                    <a:pt x="1146942" y="410270"/>
-                  </a:lnTo>
-                  <a:lnTo>
-                    <a:pt x="1098248" y="371702"/>
-                  </a:lnTo>
-                  <a:lnTo>
-                    <a:pt x="1048259" y="334830"/>
-                  </a:lnTo>
-                  <a:lnTo>
-                    <a:pt x="997032" y="299696"/>
-                  </a:lnTo>
-                  <a:lnTo>
-                    <a:pt x="944629" y="266342"/>
-                  </a:lnTo>
-                  <a:lnTo>
-                    <a:pt x="891112" y="234808"/>
-                  </a:lnTo>
-                  <a:lnTo>
-                    <a:pt x="836542" y="205130"/>
-                  </a:lnTo>
-                  <a:lnTo>
-                    <a:pt x="780986" y="177344"/>
-                  </a:lnTo>
-                  <a:lnTo>
-                    <a:pt x="724508" y="151483"/>
-                  </a:lnTo>
-                  <a:lnTo>
-                    <a:pt x="667176" y="127577"/>
-                  </a:lnTo>
-                  <a:lnTo>
-                    <a:pt x="609056" y="105654"/>
-                  </a:lnTo>
-                  <a:lnTo>
-                    <a:pt x="550217" y="85740"/>
-                  </a:lnTo>
-                  <a:lnTo>
-                    <a:pt x="490729" y="67858"/>
-                  </a:lnTo>
-                  <a:lnTo>
-                    <a:pt x="430663" y="52031"/>
-                  </a:lnTo>
-                  <a:lnTo>
-                    <a:pt x="370088" y="38275"/>
-                  </a:lnTo>
-                  <a:lnTo>
-                    <a:pt x="309076" y="26609"/>
-                  </a:lnTo>
-                  <a:lnTo>
-                    <a:pt x="247699" y="17045"/>
-                  </a:lnTo>
-                  <a:lnTo>
-                    <a:pt x="186031" y="9594"/>
-                  </a:lnTo>
-                  <a:lnTo>
-                    <a:pt x="124142" y="4266"/>
-                  </a:lnTo>
-                  <a:lnTo>
-                    <a:pt x="62108" y="1066"/>
-                  </a:lnTo>
-                  <a:lnTo>
-                    <a:pt x="0" y="0"/>
-                  </a:lnTo>
-                  <a:lnTo>
-                    <a:pt x="0" y="62355"/>
-                  </a:lnTo>
-                  <a:lnTo>
-                    <a:pt x="0" y="124711"/>
-                  </a:lnTo>
-                  <a:lnTo>
-                    <a:pt x="0" y="187067"/>
-                  </a:lnTo>
-                  <a:lnTo>
-                    <a:pt x="0" y="249423"/>
-                  </a:lnTo>
-                  <a:lnTo>
-                    <a:pt x="0" y="311778"/>
-                  </a:lnTo>
-                  <a:lnTo>
-                    <a:pt x="0" y="374134"/>
-                  </a:lnTo>
-                  <a:lnTo>
-                    <a:pt x="0" y="436490"/>
-                  </a:lnTo>
-                  <a:lnTo>
-                    <a:pt x="0" y="498846"/>
-                  </a:lnTo>
-                  <a:lnTo>
-                    <a:pt x="0" y="561201"/>
-                  </a:lnTo>
-                  <a:lnTo>
-                    <a:pt x="0" y="623557"/>
-                  </a:lnTo>
-                  <a:lnTo>
-                    <a:pt x="0" y="685913"/>
-                  </a:lnTo>
-                  <a:lnTo>
-                    <a:pt x="0" y="748269"/>
-                  </a:lnTo>
-                  <a:lnTo>
-                    <a:pt x="0" y="810625"/>
-                  </a:lnTo>
-                  <a:lnTo>
-                    <a:pt x="0" y="872980"/>
-                  </a:lnTo>
-                  <a:lnTo>
-                    <a:pt x="0" y="935336"/>
-                  </a:lnTo>
-                  <a:lnTo>
-                    <a:pt x="0" y="997692"/>
-                  </a:lnTo>
-                  <a:lnTo>
-                    <a:pt x="0" y="1060048"/>
-                  </a:lnTo>
-                  <a:lnTo>
-                    <a:pt x="0" y="1122403"/>
-                  </a:lnTo>
-                  <a:lnTo>
-                    <a:pt x="0" y="1184759"/>
-                  </a:lnTo>
-                  <a:lnTo>
-                    <a:pt x="0" y="1247115"/>
-                  </a:lnTo>
-                  <a:lnTo>
-                    <a:pt x="0" y="1309471"/>
-                  </a:lnTo>
-                  <a:lnTo>
-                    <a:pt x="0" y="1371827"/>
-                  </a:lnTo>
-                  <a:lnTo>
-                    <a:pt x="0" y="1434182"/>
-                  </a:lnTo>
-                  <a:lnTo>
-                    <a:pt x="0" y="1496538"/>
-                  </a:lnTo>
-                  <a:lnTo>
-                    <a:pt x="0" y="1558894"/>
-                  </a:lnTo>
-                  <a:lnTo>
-                    <a:pt x="0" y="1621250"/>
-                  </a:lnTo>
-                  <a:lnTo>
-                    <a:pt x="0" y="1683605"/>
-                  </a:lnTo>
-                  <a:lnTo>
-                    <a:pt x="0" y="1745961"/>
-                  </a:lnTo>
-                  <a:close/>
-                </a:path>
-              </a:pathLst>
-            </a:custGeom>
+            <p:cNvPr id="4" name="rc4"/>
+            <p:cNvSpPr/>
+            <p:nvPr/>
+          </p:nvSpPr>
+          <p:spPr>
+            <a:xfrm>
+              <a:off x="1691481" y="1521028"/>
+              <a:ext cx="7315199" cy="4520793"/>
+            </a:xfrm>
+            <a:prstGeom prst="rect">
+              <a:avLst/>
+            </a:prstGeom>
             <a:solidFill>
-              <a:srgbClr val="00BFC4">
+              <a:srgbClr val="FFFFFF">
                 <a:alpha val="100000"/>
               </a:srgbClr>
             </a:solidFill>
@@ -3527,618 +3186,3729 @@
         </p:sp>
         <p:sp>
           <p:nvSpPr>
-            <p:cNvPr id="5" name="pg5"/>
-            <p:cNvSpPr/>
-            <p:nvPr/>
-          </p:nvSpPr>
-          <p:spPr>
-            <a:xfrm>
-              <a:off x="3264929" y="1973107"/>
-              <a:ext cx="3544062" cy="3616579"/>
-            </a:xfrm>
-            <a:custGeom>
-              <a:avLst/>
-              <a:pathLst>
-                <a:path w="3544062" h="3616579">
-                  <a:moveTo>
-                    <a:pt x="1808303" y="1808317"/>
-                  </a:moveTo>
-                  <a:lnTo>
-                    <a:pt x="1808303" y="1745961"/>
-                  </a:lnTo>
-                  <a:lnTo>
-                    <a:pt x="1808303" y="1683605"/>
-                  </a:lnTo>
-                  <a:lnTo>
-                    <a:pt x="1808303" y="1621250"/>
-                  </a:lnTo>
-                  <a:lnTo>
-                    <a:pt x="1808303" y="1558894"/>
-                  </a:lnTo>
-                  <a:lnTo>
-                    <a:pt x="1808303" y="1496538"/>
-                  </a:lnTo>
-                  <a:lnTo>
-                    <a:pt x="1808303" y="1434182"/>
-                  </a:lnTo>
-                  <a:lnTo>
-                    <a:pt x="1808303" y="1371827"/>
-                  </a:lnTo>
-                  <a:lnTo>
-                    <a:pt x="1808303" y="1309471"/>
-                  </a:lnTo>
-                  <a:lnTo>
-                    <a:pt x="1808303" y="1247115"/>
-                  </a:lnTo>
-                  <a:lnTo>
-                    <a:pt x="1808303" y="1184759"/>
-                  </a:lnTo>
-                  <a:lnTo>
-                    <a:pt x="1808303" y="1122403"/>
-                  </a:lnTo>
-                  <a:lnTo>
-                    <a:pt x="1808303" y="1060048"/>
-                  </a:lnTo>
-                  <a:lnTo>
-                    <a:pt x="1808303" y="997692"/>
-                  </a:lnTo>
-                  <a:lnTo>
-                    <a:pt x="1808303" y="935336"/>
-                  </a:lnTo>
-                  <a:lnTo>
-                    <a:pt x="1808303" y="872980"/>
-                  </a:lnTo>
-                  <a:lnTo>
-                    <a:pt x="1808303" y="810625"/>
-                  </a:lnTo>
-                  <a:lnTo>
-                    <a:pt x="1808303" y="748269"/>
-                  </a:lnTo>
-                  <a:lnTo>
-                    <a:pt x="1808303" y="685913"/>
-                  </a:lnTo>
-                  <a:lnTo>
-                    <a:pt x="1808303" y="623557"/>
-                  </a:lnTo>
-                  <a:lnTo>
-                    <a:pt x="1808303" y="561201"/>
-                  </a:lnTo>
-                  <a:lnTo>
-                    <a:pt x="1808303" y="498846"/>
-                  </a:lnTo>
-                  <a:lnTo>
-                    <a:pt x="1808303" y="436490"/>
-                  </a:lnTo>
-                  <a:lnTo>
-                    <a:pt x="1808303" y="374134"/>
-                  </a:lnTo>
-                  <a:lnTo>
-                    <a:pt x="1808303" y="311778"/>
-                  </a:lnTo>
-                  <a:lnTo>
-                    <a:pt x="1808303" y="249423"/>
-                  </a:lnTo>
-                  <a:lnTo>
-                    <a:pt x="1808303" y="187067"/>
-                  </a:lnTo>
-                  <a:lnTo>
-                    <a:pt x="1808303" y="124711"/>
-                  </a:lnTo>
-                  <a:lnTo>
-                    <a:pt x="1808303" y="62355"/>
-                  </a:lnTo>
-                  <a:lnTo>
-                    <a:pt x="1808303" y="0"/>
-                  </a:lnTo>
-                  <a:lnTo>
-                    <a:pt x="1746719" y="1048"/>
-                  </a:lnTo>
-                  <a:lnTo>
-                    <a:pt x="1685206" y="4194"/>
-                  </a:lnTo>
-                  <a:lnTo>
-                    <a:pt x="1623836" y="9433"/>
-                  </a:lnTo>
-                  <a:lnTo>
-                    <a:pt x="1562680" y="16759"/>
-                  </a:lnTo>
-                  <a:lnTo>
-                    <a:pt x="1501809" y="26163"/>
-                  </a:lnTo>
-                  <a:lnTo>
-                    <a:pt x="1441294" y="37635"/>
-                  </a:lnTo>
-                  <a:lnTo>
-                    <a:pt x="1381204" y="51161"/>
-                  </a:lnTo>
-                  <a:lnTo>
-                    <a:pt x="1321610" y="66725"/>
-                  </a:lnTo>
-                  <a:lnTo>
-                    <a:pt x="1262580" y="84310"/>
-                  </a:lnTo>
-                  <a:lnTo>
-                    <a:pt x="1204184" y="103896"/>
-                  </a:lnTo>
-                  <a:lnTo>
-                    <a:pt x="1146488" y="125458"/>
-                  </a:lnTo>
-                  <a:lnTo>
-                    <a:pt x="1089561" y="148973"/>
-                  </a:lnTo>
-                  <a:lnTo>
-                    <a:pt x="1033467" y="174413"/>
-                  </a:lnTo>
-                  <a:lnTo>
-                    <a:pt x="978272" y="201749"/>
-                  </a:lnTo>
-                  <a:lnTo>
-                    <a:pt x="924040" y="230949"/>
-                  </a:lnTo>
-                  <a:lnTo>
-                    <a:pt x="870834" y="261978"/>
-                  </a:lnTo>
-                  <a:lnTo>
-                    <a:pt x="818715" y="294802"/>
-                  </a:lnTo>
-                  <a:lnTo>
-                    <a:pt x="767745" y="329381"/>
-                  </a:lnTo>
-                  <a:lnTo>
-                    <a:pt x="717982" y="365676"/>
-                  </a:lnTo>
-                  <a:lnTo>
-                    <a:pt x="669484" y="403645"/>
-                  </a:lnTo>
-                  <a:lnTo>
-                    <a:pt x="622307" y="443244"/>
-                  </a:lnTo>
-                  <a:lnTo>
-                    <a:pt x="576506" y="484426"/>
-                  </a:lnTo>
-                  <a:lnTo>
-                    <a:pt x="532133" y="527144"/>
-                  </a:lnTo>
-                  <a:lnTo>
-                    <a:pt x="489242" y="571349"/>
-                  </a:lnTo>
-                  <a:lnTo>
-                    <a:pt x="447881" y="616989"/>
-                  </a:lnTo>
-                  <a:lnTo>
-                    <a:pt x="408098" y="664010"/>
-                  </a:lnTo>
-                  <a:lnTo>
-                    <a:pt x="369940" y="712360"/>
-                  </a:lnTo>
-                  <a:lnTo>
-                    <a:pt x="333450" y="761980"/>
-                  </a:lnTo>
-                  <a:lnTo>
-                    <a:pt x="298671" y="812815"/>
-                  </a:lnTo>
-                  <a:lnTo>
-                    <a:pt x="265644" y="864805"/>
-                  </a:lnTo>
-                  <a:lnTo>
-                    <a:pt x="234407" y="917889"/>
-                  </a:lnTo>
-                  <a:lnTo>
-                    <a:pt x="204995" y="972006"/>
-                  </a:lnTo>
-                  <a:lnTo>
-                    <a:pt x="177444" y="1027094"/>
-                  </a:lnTo>
-                  <a:lnTo>
-                    <a:pt x="151784" y="1083088"/>
-                  </a:lnTo>
-                  <a:lnTo>
-                    <a:pt x="128047" y="1139923"/>
-                  </a:lnTo>
-                  <a:lnTo>
-                    <a:pt x="106259" y="1197534"/>
-                  </a:lnTo>
-                  <a:lnTo>
-                    <a:pt x="86445" y="1255853"/>
-                  </a:lnTo>
-                  <a:lnTo>
-                    <a:pt x="68629" y="1314813"/>
-                  </a:lnTo>
-                  <a:lnTo>
-                    <a:pt x="52831" y="1374346"/>
-                  </a:lnTo>
-                  <a:lnTo>
-                    <a:pt x="39070" y="1434382"/>
-                  </a:lnTo>
-                  <a:lnTo>
-                    <a:pt x="27362" y="1494852"/>
-                  </a:lnTo>
-                  <a:lnTo>
-                    <a:pt x="17719" y="1555686"/>
-                  </a:lnTo>
-                  <a:lnTo>
-                    <a:pt x="10155" y="1616813"/>
-                  </a:lnTo>
-                  <a:lnTo>
-                    <a:pt x="4676" y="1678162"/>
-                  </a:lnTo>
-                  <a:lnTo>
-                    <a:pt x="1289" y="1739662"/>
-                  </a:lnTo>
-                  <a:lnTo>
-                    <a:pt x="0" y="1801242"/>
-                  </a:lnTo>
-                  <a:lnTo>
-                    <a:pt x="808" y="1862830"/>
-                  </a:lnTo>
-                  <a:lnTo>
-                    <a:pt x="3712" y="1924354"/>
-                  </a:lnTo>
-                  <a:lnTo>
-                    <a:pt x="8711" y="1985744"/>
-                  </a:lnTo>
-                  <a:lnTo>
-                    <a:pt x="15797" y="2046928"/>
-                  </a:lnTo>
-                  <a:lnTo>
-                    <a:pt x="24963" y="2107836"/>
-                  </a:lnTo>
-                  <a:lnTo>
-                    <a:pt x="36198" y="2168396"/>
-                  </a:lnTo>
-                  <a:lnTo>
-                    <a:pt x="49489" y="2228538"/>
-                  </a:lnTo>
-                  <a:lnTo>
-                    <a:pt x="64820" y="2288192"/>
-                  </a:lnTo>
-                  <a:lnTo>
-                    <a:pt x="82175" y="2347290"/>
-                  </a:lnTo>
-                  <a:lnTo>
-                    <a:pt x="101531" y="2405763"/>
-                  </a:lnTo>
-                  <a:lnTo>
-                    <a:pt x="122868" y="2463542"/>
-                  </a:lnTo>
-                  <a:lnTo>
-                    <a:pt x="146160" y="2520561"/>
-                  </a:lnTo>
-                  <a:lnTo>
-                    <a:pt x="171380" y="2576754"/>
-                  </a:lnTo>
-                  <a:lnTo>
-                    <a:pt x="198500" y="2632056"/>
-                  </a:lnTo>
-                  <a:lnTo>
-                    <a:pt x="227487" y="2686402"/>
-                  </a:lnTo>
-                  <a:lnTo>
-                    <a:pt x="258308" y="2739729"/>
-                  </a:lnTo>
-                  <a:lnTo>
-                    <a:pt x="290928" y="2791975"/>
-                  </a:lnTo>
-                  <a:lnTo>
-                    <a:pt x="325307" y="2843081"/>
-                  </a:lnTo>
-                  <a:lnTo>
-                    <a:pt x="361408" y="2892985"/>
-                  </a:lnTo>
-                  <a:lnTo>
-                    <a:pt x="399187" y="2941632"/>
-                  </a:lnTo>
-                  <a:lnTo>
-                    <a:pt x="438600" y="2988963"/>
-                  </a:lnTo>
-                  <a:lnTo>
-                    <a:pt x="479603" y="3034925"/>
-                  </a:lnTo>
-                  <a:lnTo>
-                    <a:pt x="522147" y="3079464"/>
-                  </a:lnTo>
-                  <a:lnTo>
-                    <a:pt x="566184" y="3122528"/>
-                  </a:lnTo>
-                  <a:lnTo>
-                    <a:pt x="611661" y="3164068"/>
-                  </a:lnTo>
-                  <a:lnTo>
-                    <a:pt x="658527" y="3204034"/>
-                  </a:lnTo>
-                  <a:lnTo>
-                    <a:pt x="706726" y="3242381"/>
-                  </a:lnTo>
-                  <a:lnTo>
-                    <a:pt x="756204" y="3279065"/>
-                  </a:lnTo>
-                  <a:lnTo>
-                    <a:pt x="806902" y="3314042"/>
-                  </a:lnTo>
-                  <a:lnTo>
-                    <a:pt x="858762" y="3347273"/>
-                  </a:lnTo>
-                  <a:lnTo>
-                    <a:pt x="911724" y="3378717"/>
-                  </a:lnTo>
-                  <a:lnTo>
-                    <a:pt x="965726" y="3408341"/>
-                  </a:lnTo>
-                  <a:lnTo>
-                    <a:pt x="1020705" y="3436107"/>
-                  </a:lnTo>
-                  <a:lnTo>
-                    <a:pt x="1076598" y="3461986"/>
-                  </a:lnTo>
-                  <a:lnTo>
-                    <a:pt x="1133340" y="3485945"/>
-                  </a:lnTo>
-                  <a:lnTo>
-                    <a:pt x="1190865" y="3507959"/>
-                  </a:lnTo>
-                  <a:lnTo>
-                    <a:pt x="1249106" y="3528000"/>
-                  </a:lnTo>
-                  <a:lnTo>
-                    <a:pt x="1307997" y="3546047"/>
-                  </a:lnTo>
-                  <a:lnTo>
-                    <a:pt x="1367467" y="3562077"/>
-                  </a:lnTo>
-                  <a:lnTo>
-                    <a:pt x="1427449" y="3576073"/>
-                  </a:lnTo>
-                  <a:lnTo>
-                    <a:pt x="1487873" y="3588018"/>
-                  </a:lnTo>
-                  <a:lnTo>
-                    <a:pt x="1548668" y="3597898"/>
-                  </a:lnTo>
-                  <a:lnTo>
-                    <a:pt x="1609765" y="3605702"/>
-                  </a:lnTo>
-                  <a:lnTo>
-                    <a:pt x="1671092" y="3611421"/>
-                  </a:lnTo>
-                  <a:lnTo>
-                    <a:pt x="1732579" y="3615048"/>
-                  </a:lnTo>
-                  <a:lnTo>
-                    <a:pt x="1794153" y="3616579"/>
-                  </a:lnTo>
-                  <a:lnTo>
-                    <a:pt x="1855743" y="3616012"/>
-                  </a:lnTo>
-                  <a:lnTo>
-                    <a:pt x="1917279" y="3613348"/>
-                  </a:lnTo>
-                  <a:lnTo>
-                    <a:pt x="1978688" y="3608589"/>
-                  </a:lnTo>
-                  <a:lnTo>
-                    <a:pt x="2039899" y="3601742"/>
-                  </a:lnTo>
-                  <a:lnTo>
-                    <a:pt x="2100842" y="3592815"/>
-                  </a:lnTo>
-                  <a:lnTo>
-                    <a:pt x="2161445" y="3581817"/>
-                  </a:lnTo>
-                  <a:lnTo>
-                    <a:pt x="2221639" y="3568762"/>
-                  </a:lnTo>
-                  <a:lnTo>
-                    <a:pt x="2281353" y="3553664"/>
-                  </a:lnTo>
-                  <a:lnTo>
-                    <a:pt x="2340519" y="3536541"/>
-                  </a:lnTo>
-                  <a:lnTo>
-                    <a:pt x="2399066" y="3517413"/>
-                  </a:lnTo>
-                  <a:lnTo>
-                    <a:pt x="2456929" y="3496303"/>
-                  </a:lnTo>
-                  <a:lnTo>
-                    <a:pt x="2514039" y="3473234"/>
-                  </a:lnTo>
-                  <a:lnTo>
-                    <a:pt x="2570330" y="3448234"/>
-                  </a:lnTo>
-                  <a:lnTo>
-                    <a:pt x="2625737" y="3421331"/>
-                  </a:lnTo>
-                  <a:lnTo>
-                    <a:pt x="2680196" y="3392556"/>
-                  </a:lnTo>
-                  <a:lnTo>
-                    <a:pt x="2733643" y="3361944"/>
-                  </a:lnTo>
-                  <a:lnTo>
-                    <a:pt x="2786017" y="3329529"/>
-                  </a:lnTo>
-                  <a:lnTo>
-                    <a:pt x="2837256" y="3295350"/>
-                  </a:lnTo>
-                  <a:lnTo>
-                    <a:pt x="2887302" y="3259445"/>
-                  </a:lnTo>
-                  <a:lnTo>
-                    <a:pt x="2936096" y="3221857"/>
-                  </a:lnTo>
-                  <a:lnTo>
-                    <a:pt x="2983581" y="3182629"/>
-                  </a:lnTo>
-                  <a:lnTo>
-                    <a:pt x="3029703" y="3141806"/>
-                  </a:lnTo>
-                  <a:lnTo>
-                    <a:pt x="3074408" y="3099436"/>
-                  </a:lnTo>
-                  <a:lnTo>
-                    <a:pt x="3117644" y="3055569"/>
-                  </a:lnTo>
-                  <a:lnTo>
-                    <a:pt x="3159361" y="3010254"/>
-                  </a:lnTo>
-                  <a:lnTo>
-                    <a:pt x="3199511" y="2963545"/>
-                  </a:lnTo>
-                  <a:lnTo>
-                    <a:pt x="3238047" y="2915496"/>
-                  </a:lnTo>
-                  <a:lnTo>
-                    <a:pt x="3274923" y="2866162"/>
-                  </a:lnTo>
-                  <a:lnTo>
-                    <a:pt x="3310099" y="2815601"/>
-                  </a:lnTo>
-                  <a:lnTo>
-                    <a:pt x="3343532" y="2763872"/>
-                  </a:lnTo>
-                  <a:lnTo>
-                    <a:pt x="3375184" y="2711034"/>
-                  </a:lnTo>
-                  <a:lnTo>
-                    <a:pt x="3405018" y="2657148"/>
-                  </a:lnTo>
-                  <a:lnTo>
-                    <a:pt x="3432999" y="2602278"/>
-                  </a:lnTo>
-                  <a:lnTo>
-                    <a:pt x="3459096" y="2546486"/>
-                  </a:lnTo>
-                  <a:lnTo>
-                    <a:pt x="3483278" y="2489839"/>
-                  </a:lnTo>
-                  <a:lnTo>
-                    <a:pt x="3505516" y="2432400"/>
-                  </a:lnTo>
-                  <a:lnTo>
-                    <a:pt x="3525785" y="2374238"/>
-                  </a:lnTo>
-                  <a:lnTo>
-                    <a:pt x="3544062" y="2315419"/>
-                  </a:lnTo>
-                  <a:lnTo>
-                    <a:pt x="3484208" y="2297932"/>
-                  </a:lnTo>
-                  <a:lnTo>
-                    <a:pt x="3424355" y="2280446"/>
-                  </a:lnTo>
-                  <a:lnTo>
-                    <a:pt x="3364501" y="2262960"/>
-                  </a:lnTo>
-                  <a:lnTo>
-                    <a:pt x="3304647" y="2245474"/>
-                  </a:lnTo>
-                  <a:lnTo>
-                    <a:pt x="3244793" y="2227987"/>
-                  </a:lnTo>
-                  <a:lnTo>
-                    <a:pt x="3184940" y="2210501"/>
-                  </a:lnTo>
-                  <a:lnTo>
-                    <a:pt x="3125086" y="2193015"/>
-                  </a:lnTo>
-                  <a:lnTo>
-                    <a:pt x="3065232" y="2175529"/>
-                  </a:lnTo>
-                  <a:lnTo>
-                    <a:pt x="3005378" y="2158042"/>
-                  </a:lnTo>
-                  <a:lnTo>
-                    <a:pt x="2945525" y="2140556"/>
-                  </a:lnTo>
-                  <a:lnTo>
-                    <a:pt x="2885671" y="2123070"/>
-                  </a:lnTo>
-                  <a:lnTo>
-                    <a:pt x="2825817" y="2105583"/>
-                  </a:lnTo>
-                  <a:lnTo>
-                    <a:pt x="2765963" y="2088097"/>
-                  </a:lnTo>
-                  <a:lnTo>
-                    <a:pt x="2706110" y="2070611"/>
-                  </a:lnTo>
-                  <a:lnTo>
-                    <a:pt x="2646256" y="2053125"/>
-                  </a:lnTo>
-                  <a:lnTo>
-                    <a:pt x="2586402" y="2035638"/>
-                  </a:lnTo>
-                  <a:lnTo>
-                    <a:pt x="2526548" y="2018152"/>
-                  </a:lnTo>
-                  <a:lnTo>
-                    <a:pt x="2466694" y="2000666"/>
-                  </a:lnTo>
-                  <a:lnTo>
-                    <a:pt x="2406841" y="1983180"/>
-                  </a:lnTo>
-                  <a:lnTo>
-                    <a:pt x="2346987" y="1965693"/>
-                  </a:lnTo>
-                  <a:lnTo>
-                    <a:pt x="2287133" y="1948207"/>
-                  </a:lnTo>
-                  <a:lnTo>
-                    <a:pt x="2227279" y="1930721"/>
-                  </a:lnTo>
-                  <a:lnTo>
-                    <a:pt x="2167426" y="1913235"/>
-                  </a:lnTo>
-                  <a:lnTo>
-                    <a:pt x="2107572" y="1895748"/>
-                  </a:lnTo>
-                  <a:lnTo>
-                    <a:pt x="2047718" y="1878262"/>
-                  </a:lnTo>
-                  <a:lnTo>
-                    <a:pt x="1987864" y="1860776"/>
-                  </a:lnTo>
-                  <a:lnTo>
-                    <a:pt x="1928011" y="1843289"/>
-                  </a:lnTo>
-                  <a:lnTo>
-                    <a:pt x="1868157" y="1825803"/>
-                  </a:lnTo>
-                  <a:close/>
-                </a:path>
-              </a:pathLst>
-            </a:custGeom>
+            <p:cNvPr id="5" name="rc5"/>
+            <p:cNvSpPr/>
+            <p:nvPr/>
+          </p:nvSpPr>
+          <p:spPr>
+            <a:xfrm>
+              <a:off x="2179881" y="1809173"/>
+              <a:ext cx="1295770" cy="3464924"/>
+            </a:xfrm>
+            <a:prstGeom prst="rect">
+              <a:avLst/>
+            </a:prstGeom>
             <a:solidFill>
-              <a:srgbClr val="F8766D">
+              <a:srgbClr val="FFFFFF">
+                <a:alpha val="100000"/>
+              </a:srgbClr>
+            </a:solidFill>
+          </p:spPr>
+          <p:txBody>
+            <a:bodyPr/>
+            <a:lstStyle/>
+            <a:p/>
+          </p:txBody>
+        </p:sp>
+        <p:sp>
+          <p:nvSpPr>
+            <p:cNvPr id="6" name="pl6"/>
+            <p:cNvSpPr/>
+            <p:nvPr/>
+          </p:nvSpPr>
+          <p:spPr>
+            <a:xfrm>
+              <a:off x="2179881" y="4777168"/>
+              <a:ext cx="1295770" cy="0"/>
+            </a:xfrm>
+            <a:custGeom>
+              <a:avLst/>
+              <a:pathLst>
+                <a:path w="1295770" h="0">
+                  <a:moveTo>
+                    <a:pt x="0" y="0"/>
+                  </a:moveTo>
+                  <a:lnTo>
+                    <a:pt x="1295770" y="0"/>
+                  </a:lnTo>
+                  <a:lnTo>
+                    <a:pt x="1295770" y="0"/>
+                  </a:lnTo>
+                </a:path>
+              </a:pathLst>
+            </a:custGeom>
+            <a:ln w="6775" cap="flat">
+              <a:solidFill>
+                <a:srgbClr val="EBEBEB">
+                  <a:alpha val="100000"/>
+                </a:srgbClr>
+              </a:solidFill>
+              <a:prstDash val="solid"/>
+              <a:round/>
+            </a:ln>
+          </p:spPr>
+          <p:txBody>
+            <a:bodyPr/>
+            <a:lstStyle/>
+            <a:p/>
+          </p:txBody>
+        </p:sp>
+        <p:sp>
+          <p:nvSpPr>
+            <p:cNvPr id="7" name="pl7"/>
+            <p:cNvSpPr/>
+            <p:nvPr/>
+          </p:nvSpPr>
+          <p:spPr>
+            <a:xfrm>
+              <a:off x="2179881" y="4098304"/>
+              <a:ext cx="1295770" cy="0"/>
+            </a:xfrm>
+            <a:custGeom>
+              <a:avLst/>
+              <a:pathLst>
+                <a:path w="1295770" h="0">
+                  <a:moveTo>
+                    <a:pt x="0" y="0"/>
+                  </a:moveTo>
+                  <a:lnTo>
+                    <a:pt x="1295770" y="0"/>
+                  </a:lnTo>
+                  <a:lnTo>
+                    <a:pt x="1295770" y="0"/>
+                  </a:lnTo>
+                </a:path>
+              </a:pathLst>
+            </a:custGeom>
+            <a:ln w="6775" cap="flat">
+              <a:solidFill>
+                <a:srgbClr val="EBEBEB">
+                  <a:alpha val="100000"/>
+                </a:srgbClr>
+              </a:solidFill>
+              <a:prstDash val="solid"/>
+              <a:round/>
+            </a:ln>
+          </p:spPr>
+          <p:txBody>
+            <a:bodyPr/>
+            <a:lstStyle/>
+            <a:p/>
+          </p:txBody>
+        </p:sp>
+        <p:sp>
+          <p:nvSpPr>
+            <p:cNvPr id="8" name="pl8"/>
+            <p:cNvSpPr/>
+            <p:nvPr/>
+          </p:nvSpPr>
+          <p:spPr>
+            <a:xfrm>
+              <a:off x="2179881" y="3419439"/>
+              <a:ext cx="1295770" cy="0"/>
+            </a:xfrm>
+            <a:custGeom>
+              <a:avLst/>
+              <a:pathLst>
+                <a:path w="1295770" h="0">
+                  <a:moveTo>
+                    <a:pt x="0" y="0"/>
+                  </a:moveTo>
+                  <a:lnTo>
+                    <a:pt x="1295770" y="0"/>
+                  </a:lnTo>
+                  <a:lnTo>
+                    <a:pt x="1295770" y="0"/>
+                  </a:lnTo>
+                </a:path>
+              </a:pathLst>
+            </a:custGeom>
+            <a:ln w="6775" cap="flat">
+              <a:solidFill>
+                <a:srgbClr val="EBEBEB">
+                  <a:alpha val="100000"/>
+                </a:srgbClr>
+              </a:solidFill>
+              <a:prstDash val="solid"/>
+              <a:round/>
+            </a:ln>
+          </p:spPr>
+          <p:txBody>
+            <a:bodyPr/>
+            <a:lstStyle/>
+            <a:p/>
+          </p:txBody>
+        </p:sp>
+        <p:sp>
+          <p:nvSpPr>
+            <p:cNvPr id="9" name="pl9"/>
+            <p:cNvSpPr/>
+            <p:nvPr/>
+          </p:nvSpPr>
+          <p:spPr>
+            <a:xfrm>
+              <a:off x="2179881" y="2740575"/>
+              <a:ext cx="1295770" cy="0"/>
+            </a:xfrm>
+            <a:custGeom>
+              <a:avLst/>
+              <a:pathLst>
+                <a:path w="1295770" h="0">
+                  <a:moveTo>
+                    <a:pt x="0" y="0"/>
+                  </a:moveTo>
+                  <a:lnTo>
+                    <a:pt x="1295770" y="0"/>
+                  </a:lnTo>
+                  <a:lnTo>
+                    <a:pt x="1295770" y="0"/>
+                  </a:lnTo>
+                </a:path>
+              </a:pathLst>
+            </a:custGeom>
+            <a:ln w="6775" cap="flat">
+              <a:solidFill>
+                <a:srgbClr val="EBEBEB">
+                  <a:alpha val="100000"/>
+                </a:srgbClr>
+              </a:solidFill>
+              <a:prstDash val="solid"/>
+              <a:round/>
+            </a:ln>
+          </p:spPr>
+          <p:txBody>
+            <a:bodyPr/>
+            <a:lstStyle/>
+            <a:p/>
+          </p:txBody>
+        </p:sp>
+        <p:sp>
+          <p:nvSpPr>
+            <p:cNvPr id="10" name="pl10"/>
+            <p:cNvSpPr/>
+            <p:nvPr/>
+          </p:nvSpPr>
+          <p:spPr>
+            <a:xfrm>
+              <a:off x="2179881" y="2061710"/>
+              <a:ext cx="1295770" cy="0"/>
+            </a:xfrm>
+            <a:custGeom>
+              <a:avLst/>
+              <a:pathLst>
+                <a:path w="1295770" h="0">
+                  <a:moveTo>
+                    <a:pt x="0" y="0"/>
+                  </a:moveTo>
+                  <a:lnTo>
+                    <a:pt x="1295770" y="0"/>
+                  </a:lnTo>
+                  <a:lnTo>
+                    <a:pt x="1295770" y="0"/>
+                  </a:lnTo>
+                </a:path>
+              </a:pathLst>
+            </a:custGeom>
+            <a:ln w="6775" cap="flat">
+              <a:solidFill>
+                <a:srgbClr val="EBEBEB">
+                  <a:alpha val="100000"/>
+                </a:srgbClr>
+              </a:solidFill>
+              <a:prstDash val="solid"/>
+              <a:round/>
+            </a:ln>
+          </p:spPr>
+          <p:txBody>
+            <a:bodyPr/>
+            <a:lstStyle/>
+            <a:p/>
+          </p:txBody>
+        </p:sp>
+        <p:sp>
+          <p:nvSpPr>
+            <p:cNvPr id="11" name="pl11"/>
+            <p:cNvSpPr/>
+            <p:nvPr/>
+          </p:nvSpPr>
+          <p:spPr>
+            <a:xfrm>
+              <a:off x="2179881" y="5116600"/>
+              <a:ext cx="1295770" cy="0"/>
+            </a:xfrm>
+            <a:custGeom>
+              <a:avLst/>
+              <a:pathLst>
+                <a:path w="1295770" h="0">
+                  <a:moveTo>
+                    <a:pt x="0" y="0"/>
+                  </a:moveTo>
+                  <a:lnTo>
+                    <a:pt x="1295770" y="0"/>
+                  </a:lnTo>
+                  <a:lnTo>
+                    <a:pt x="1295770" y="0"/>
+                  </a:lnTo>
+                </a:path>
+              </a:pathLst>
+            </a:custGeom>
+            <a:ln w="13550" cap="flat">
+              <a:solidFill>
+                <a:srgbClr val="EBEBEB">
+                  <a:alpha val="100000"/>
+                </a:srgbClr>
+              </a:solidFill>
+              <a:prstDash val="solid"/>
+              <a:round/>
+            </a:ln>
+          </p:spPr>
+          <p:txBody>
+            <a:bodyPr/>
+            <a:lstStyle/>
+            <a:p/>
+          </p:txBody>
+        </p:sp>
+        <p:sp>
+          <p:nvSpPr>
+            <p:cNvPr id="12" name="pl12"/>
+            <p:cNvSpPr/>
+            <p:nvPr/>
+          </p:nvSpPr>
+          <p:spPr>
+            <a:xfrm>
+              <a:off x="2179881" y="4437736"/>
+              <a:ext cx="1295770" cy="0"/>
+            </a:xfrm>
+            <a:custGeom>
+              <a:avLst/>
+              <a:pathLst>
+                <a:path w="1295770" h="0">
+                  <a:moveTo>
+                    <a:pt x="0" y="0"/>
+                  </a:moveTo>
+                  <a:lnTo>
+                    <a:pt x="1295770" y="0"/>
+                  </a:lnTo>
+                  <a:lnTo>
+                    <a:pt x="1295770" y="0"/>
+                  </a:lnTo>
+                </a:path>
+              </a:pathLst>
+            </a:custGeom>
+            <a:ln w="13550" cap="flat">
+              <a:solidFill>
+                <a:srgbClr val="EBEBEB">
+                  <a:alpha val="100000"/>
+                </a:srgbClr>
+              </a:solidFill>
+              <a:prstDash val="solid"/>
+              <a:round/>
+            </a:ln>
+          </p:spPr>
+          <p:txBody>
+            <a:bodyPr/>
+            <a:lstStyle/>
+            <a:p/>
+          </p:txBody>
+        </p:sp>
+        <p:sp>
+          <p:nvSpPr>
+            <p:cNvPr id="13" name="pl13"/>
+            <p:cNvSpPr/>
+            <p:nvPr/>
+          </p:nvSpPr>
+          <p:spPr>
+            <a:xfrm>
+              <a:off x="2179881" y="3758871"/>
+              <a:ext cx="1295770" cy="0"/>
+            </a:xfrm>
+            <a:custGeom>
+              <a:avLst/>
+              <a:pathLst>
+                <a:path w="1295770" h="0">
+                  <a:moveTo>
+                    <a:pt x="0" y="0"/>
+                  </a:moveTo>
+                  <a:lnTo>
+                    <a:pt x="1295770" y="0"/>
+                  </a:lnTo>
+                  <a:lnTo>
+                    <a:pt x="1295770" y="0"/>
+                  </a:lnTo>
+                </a:path>
+              </a:pathLst>
+            </a:custGeom>
+            <a:ln w="13550" cap="flat">
+              <a:solidFill>
+                <a:srgbClr val="EBEBEB">
+                  <a:alpha val="100000"/>
+                </a:srgbClr>
+              </a:solidFill>
+              <a:prstDash val="solid"/>
+              <a:round/>
+            </a:ln>
+          </p:spPr>
+          <p:txBody>
+            <a:bodyPr/>
+            <a:lstStyle/>
+            <a:p/>
+          </p:txBody>
+        </p:sp>
+        <p:sp>
+          <p:nvSpPr>
+            <p:cNvPr id="14" name="pl14"/>
+            <p:cNvSpPr/>
+            <p:nvPr/>
+          </p:nvSpPr>
+          <p:spPr>
+            <a:xfrm>
+              <a:off x="2179881" y="3080007"/>
+              <a:ext cx="1295770" cy="0"/>
+            </a:xfrm>
+            <a:custGeom>
+              <a:avLst/>
+              <a:pathLst>
+                <a:path w="1295770" h="0">
+                  <a:moveTo>
+                    <a:pt x="0" y="0"/>
+                  </a:moveTo>
+                  <a:lnTo>
+                    <a:pt x="1295770" y="0"/>
+                  </a:lnTo>
+                  <a:lnTo>
+                    <a:pt x="1295770" y="0"/>
+                  </a:lnTo>
+                </a:path>
+              </a:pathLst>
+            </a:custGeom>
+            <a:ln w="13550" cap="flat">
+              <a:solidFill>
+                <a:srgbClr val="EBEBEB">
+                  <a:alpha val="100000"/>
+                </a:srgbClr>
+              </a:solidFill>
+              <a:prstDash val="solid"/>
+              <a:round/>
+            </a:ln>
+          </p:spPr>
+          <p:txBody>
+            <a:bodyPr/>
+            <a:lstStyle/>
+            <a:p/>
+          </p:txBody>
+        </p:sp>
+        <p:sp>
+          <p:nvSpPr>
+            <p:cNvPr id="15" name="pl15"/>
+            <p:cNvSpPr/>
+            <p:nvPr/>
+          </p:nvSpPr>
+          <p:spPr>
+            <a:xfrm>
+              <a:off x="2179881" y="2401142"/>
+              <a:ext cx="1295770" cy="0"/>
+            </a:xfrm>
+            <a:custGeom>
+              <a:avLst/>
+              <a:pathLst>
+                <a:path w="1295770" h="0">
+                  <a:moveTo>
+                    <a:pt x="0" y="0"/>
+                  </a:moveTo>
+                  <a:lnTo>
+                    <a:pt x="1295770" y="0"/>
+                  </a:lnTo>
+                  <a:lnTo>
+                    <a:pt x="1295770" y="0"/>
+                  </a:lnTo>
+                </a:path>
+              </a:pathLst>
+            </a:custGeom>
+            <a:ln w="13550" cap="flat">
+              <a:solidFill>
+                <a:srgbClr val="EBEBEB">
+                  <a:alpha val="100000"/>
+                </a:srgbClr>
+              </a:solidFill>
+              <a:prstDash val="solid"/>
+              <a:round/>
+            </a:ln>
+          </p:spPr>
+          <p:txBody>
+            <a:bodyPr/>
+            <a:lstStyle/>
+            <a:p/>
+          </p:txBody>
+        </p:sp>
+        <p:sp>
+          <p:nvSpPr>
+            <p:cNvPr id="16" name="pl16"/>
+            <p:cNvSpPr/>
+            <p:nvPr/>
+          </p:nvSpPr>
+          <p:spPr>
+            <a:xfrm>
+              <a:off x="2364991" y="1809173"/>
+              <a:ext cx="0" cy="3464924"/>
+            </a:xfrm>
+            <a:custGeom>
+              <a:avLst/>
+              <a:pathLst>
+                <a:path w="0" h="3464924">
+                  <a:moveTo>
+                    <a:pt x="0" y="3464924"/>
+                  </a:moveTo>
+                  <a:lnTo>
+                    <a:pt x="0" y="0"/>
+                  </a:lnTo>
+                  <a:lnTo>
+                    <a:pt x="0" y="0"/>
+                  </a:lnTo>
+                </a:path>
+              </a:pathLst>
+            </a:custGeom>
+            <a:ln w="13550" cap="flat">
+              <a:solidFill>
+                <a:srgbClr val="EBEBEB">
+                  <a:alpha val="100000"/>
+                </a:srgbClr>
+              </a:solidFill>
+              <a:prstDash val="solid"/>
+              <a:round/>
+            </a:ln>
+          </p:spPr>
+          <p:txBody>
+            <a:bodyPr/>
+            <a:lstStyle/>
+            <a:p/>
+          </p:txBody>
+        </p:sp>
+        <p:sp>
+          <p:nvSpPr>
+            <p:cNvPr id="17" name="pl17"/>
+            <p:cNvSpPr/>
+            <p:nvPr/>
+          </p:nvSpPr>
+          <p:spPr>
+            <a:xfrm>
+              <a:off x="2673508" y="1809173"/>
+              <a:ext cx="0" cy="3464924"/>
+            </a:xfrm>
+            <a:custGeom>
+              <a:avLst/>
+              <a:pathLst>
+                <a:path w="0" h="3464924">
+                  <a:moveTo>
+                    <a:pt x="0" y="3464924"/>
+                  </a:moveTo>
+                  <a:lnTo>
+                    <a:pt x="0" y="0"/>
+                  </a:lnTo>
+                  <a:lnTo>
+                    <a:pt x="0" y="0"/>
+                  </a:lnTo>
+                </a:path>
+              </a:pathLst>
+            </a:custGeom>
+            <a:ln w="13550" cap="flat">
+              <a:solidFill>
+                <a:srgbClr val="EBEBEB">
+                  <a:alpha val="100000"/>
+                </a:srgbClr>
+              </a:solidFill>
+              <a:prstDash val="solid"/>
+              <a:round/>
+            </a:ln>
+          </p:spPr>
+          <p:txBody>
+            <a:bodyPr/>
+            <a:lstStyle/>
+            <a:p/>
+          </p:txBody>
+        </p:sp>
+        <p:sp>
+          <p:nvSpPr>
+            <p:cNvPr id="18" name="pl18"/>
+            <p:cNvSpPr/>
+            <p:nvPr/>
+          </p:nvSpPr>
+          <p:spPr>
+            <a:xfrm>
+              <a:off x="2982025" y="1809173"/>
+              <a:ext cx="0" cy="3464924"/>
+            </a:xfrm>
+            <a:custGeom>
+              <a:avLst/>
+              <a:pathLst>
+                <a:path w="0" h="3464924">
+                  <a:moveTo>
+                    <a:pt x="0" y="3464924"/>
+                  </a:moveTo>
+                  <a:lnTo>
+                    <a:pt x="0" y="0"/>
+                  </a:lnTo>
+                  <a:lnTo>
+                    <a:pt x="0" y="0"/>
+                  </a:lnTo>
+                </a:path>
+              </a:pathLst>
+            </a:custGeom>
+            <a:ln w="13550" cap="flat">
+              <a:solidFill>
+                <a:srgbClr val="EBEBEB">
+                  <a:alpha val="100000"/>
+                </a:srgbClr>
+              </a:solidFill>
+              <a:prstDash val="solid"/>
+              <a:round/>
+            </a:ln>
+          </p:spPr>
+          <p:txBody>
+            <a:bodyPr/>
+            <a:lstStyle/>
+            <a:p/>
+          </p:txBody>
+        </p:sp>
+        <p:sp>
+          <p:nvSpPr>
+            <p:cNvPr id="19" name="pl19"/>
+            <p:cNvSpPr/>
+            <p:nvPr/>
+          </p:nvSpPr>
+          <p:spPr>
+            <a:xfrm>
+              <a:off x="3290542" y="1809173"/>
+              <a:ext cx="0" cy="3464924"/>
+            </a:xfrm>
+            <a:custGeom>
+              <a:avLst/>
+              <a:pathLst>
+                <a:path w="0" h="3464924">
+                  <a:moveTo>
+                    <a:pt x="0" y="3464924"/>
+                  </a:moveTo>
+                  <a:lnTo>
+                    <a:pt x="0" y="0"/>
+                  </a:lnTo>
+                  <a:lnTo>
+                    <a:pt x="0" y="0"/>
+                  </a:lnTo>
+                </a:path>
+              </a:pathLst>
+            </a:custGeom>
+            <a:ln w="13550" cap="flat">
+              <a:solidFill>
+                <a:srgbClr val="EBEBEB">
+                  <a:alpha val="100000"/>
+                </a:srgbClr>
+              </a:solidFill>
+              <a:prstDash val="solid"/>
+              <a:round/>
+            </a:ln>
+          </p:spPr>
+          <p:txBody>
+            <a:bodyPr/>
+            <a:lstStyle/>
+            <a:p/>
+          </p:txBody>
+        </p:sp>
+        <p:sp>
+          <p:nvSpPr>
+            <p:cNvPr id="20" name="rc20"/>
+            <p:cNvSpPr/>
+            <p:nvPr/>
+          </p:nvSpPr>
+          <p:spPr>
+            <a:xfrm>
+              <a:off x="2226159" y="5103023"/>
+              <a:ext cx="277665" cy="13577"/>
+            </a:xfrm>
+            <a:prstGeom prst="rect">
+              <a:avLst/>
+            </a:prstGeom>
+            <a:solidFill>
+              <a:srgbClr val="FEE5D9">
+                <a:alpha val="100000"/>
+              </a:srgbClr>
+            </a:solidFill>
+          </p:spPr>
+          <p:txBody>
+            <a:bodyPr/>
+            <a:lstStyle/>
+            <a:p/>
+          </p:txBody>
+        </p:sp>
+        <p:sp>
+          <p:nvSpPr>
+            <p:cNvPr id="21" name="rc21"/>
+            <p:cNvSpPr/>
+            <p:nvPr/>
+          </p:nvSpPr>
+          <p:spPr>
+            <a:xfrm>
+              <a:off x="2534676" y="5089446"/>
+              <a:ext cx="277665" cy="27154"/>
+            </a:xfrm>
+            <a:prstGeom prst="rect">
+              <a:avLst/>
+            </a:prstGeom>
+            <a:solidFill>
+              <a:srgbClr val="FCAE91">
+                <a:alpha val="100000"/>
+              </a:srgbClr>
+            </a:solidFill>
+          </p:spPr>
+          <p:txBody>
+            <a:bodyPr/>
+            <a:lstStyle/>
+            <a:p/>
+          </p:txBody>
+        </p:sp>
+        <p:sp>
+          <p:nvSpPr>
+            <p:cNvPr id="22" name="rc22"/>
+            <p:cNvSpPr/>
+            <p:nvPr/>
+          </p:nvSpPr>
+          <p:spPr>
+            <a:xfrm>
+              <a:off x="2843193" y="1966669"/>
+              <a:ext cx="277665" cy="3149931"/>
+            </a:xfrm>
+            <a:prstGeom prst="rect">
+              <a:avLst/>
+            </a:prstGeom>
+            <a:solidFill>
+              <a:srgbClr val="FB6A4A">
+                <a:alpha val="100000"/>
+              </a:srgbClr>
+            </a:solidFill>
+          </p:spPr>
+          <p:txBody>
+            <a:bodyPr/>
+            <a:lstStyle/>
+            <a:p/>
+          </p:txBody>
+        </p:sp>
+        <p:sp>
+          <p:nvSpPr>
+            <p:cNvPr id="23" name="rc23"/>
+            <p:cNvSpPr/>
+            <p:nvPr/>
+          </p:nvSpPr>
+          <p:spPr>
+            <a:xfrm>
+              <a:off x="3151709" y="2333256"/>
+              <a:ext cx="277665" cy="2783344"/>
+            </a:xfrm>
+            <a:prstGeom prst="rect">
+              <a:avLst/>
+            </a:prstGeom>
+            <a:solidFill>
+              <a:srgbClr val="CB181D">
+                <a:alpha val="100000"/>
+              </a:srgbClr>
+            </a:solidFill>
+          </p:spPr>
+          <p:txBody>
+            <a:bodyPr/>
+            <a:lstStyle/>
+            <a:p/>
+          </p:txBody>
+        </p:sp>
+        <p:sp>
+          <p:nvSpPr>
+            <p:cNvPr id="24" name="rc24"/>
+            <p:cNvSpPr/>
+            <p:nvPr/>
+          </p:nvSpPr>
+          <p:spPr>
+            <a:xfrm>
+              <a:off x="2179881" y="1809173"/>
+              <a:ext cx="1295770" cy="3464924"/>
+            </a:xfrm>
+            <a:prstGeom prst="rect">
+              <a:avLst/>
+            </a:prstGeom>
+            <a:ln w="13550" cap="rnd">
+              <a:solidFill>
+                <a:srgbClr val="333333">
+                  <a:alpha val="100000"/>
+                </a:srgbClr>
+              </a:solidFill>
+              <a:prstDash val="solid"/>
+              <a:round/>
+            </a:ln>
+          </p:spPr>
+          <p:txBody>
+            <a:bodyPr/>
+            <a:lstStyle/>
+            <a:p/>
+          </p:txBody>
+        </p:sp>
+        <p:sp>
+          <p:nvSpPr>
+            <p:cNvPr id="25" name="rc25"/>
+            <p:cNvSpPr/>
+            <p:nvPr/>
+          </p:nvSpPr>
+          <p:spPr>
+            <a:xfrm>
+              <a:off x="3545241" y="1809173"/>
+              <a:ext cx="1295770" cy="3464924"/>
+            </a:xfrm>
+            <a:prstGeom prst="rect">
+              <a:avLst/>
+            </a:prstGeom>
+            <a:solidFill>
+              <a:srgbClr val="FFFFFF">
+                <a:alpha val="100000"/>
+              </a:srgbClr>
+            </a:solidFill>
+          </p:spPr>
+          <p:txBody>
+            <a:bodyPr/>
+            <a:lstStyle/>
+            <a:p/>
+          </p:txBody>
+        </p:sp>
+        <p:sp>
+          <p:nvSpPr>
+            <p:cNvPr id="26" name="pl26"/>
+            <p:cNvSpPr/>
+            <p:nvPr/>
+          </p:nvSpPr>
+          <p:spPr>
+            <a:xfrm>
+              <a:off x="3545241" y="4777168"/>
+              <a:ext cx="1295770" cy="0"/>
+            </a:xfrm>
+            <a:custGeom>
+              <a:avLst/>
+              <a:pathLst>
+                <a:path w="1295770" h="0">
+                  <a:moveTo>
+                    <a:pt x="0" y="0"/>
+                  </a:moveTo>
+                  <a:lnTo>
+                    <a:pt x="1295770" y="0"/>
+                  </a:lnTo>
+                  <a:lnTo>
+                    <a:pt x="1295770" y="0"/>
+                  </a:lnTo>
+                </a:path>
+              </a:pathLst>
+            </a:custGeom>
+            <a:ln w="6775" cap="flat">
+              <a:solidFill>
+                <a:srgbClr val="EBEBEB">
+                  <a:alpha val="100000"/>
+                </a:srgbClr>
+              </a:solidFill>
+              <a:prstDash val="solid"/>
+              <a:round/>
+            </a:ln>
+          </p:spPr>
+          <p:txBody>
+            <a:bodyPr/>
+            <a:lstStyle/>
+            <a:p/>
+          </p:txBody>
+        </p:sp>
+        <p:sp>
+          <p:nvSpPr>
+            <p:cNvPr id="27" name="pl27"/>
+            <p:cNvSpPr/>
+            <p:nvPr/>
+          </p:nvSpPr>
+          <p:spPr>
+            <a:xfrm>
+              <a:off x="3545241" y="4098304"/>
+              <a:ext cx="1295770" cy="0"/>
+            </a:xfrm>
+            <a:custGeom>
+              <a:avLst/>
+              <a:pathLst>
+                <a:path w="1295770" h="0">
+                  <a:moveTo>
+                    <a:pt x="0" y="0"/>
+                  </a:moveTo>
+                  <a:lnTo>
+                    <a:pt x="1295770" y="0"/>
+                  </a:lnTo>
+                  <a:lnTo>
+                    <a:pt x="1295770" y="0"/>
+                  </a:lnTo>
+                </a:path>
+              </a:pathLst>
+            </a:custGeom>
+            <a:ln w="6775" cap="flat">
+              <a:solidFill>
+                <a:srgbClr val="EBEBEB">
+                  <a:alpha val="100000"/>
+                </a:srgbClr>
+              </a:solidFill>
+              <a:prstDash val="solid"/>
+              <a:round/>
+            </a:ln>
+          </p:spPr>
+          <p:txBody>
+            <a:bodyPr/>
+            <a:lstStyle/>
+            <a:p/>
+          </p:txBody>
+        </p:sp>
+        <p:sp>
+          <p:nvSpPr>
+            <p:cNvPr id="28" name="pl28"/>
+            <p:cNvSpPr/>
+            <p:nvPr/>
+          </p:nvSpPr>
+          <p:spPr>
+            <a:xfrm>
+              <a:off x="3545241" y="3419439"/>
+              <a:ext cx="1295770" cy="0"/>
+            </a:xfrm>
+            <a:custGeom>
+              <a:avLst/>
+              <a:pathLst>
+                <a:path w="1295770" h="0">
+                  <a:moveTo>
+                    <a:pt x="0" y="0"/>
+                  </a:moveTo>
+                  <a:lnTo>
+                    <a:pt x="1295770" y="0"/>
+                  </a:lnTo>
+                  <a:lnTo>
+                    <a:pt x="1295770" y="0"/>
+                  </a:lnTo>
+                </a:path>
+              </a:pathLst>
+            </a:custGeom>
+            <a:ln w="6775" cap="flat">
+              <a:solidFill>
+                <a:srgbClr val="EBEBEB">
+                  <a:alpha val="100000"/>
+                </a:srgbClr>
+              </a:solidFill>
+              <a:prstDash val="solid"/>
+              <a:round/>
+            </a:ln>
+          </p:spPr>
+          <p:txBody>
+            <a:bodyPr/>
+            <a:lstStyle/>
+            <a:p/>
+          </p:txBody>
+        </p:sp>
+        <p:sp>
+          <p:nvSpPr>
+            <p:cNvPr id="29" name="pl29"/>
+            <p:cNvSpPr/>
+            <p:nvPr/>
+          </p:nvSpPr>
+          <p:spPr>
+            <a:xfrm>
+              <a:off x="3545241" y="2740575"/>
+              <a:ext cx="1295770" cy="0"/>
+            </a:xfrm>
+            <a:custGeom>
+              <a:avLst/>
+              <a:pathLst>
+                <a:path w="1295770" h="0">
+                  <a:moveTo>
+                    <a:pt x="0" y="0"/>
+                  </a:moveTo>
+                  <a:lnTo>
+                    <a:pt x="1295770" y="0"/>
+                  </a:lnTo>
+                  <a:lnTo>
+                    <a:pt x="1295770" y="0"/>
+                  </a:lnTo>
+                </a:path>
+              </a:pathLst>
+            </a:custGeom>
+            <a:ln w="6775" cap="flat">
+              <a:solidFill>
+                <a:srgbClr val="EBEBEB">
+                  <a:alpha val="100000"/>
+                </a:srgbClr>
+              </a:solidFill>
+              <a:prstDash val="solid"/>
+              <a:round/>
+            </a:ln>
+          </p:spPr>
+          <p:txBody>
+            <a:bodyPr/>
+            <a:lstStyle/>
+            <a:p/>
+          </p:txBody>
+        </p:sp>
+        <p:sp>
+          <p:nvSpPr>
+            <p:cNvPr id="30" name="pl30"/>
+            <p:cNvSpPr/>
+            <p:nvPr/>
+          </p:nvSpPr>
+          <p:spPr>
+            <a:xfrm>
+              <a:off x="3545241" y="2061710"/>
+              <a:ext cx="1295770" cy="0"/>
+            </a:xfrm>
+            <a:custGeom>
+              <a:avLst/>
+              <a:pathLst>
+                <a:path w="1295770" h="0">
+                  <a:moveTo>
+                    <a:pt x="0" y="0"/>
+                  </a:moveTo>
+                  <a:lnTo>
+                    <a:pt x="1295770" y="0"/>
+                  </a:lnTo>
+                  <a:lnTo>
+                    <a:pt x="1295770" y="0"/>
+                  </a:lnTo>
+                </a:path>
+              </a:pathLst>
+            </a:custGeom>
+            <a:ln w="6775" cap="flat">
+              <a:solidFill>
+                <a:srgbClr val="EBEBEB">
+                  <a:alpha val="100000"/>
+                </a:srgbClr>
+              </a:solidFill>
+              <a:prstDash val="solid"/>
+              <a:round/>
+            </a:ln>
+          </p:spPr>
+          <p:txBody>
+            <a:bodyPr/>
+            <a:lstStyle/>
+            <a:p/>
+          </p:txBody>
+        </p:sp>
+        <p:sp>
+          <p:nvSpPr>
+            <p:cNvPr id="31" name="pl31"/>
+            <p:cNvSpPr/>
+            <p:nvPr/>
+          </p:nvSpPr>
+          <p:spPr>
+            <a:xfrm>
+              <a:off x="3545241" y="5116600"/>
+              <a:ext cx="1295770" cy="0"/>
+            </a:xfrm>
+            <a:custGeom>
+              <a:avLst/>
+              <a:pathLst>
+                <a:path w="1295770" h="0">
+                  <a:moveTo>
+                    <a:pt x="0" y="0"/>
+                  </a:moveTo>
+                  <a:lnTo>
+                    <a:pt x="1295770" y="0"/>
+                  </a:lnTo>
+                  <a:lnTo>
+                    <a:pt x="1295770" y="0"/>
+                  </a:lnTo>
+                </a:path>
+              </a:pathLst>
+            </a:custGeom>
+            <a:ln w="13550" cap="flat">
+              <a:solidFill>
+                <a:srgbClr val="EBEBEB">
+                  <a:alpha val="100000"/>
+                </a:srgbClr>
+              </a:solidFill>
+              <a:prstDash val="solid"/>
+              <a:round/>
+            </a:ln>
+          </p:spPr>
+          <p:txBody>
+            <a:bodyPr/>
+            <a:lstStyle/>
+            <a:p/>
+          </p:txBody>
+        </p:sp>
+        <p:sp>
+          <p:nvSpPr>
+            <p:cNvPr id="32" name="pl32"/>
+            <p:cNvSpPr/>
+            <p:nvPr/>
+          </p:nvSpPr>
+          <p:spPr>
+            <a:xfrm>
+              <a:off x="3545241" y="4437736"/>
+              <a:ext cx="1295770" cy="0"/>
+            </a:xfrm>
+            <a:custGeom>
+              <a:avLst/>
+              <a:pathLst>
+                <a:path w="1295770" h="0">
+                  <a:moveTo>
+                    <a:pt x="0" y="0"/>
+                  </a:moveTo>
+                  <a:lnTo>
+                    <a:pt x="1295770" y="0"/>
+                  </a:lnTo>
+                  <a:lnTo>
+                    <a:pt x="1295770" y="0"/>
+                  </a:lnTo>
+                </a:path>
+              </a:pathLst>
+            </a:custGeom>
+            <a:ln w="13550" cap="flat">
+              <a:solidFill>
+                <a:srgbClr val="EBEBEB">
+                  <a:alpha val="100000"/>
+                </a:srgbClr>
+              </a:solidFill>
+              <a:prstDash val="solid"/>
+              <a:round/>
+            </a:ln>
+          </p:spPr>
+          <p:txBody>
+            <a:bodyPr/>
+            <a:lstStyle/>
+            <a:p/>
+          </p:txBody>
+        </p:sp>
+        <p:sp>
+          <p:nvSpPr>
+            <p:cNvPr id="33" name="pl33"/>
+            <p:cNvSpPr/>
+            <p:nvPr/>
+          </p:nvSpPr>
+          <p:spPr>
+            <a:xfrm>
+              <a:off x="3545241" y="3758871"/>
+              <a:ext cx="1295770" cy="0"/>
+            </a:xfrm>
+            <a:custGeom>
+              <a:avLst/>
+              <a:pathLst>
+                <a:path w="1295770" h="0">
+                  <a:moveTo>
+                    <a:pt x="0" y="0"/>
+                  </a:moveTo>
+                  <a:lnTo>
+                    <a:pt x="1295770" y="0"/>
+                  </a:lnTo>
+                  <a:lnTo>
+                    <a:pt x="1295770" y="0"/>
+                  </a:lnTo>
+                </a:path>
+              </a:pathLst>
+            </a:custGeom>
+            <a:ln w="13550" cap="flat">
+              <a:solidFill>
+                <a:srgbClr val="EBEBEB">
+                  <a:alpha val="100000"/>
+                </a:srgbClr>
+              </a:solidFill>
+              <a:prstDash val="solid"/>
+              <a:round/>
+            </a:ln>
+          </p:spPr>
+          <p:txBody>
+            <a:bodyPr/>
+            <a:lstStyle/>
+            <a:p/>
+          </p:txBody>
+        </p:sp>
+        <p:sp>
+          <p:nvSpPr>
+            <p:cNvPr id="34" name="pl34"/>
+            <p:cNvSpPr/>
+            <p:nvPr/>
+          </p:nvSpPr>
+          <p:spPr>
+            <a:xfrm>
+              <a:off x="3545241" y="3080007"/>
+              <a:ext cx="1295770" cy="0"/>
+            </a:xfrm>
+            <a:custGeom>
+              <a:avLst/>
+              <a:pathLst>
+                <a:path w="1295770" h="0">
+                  <a:moveTo>
+                    <a:pt x="0" y="0"/>
+                  </a:moveTo>
+                  <a:lnTo>
+                    <a:pt x="1295770" y="0"/>
+                  </a:lnTo>
+                  <a:lnTo>
+                    <a:pt x="1295770" y="0"/>
+                  </a:lnTo>
+                </a:path>
+              </a:pathLst>
+            </a:custGeom>
+            <a:ln w="13550" cap="flat">
+              <a:solidFill>
+                <a:srgbClr val="EBEBEB">
+                  <a:alpha val="100000"/>
+                </a:srgbClr>
+              </a:solidFill>
+              <a:prstDash val="solid"/>
+              <a:round/>
+            </a:ln>
+          </p:spPr>
+          <p:txBody>
+            <a:bodyPr/>
+            <a:lstStyle/>
+            <a:p/>
+          </p:txBody>
+        </p:sp>
+        <p:sp>
+          <p:nvSpPr>
+            <p:cNvPr id="35" name="pl35"/>
+            <p:cNvSpPr/>
+            <p:nvPr/>
+          </p:nvSpPr>
+          <p:spPr>
+            <a:xfrm>
+              <a:off x="3545241" y="2401142"/>
+              <a:ext cx="1295770" cy="0"/>
+            </a:xfrm>
+            <a:custGeom>
+              <a:avLst/>
+              <a:pathLst>
+                <a:path w="1295770" h="0">
+                  <a:moveTo>
+                    <a:pt x="0" y="0"/>
+                  </a:moveTo>
+                  <a:lnTo>
+                    <a:pt x="1295770" y="0"/>
+                  </a:lnTo>
+                  <a:lnTo>
+                    <a:pt x="1295770" y="0"/>
+                  </a:lnTo>
+                </a:path>
+              </a:pathLst>
+            </a:custGeom>
+            <a:ln w="13550" cap="flat">
+              <a:solidFill>
+                <a:srgbClr val="EBEBEB">
+                  <a:alpha val="100000"/>
+                </a:srgbClr>
+              </a:solidFill>
+              <a:prstDash val="solid"/>
+              <a:round/>
+            </a:ln>
+          </p:spPr>
+          <p:txBody>
+            <a:bodyPr/>
+            <a:lstStyle/>
+            <a:p/>
+          </p:txBody>
+        </p:sp>
+        <p:sp>
+          <p:nvSpPr>
+            <p:cNvPr id="36" name="pl36"/>
+            <p:cNvSpPr/>
+            <p:nvPr/>
+          </p:nvSpPr>
+          <p:spPr>
+            <a:xfrm>
+              <a:off x="3730351" y="1809173"/>
+              <a:ext cx="0" cy="3464924"/>
+            </a:xfrm>
+            <a:custGeom>
+              <a:avLst/>
+              <a:pathLst>
+                <a:path w="0" h="3464924">
+                  <a:moveTo>
+                    <a:pt x="0" y="3464924"/>
+                  </a:moveTo>
+                  <a:lnTo>
+                    <a:pt x="0" y="0"/>
+                  </a:lnTo>
+                  <a:lnTo>
+                    <a:pt x="0" y="0"/>
+                  </a:lnTo>
+                </a:path>
+              </a:pathLst>
+            </a:custGeom>
+            <a:ln w="13550" cap="flat">
+              <a:solidFill>
+                <a:srgbClr val="EBEBEB">
+                  <a:alpha val="100000"/>
+                </a:srgbClr>
+              </a:solidFill>
+              <a:prstDash val="solid"/>
+              <a:round/>
+            </a:ln>
+          </p:spPr>
+          <p:txBody>
+            <a:bodyPr/>
+            <a:lstStyle/>
+            <a:p/>
+          </p:txBody>
+        </p:sp>
+        <p:sp>
+          <p:nvSpPr>
+            <p:cNvPr id="37" name="pl37"/>
+            <p:cNvSpPr/>
+            <p:nvPr/>
+          </p:nvSpPr>
+          <p:spPr>
+            <a:xfrm>
+              <a:off x="4038868" y="1809173"/>
+              <a:ext cx="0" cy="3464924"/>
+            </a:xfrm>
+            <a:custGeom>
+              <a:avLst/>
+              <a:pathLst>
+                <a:path w="0" h="3464924">
+                  <a:moveTo>
+                    <a:pt x="0" y="3464924"/>
+                  </a:moveTo>
+                  <a:lnTo>
+                    <a:pt x="0" y="0"/>
+                  </a:lnTo>
+                  <a:lnTo>
+                    <a:pt x="0" y="0"/>
+                  </a:lnTo>
+                </a:path>
+              </a:pathLst>
+            </a:custGeom>
+            <a:ln w="13550" cap="flat">
+              <a:solidFill>
+                <a:srgbClr val="EBEBEB">
+                  <a:alpha val="100000"/>
+                </a:srgbClr>
+              </a:solidFill>
+              <a:prstDash val="solid"/>
+              <a:round/>
+            </a:ln>
+          </p:spPr>
+          <p:txBody>
+            <a:bodyPr/>
+            <a:lstStyle/>
+            <a:p/>
+          </p:txBody>
+        </p:sp>
+        <p:sp>
+          <p:nvSpPr>
+            <p:cNvPr id="38" name="pl38"/>
+            <p:cNvSpPr/>
+            <p:nvPr/>
+          </p:nvSpPr>
+          <p:spPr>
+            <a:xfrm>
+              <a:off x="4347385" y="1809173"/>
+              <a:ext cx="0" cy="3464924"/>
+            </a:xfrm>
+            <a:custGeom>
+              <a:avLst/>
+              <a:pathLst>
+                <a:path w="0" h="3464924">
+                  <a:moveTo>
+                    <a:pt x="0" y="3464924"/>
+                  </a:moveTo>
+                  <a:lnTo>
+                    <a:pt x="0" y="0"/>
+                  </a:lnTo>
+                  <a:lnTo>
+                    <a:pt x="0" y="0"/>
+                  </a:lnTo>
+                </a:path>
+              </a:pathLst>
+            </a:custGeom>
+            <a:ln w="13550" cap="flat">
+              <a:solidFill>
+                <a:srgbClr val="EBEBEB">
+                  <a:alpha val="100000"/>
+                </a:srgbClr>
+              </a:solidFill>
+              <a:prstDash val="solid"/>
+              <a:round/>
+            </a:ln>
+          </p:spPr>
+          <p:txBody>
+            <a:bodyPr/>
+            <a:lstStyle/>
+            <a:p/>
+          </p:txBody>
+        </p:sp>
+        <p:sp>
+          <p:nvSpPr>
+            <p:cNvPr id="39" name="pl39"/>
+            <p:cNvSpPr/>
+            <p:nvPr/>
+          </p:nvSpPr>
+          <p:spPr>
+            <a:xfrm>
+              <a:off x="4655902" y="1809173"/>
+              <a:ext cx="0" cy="3464924"/>
+            </a:xfrm>
+            <a:custGeom>
+              <a:avLst/>
+              <a:pathLst>
+                <a:path w="0" h="3464924">
+                  <a:moveTo>
+                    <a:pt x="0" y="3464924"/>
+                  </a:moveTo>
+                  <a:lnTo>
+                    <a:pt x="0" y="0"/>
+                  </a:lnTo>
+                  <a:lnTo>
+                    <a:pt x="0" y="0"/>
+                  </a:lnTo>
+                </a:path>
+              </a:pathLst>
+            </a:custGeom>
+            <a:ln w="13550" cap="flat">
+              <a:solidFill>
+                <a:srgbClr val="EBEBEB">
+                  <a:alpha val="100000"/>
+                </a:srgbClr>
+              </a:solidFill>
+              <a:prstDash val="solid"/>
+              <a:round/>
+            </a:ln>
+          </p:spPr>
+          <p:txBody>
+            <a:bodyPr/>
+            <a:lstStyle/>
+            <a:p/>
+          </p:txBody>
+        </p:sp>
+        <p:sp>
+          <p:nvSpPr>
+            <p:cNvPr id="40" name="rc40"/>
+            <p:cNvSpPr/>
+            <p:nvPr/>
+          </p:nvSpPr>
+          <p:spPr>
+            <a:xfrm>
+              <a:off x="3900036" y="5103023"/>
+              <a:ext cx="277665" cy="13577"/>
+            </a:xfrm>
+            <a:prstGeom prst="rect">
+              <a:avLst/>
+            </a:prstGeom>
+            <a:solidFill>
+              <a:srgbClr val="FCAE91">
+                <a:alpha val="100000"/>
+              </a:srgbClr>
+            </a:solidFill>
+          </p:spPr>
+          <p:txBody>
+            <a:bodyPr/>
+            <a:lstStyle/>
+            <a:p/>
+          </p:txBody>
+        </p:sp>
+        <p:sp>
+          <p:nvSpPr>
+            <p:cNvPr id="41" name="rc41"/>
+            <p:cNvSpPr/>
+            <p:nvPr/>
+          </p:nvSpPr>
+          <p:spPr>
+            <a:xfrm>
+              <a:off x="4208552" y="3663830"/>
+              <a:ext cx="277665" cy="1452770"/>
+            </a:xfrm>
+            <a:prstGeom prst="rect">
+              <a:avLst/>
+            </a:prstGeom>
+            <a:solidFill>
+              <a:srgbClr val="FB6A4A">
+                <a:alpha val="100000"/>
+              </a:srgbClr>
+            </a:solidFill>
+          </p:spPr>
+          <p:txBody>
+            <a:bodyPr/>
+            <a:lstStyle/>
+            <a:p/>
+          </p:txBody>
+        </p:sp>
+        <p:sp>
+          <p:nvSpPr>
+            <p:cNvPr id="42" name="rc42"/>
+            <p:cNvSpPr/>
+            <p:nvPr/>
+          </p:nvSpPr>
+          <p:spPr>
+            <a:xfrm>
+              <a:off x="4517069" y="3066430"/>
+              <a:ext cx="277665" cy="2050170"/>
+            </a:xfrm>
+            <a:prstGeom prst="rect">
+              <a:avLst/>
+            </a:prstGeom>
+            <a:solidFill>
+              <a:srgbClr val="CB181D">
+                <a:alpha val="100000"/>
+              </a:srgbClr>
+            </a:solidFill>
+          </p:spPr>
+          <p:txBody>
+            <a:bodyPr/>
+            <a:lstStyle/>
+            <a:p/>
+          </p:txBody>
+        </p:sp>
+        <p:sp>
+          <p:nvSpPr>
+            <p:cNvPr id="43" name="rc43"/>
+            <p:cNvSpPr/>
+            <p:nvPr/>
+          </p:nvSpPr>
+          <p:spPr>
+            <a:xfrm>
+              <a:off x="3545241" y="1809173"/>
+              <a:ext cx="1295770" cy="3464924"/>
+            </a:xfrm>
+            <a:prstGeom prst="rect">
+              <a:avLst/>
+            </a:prstGeom>
+            <a:ln w="13550" cap="rnd">
+              <a:solidFill>
+                <a:srgbClr val="333333">
+                  <a:alpha val="100000"/>
+                </a:srgbClr>
+              </a:solidFill>
+              <a:prstDash val="solid"/>
+              <a:round/>
+            </a:ln>
+          </p:spPr>
+          <p:txBody>
+            <a:bodyPr/>
+            <a:lstStyle/>
+            <a:p/>
+          </p:txBody>
+        </p:sp>
+        <p:sp>
+          <p:nvSpPr>
+            <p:cNvPr id="44" name="rc44"/>
+            <p:cNvSpPr/>
+            <p:nvPr/>
+          </p:nvSpPr>
+          <p:spPr>
+            <a:xfrm>
+              <a:off x="4910601" y="1809173"/>
+              <a:ext cx="1295770" cy="3464924"/>
+            </a:xfrm>
+            <a:prstGeom prst="rect">
+              <a:avLst/>
+            </a:prstGeom>
+            <a:solidFill>
+              <a:srgbClr val="FFFFFF">
+                <a:alpha val="100000"/>
+              </a:srgbClr>
+            </a:solidFill>
+          </p:spPr>
+          <p:txBody>
+            <a:bodyPr/>
+            <a:lstStyle/>
+            <a:p/>
+          </p:txBody>
+        </p:sp>
+        <p:sp>
+          <p:nvSpPr>
+            <p:cNvPr id="45" name="pl45"/>
+            <p:cNvSpPr/>
+            <p:nvPr/>
+          </p:nvSpPr>
+          <p:spPr>
+            <a:xfrm>
+              <a:off x="4910601" y="4777168"/>
+              <a:ext cx="1295770" cy="0"/>
+            </a:xfrm>
+            <a:custGeom>
+              <a:avLst/>
+              <a:pathLst>
+                <a:path w="1295770" h="0">
+                  <a:moveTo>
+                    <a:pt x="0" y="0"/>
+                  </a:moveTo>
+                  <a:lnTo>
+                    <a:pt x="1295770" y="0"/>
+                  </a:lnTo>
+                  <a:lnTo>
+                    <a:pt x="1295770" y="0"/>
+                  </a:lnTo>
+                </a:path>
+              </a:pathLst>
+            </a:custGeom>
+            <a:ln w="6775" cap="flat">
+              <a:solidFill>
+                <a:srgbClr val="EBEBEB">
+                  <a:alpha val="100000"/>
+                </a:srgbClr>
+              </a:solidFill>
+              <a:prstDash val="solid"/>
+              <a:round/>
+            </a:ln>
+          </p:spPr>
+          <p:txBody>
+            <a:bodyPr/>
+            <a:lstStyle/>
+            <a:p/>
+          </p:txBody>
+        </p:sp>
+        <p:sp>
+          <p:nvSpPr>
+            <p:cNvPr id="46" name="pl46"/>
+            <p:cNvSpPr/>
+            <p:nvPr/>
+          </p:nvSpPr>
+          <p:spPr>
+            <a:xfrm>
+              <a:off x="4910601" y="4098304"/>
+              <a:ext cx="1295770" cy="0"/>
+            </a:xfrm>
+            <a:custGeom>
+              <a:avLst/>
+              <a:pathLst>
+                <a:path w="1295770" h="0">
+                  <a:moveTo>
+                    <a:pt x="0" y="0"/>
+                  </a:moveTo>
+                  <a:lnTo>
+                    <a:pt x="1295770" y="0"/>
+                  </a:lnTo>
+                  <a:lnTo>
+                    <a:pt x="1295770" y="0"/>
+                  </a:lnTo>
+                </a:path>
+              </a:pathLst>
+            </a:custGeom>
+            <a:ln w="6775" cap="flat">
+              <a:solidFill>
+                <a:srgbClr val="EBEBEB">
+                  <a:alpha val="100000"/>
+                </a:srgbClr>
+              </a:solidFill>
+              <a:prstDash val="solid"/>
+              <a:round/>
+            </a:ln>
+          </p:spPr>
+          <p:txBody>
+            <a:bodyPr/>
+            <a:lstStyle/>
+            <a:p/>
+          </p:txBody>
+        </p:sp>
+        <p:sp>
+          <p:nvSpPr>
+            <p:cNvPr id="47" name="pl47"/>
+            <p:cNvSpPr/>
+            <p:nvPr/>
+          </p:nvSpPr>
+          <p:spPr>
+            <a:xfrm>
+              <a:off x="4910601" y="3419439"/>
+              <a:ext cx="1295770" cy="0"/>
+            </a:xfrm>
+            <a:custGeom>
+              <a:avLst/>
+              <a:pathLst>
+                <a:path w="1295770" h="0">
+                  <a:moveTo>
+                    <a:pt x="0" y="0"/>
+                  </a:moveTo>
+                  <a:lnTo>
+                    <a:pt x="1295770" y="0"/>
+                  </a:lnTo>
+                  <a:lnTo>
+                    <a:pt x="1295770" y="0"/>
+                  </a:lnTo>
+                </a:path>
+              </a:pathLst>
+            </a:custGeom>
+            <a:ln w="6775" cap="flat">
+              <a:solidFill>
+                <a:srgbClr val="EBEBEB">
+                  <a:alpha val="100000"/>
+                </a:srgbClr>
+              </a:solidFill>
+              <a:prstDash val="solid"/>
+              <a:round/>
+            </a:ln>
+          </p:spPr>
+          <p:txBody>
+            <a:bodyPr/>
+            <a:lstStyle/>
+            <a:p/>
+          </p:txBody>
+        </p:sp>
+        <p:sp>
+          <p:nvSpPr>
+            <p:cNvPr id="48" name="pl48"/>
+            <p:cNvSpPr/>
+            <p:nvPr/>
+          </p:nvSpPr>
+          <p:spPr>
+            <a:xfrm>
+              <a:off x="4910601" y="2740575"/>
+              <a:ext cx="1295770" cy="0"/>
+            </a:xfrm>
+            <a:custGeom>
+              <a:avLst/>
+              <a:pathLst>
+                <a:path w="1295770" h="0">
+                  <a:moveTo>
+                    <a:pt x="0" y="0"/>
+                  </a:moveTo>
+                  <a:lnTo>
+                    <a:pt x="1295770" y="0"/>
+                  </a:lnTo>
+                  <a:lnTo>
+                    <a:pt x="1295770" y="0"/>
+                  </a:lnTo>
+                </a:path>
+              </a:pathLst>
+            </a:custGeom>
+            <a:ln w="6775" cap="flat">
+              <a:solidFill>
+                <a:srgbClr val="EBEBEB">
+                  <a:alpha val="100000"/>
+                </a:srgbClr>
+              </a:solidFill>
+              <a:prstDash val="solid"/>
+              <a:round/>
+            </a:ln>
+          </p:spPr>
+          <p:txBody>
+            <a:bodyPr/>
+            <a:lstStyle/>
+            <a:p/>
+          </p:txBody>
+        </p:sp>
+        <p:sp>
+          <p:nvSpPr>
+            <p:cNvPr id="49" name="pl49"/>
+            <p:cNvSpPr/>
+            <p:nvPr/>
+          </p:nvSpPr>
+          <p:spPr>
+            <a:xfrm>
+              <a:off x="4910601" y="2061710"/>
+              <a:ext cx="1295770" cy="0"/>
+            </a:xfrm>
+            <a:custGeom>
+              <a:avLst/>
+              <a:pathLst>
+                <a:path w="1295770" h="0">
+                  <a:moveTo>
+                    <a:pt x="0" y="0"/>
+                  </a:moveTo>
+                  <a:lnTo>
+                    <a:pt x="1295770" y="0"/>
+                  </a:lnTo>
+                  <a:lnTo>
+                    <a:pt x="1295770" y="0"/>
+                  </a:lnTo>
+                </a:path>
+              </a:pathLst>
+            </a:custGeom>
+            <a:ln w="6775" cap="flat">
+              <a:solidFill>
+                <a:srgbClr val="EBEBEB">
+                  <a:alpha val="100000"/>
+                </a:srgbClr>
+              </a:solidFill>
+              <a:prstDash val="solid"/>
+              <a:round/>
+            </a:ln>
+          </p:spPr>
+          <p:txBody>
+            <a:bodyPr/>
+            <a:lstStyle/>
+            <a:p/>
+          </p:txBody>
+        </p:sp>
+        <p:sp>
+          <p:nvSpPr>
+            <p:cNvPr id="50" name="pl50"/>
+            <p:cNvSpPr/>
+            <p:nvPr/>
+          </p:nvSpPr>
+          <p:spPr>
+            <a:xfrm>
+              <a:off x="4910601" y="5116600"/>
+              <a:ext cx="1295770" cy="0"/>
+            </a:xfrm>
+            <a:custGeom>
+              <a:avLst/>
+              <a:pathLst>
+                <a:path w="1295770" h="0">
+                  <a:moveTo>
+                    <a:pt x="0" y="0"/>
+                  </a:moveTo>
+                  <a:lnTo>
+                    <a:pt x="1295770" y="0"/>
+                  </a:lnTo>
+                  <a:lnTo>
+                    <a:pt x="1295770" y="0"/>
+                  </a:lnTo>
+                </a:path>
+              </a:pathLst>
+            </a:custGeom>
+            <a:ln w="13550" cap="flat">
+              <a:solidFill>
+                <a:srgbClr val="EBEBEB">
+                  <a:alpha val="100000"/>
+                </a:srgbClr>
+              </a:solidFill>
+              <a:prstDash val="solid"/>
+              <a:round/>
+            </a:ln>
+          </p:spPr>
+          <p:txBody>
+            <a:bodyPr/>
+            <a:lstStyle/>
+            <a:p/>
+          </p:txBody>
+        </p:sp>
+        <p:sp>
+          <p:nvSpPr>
+            <p:cNvPr id="51" name="pl51"/>
+            <p:cNvSpPr/>
+            <p:nvPr/>
+          </p:nvSpPr>
+          <p:spPr>
+            <a:xfrm>
+              <a:off x="4910601" y="4437736"/>
+              <a:ext cx="1295770" cy="0"/>
+            </a:xfrm>
+            <a:custGeom>
+              <a:avLst/>
+              <a:pathLst>
+                <a:path w="1295770" h="0">
+                  <a:moveTo>
+                    <a:pt x="0" y="0"/>
+                  </a:moveTo>
+                  <a:lnTo>
+                    <a:pt x="1295770" y="0"/>
+                  </a:lnTo>
+                  <a:lnTo>
+                    <a:pt x="1295770" y="0"/>
+                  </a:lnTo>
+                </a:path>
+              </a:pathLst>
+            </a:custGeom>
+            <a:ln w="13550" cap="flat">
+              <a:solidFill>
+                <a:srgbClr val="EBEBEB">
+                  <a:alpha val="100000"/>
+                </a:srgbClr>
+              </a:solidFill>
+              <a:prstDash val="solid"/>
+              <a:round/>
+            </a:ln>
+          </p:spPr>
+          <p:txBody>
+            <a:bodyPr/>
+            <a:lstStyle/>
+            <a:p/>
+          </p:txBody>
+        </p:sp>
+        <p:sp>
+          <p:nvSpPr>
+            <p:cNvPr id="52" name="pl52"/>
+            <p:cNvSpPr/>
+            <p:nvPr/>
+          </p:nvSpPr>
+          <p:spPr>
+            <a:xfrm>
+              <a:off x="4910601" y="3758871"/>
+              <a:ext cx="1295770" cy="0"/>
+            </a:xfrm>
+            <a:custGeom>
+              <a:avLst/>
+              <a:pathLst>
+                <a:path w="1295770" h="0">
+                  <a:moveTo>
+                    <a:pt x="0" y="0"/>
+                  </a:moveTo>
+                  <a:lnTo>
+                    <a:pt x="1295770" y="0"/>
+                  </a:lnTo>
+                  <a:lnTo>
+                    <a:pt x="1295770" y="0"/>
+                  </a:lnTo>
+                </a:path>
+              </a:pathLst>
+            </a:custGeom>
+            <a:ln w="13550" cap="flat">
+              <a:solidFill>
+                <a:srgbClr val="EBEBEB">
+                  <a:alpha val="100000"/>
+                </a:srgbClr>
+              </a:solidFill>
+              <a:prstDash val="solid"/>
+              <a:round/>
+            </a:ln>
+          </p:spPr>
+          <p:txBody>
+            <a:bodyPr/>
+            <a:lstStyle/>
+            <a:p/>
+          </p:txBody>
+        </p:sp>
+        <p:sp>
+          <p:nvSpPr>
+            <p:cNvPr id="53" name="pl53"/>
+            <p:cNvSpPr/>
+            <p:nvPr/>
+          </p:nvSpPr>
+          <p:spPr>
+            <a:xfrm>
+              <a:off x="4910601" y="3080007"/>
+              <a:ext cx="1295770" cy="0"/>
+            </a:xfrm>
+            <a:custGeom>
+              <a:avLst/>
+              <a:pathLst>
+                <a:path w="1295770" h="0">
+                  <a:moveTo>
+                    <a:pt x="0" y="0"/>
+                  </a:moveTo>
+                  <a:lnTo>
+                    <a:pt x="1295770" y="0"/>
+                  </a:lnTo>
+                  <a:lnTo>
+                    <a:pt x="1295770" y="0"/>
+                  </a:lnTo>
+                </a:path>
+              </a:pathLst>
+            </a:custGeom>
+            <a:ln w="13550" cap="flat">
+              <a:solidFill>
+                <a:srgbClr val="EBEBEB">
+                  <a:alpha val="100000"/>
+                </a:srgbClr>
+              </a:solidFill>
+              <a:prstDash val="solid"/>
+              <a:round/>
+            </a:ln>
+          </p:spPr>
+          <p:txBody>
+            <a:bodyPr/>
+            <a:lstStyle/>
+            <a:p/>
+          </p:txBody>
+        </p:sp>
+        <p:sp>
+          <p:nvSpPr>
+            <p:cNvPr id="54" name="pl54"/>
+            <p:cNvSpPr/>
+            <p:nvPr/>
+          </p:nvSpPr>
+          <p:spPr>
+            <a:xfrm>
+              <a:off x="4910601" y="2401142"/>
+              <a:ext cx="1295770" cy="0"/>
+            </a:xfrm>
+            <a:custGeom>
+              <a:avLst/>
+              <a:pathLst>
+                <a:path w="1295770" h="0">
+                  <a:moveTo>
+                    <a:pt x="0" y="0"/>
+                  </a:moveTo>
+                  <a:lnTo>
+                    <a:pt x="1295770" y="0"/>
+                  </a:lnTo>
+                  <a:lnTo>
+                    <a:pt x="1295770" y="0"/>
+                  </a:lnTo>
+                </a:path>
+              </a:pathLst>
+            </a:custGeom>
+            <a:ln w="13550" cap="flat">
+              <a:solidFill>
+                <a:srgbClr val="EBEBEB">
+                  <a:alpha val="100000"/>
+                </a:srgbClr>
+              </a:solidFill>
+              <a:prstDash val="solid"/>
+              <a:round/>
+            </a:ln>
+          </p:spPr>
+          <p:txBody>
+            <a:bodyPr/>
+            <a:lstStyle/>
+            <a:p/>
+          </p:txBody>
+        </p:sp>
+        <p:sp>
+          <p:nvSpPr>
+            <p:cNvPr id="55" name="pl55"/>
+            <p:cNvSpPr/>
+            <p:nvPr/>
+          </p:nvSpPr>
+          <p:spPr>
+            <a:xfrm>
+              <a:off x="5095711" y="1809173"/>
+              <a:ext cx="0" cy="3464924"/>
+            </a:xfrm>
+            <a:custGeom>
+              <a:avLst/>
+              <a:pathLst>
+                <a:path w="0" h="3464924">
+                  <a:moveTo>
+                    <a:pt x="0" y="3464924"/>
+                  </a:moveTo>
+                  <a:lnTo>
+                    <a:pt x="0" y="0"/>
+                  </a:lnTo>
+                  <a:lnTo>
+                    <a:pt x="0" y="0"/>
+                  </a:lnTo>
+                </a:path>
+              </a:pathLst>
+            </a:custGeom>
+            <a:ln w="13550" cap="flat">
+              <a:solidFill>
+                <a:srgbClr val="EBEBEB">
+                  <a:alpha val="100000"/>
+                </a:srgbClr>
+              </a:solidFill>
+              <a:prstDash val="solid"/>
+              <a:round/>
+            </a:ln>
+          </p:spPr>
+          <p:txBody>
+            <a:bodyPr/>
+            <a:lstStyle/>
+            <a:p/>
+          </p:txBody>
+        </p:sp>
+        <p:sp>
+          <p:nvSpPr>
+            <p:cNvPr id="56" name="pl56"/>
+            <p:cNvSpPr/>
+            <p:nvPr/>
+          </p:nvSpPr>
+          <p:spPr>
+            <a:xfrm>
+              <a:off x="5404228" y="1809173"/>
+              <a:ext cx="0" cy="3464924"/>
+            </a:xfrm>
+            <a:custGeom>
+              <a:avLst/>
+              <a:pathLst>
+                <a:path w="0" h="3464924">
+                  <a:moveTo>
+                    <a:pt x="0" y="3464924"/>
+                  </a:moveTo>
+                  <a:lnTo>
+                    <a:pt x="0" y="0"/>
+                  </a:lnTo>
+                  <a:lnTo>
+                    <a:pt x="0" y="0"/>
+                  </a:lnTo>
+                </a:path>
+              </a:pathLst>
+            </a:custGeom>
+            <a:ln w="13550" cap="flat">
+              <a:solidFill>
+                <a:srgbClr val="EBEBEB">
+                  <a:alpha val="100000"/>
+                </a:srgbClr>
+              </a:solidFill>
+              <a:prstDash val="solid"/>
+              <a:round/>
+            </a:ln>
+          </p:spPr>
+          <p:txBody>
+            <a:bodyPr/>
+            <a:lstStyle/>
+            <a:p/>
+          </p:txBody>
+        </p:sp>
+        <p:sp>
+          <p:nvSpPr>
+            <p:cNvPr id="57" name="pl57"/>
+            <p:cNvSpPr/>
+            <p:nvPr/>
+          </p:nvSpPr>
+          <p:spPr>
+            <a:xfrm>
+              <a:off x="5712745" y="1809173"/>
+              <a:ext cx="0" cy="3464924"/>
+            </a:xfrm>
+            <a:custGeom>
+              <a:avLst/>
+              <a:pathLst>
+                <a:path w="0" h="3464924">
+                  <a:moveTo>
+                    <a:pt x="0" y="3464924"/>
+                  </a:moveTo>
+                  <a:lnTo>
+                    <a:pt x="0" y="0"/>
+                  </a:lnTo>
+                  <a:lnTo>
+                    <a:pt x="0" y="0"/>
+                  </a:lnTo>
+                </a:path>
+              </a:pathLst>
+            </a:custGeom>
+            <a:ln w="13550" cap="flat">
+              <a:solidFill>
+                <a:srgbClr val="EBEBEB">
+                  <a:alpha val="100000"/>
+                </a:srgbClr>
+              </a:solidFill>
+              <a:prstDash val="solid"/>
+              <a:round/>
+            </a:ln>
+          </p:spPr>
+          <p:txBody>
+            <a:bodyPr/>
+            <a:lstStyle/>
+            <a:p/>
+          </p:txBody>
+        </p:sp>
+        <p:sp>
+          <p:nvSpPr>
+            <p:cNvPr id="58" name="pl58"/>
+            <p:cNvSpPr/>
+            <p:nvPr/>
+          </p:nvSpPr>
+          <p:spPr>
+            <a:xfrm>
+              <a:off x="6021262" y="1809173"/>
+              <a:ext cx="0" cy="3464924"/>
+            </a:xfrm>
+            <a:custGeom>
+              <a:avLst/>
+              <a:pathLst>
+                <a:path w="0" h="3464924">
+                  <a:moveTo>
+                    <a:pt x="0" y="3464924"/>
+                  </a:moveTo>
+                  <a:lnTo>
+                    <a:pt x="0" y="0"/>
+                  </a:lnTo>
+                  <a:lnTo>
+                    <a:pt x="0" y="0"/>
+                  </a:lnTo>
+                </a:path>
+              </a:pathLst>
+            </a:custGeom>
+            <a:ln w="13550" cap="flat">
+              <a:solidFill>
+                <a:srgbClr val="EBEBEB">
+                  <a:alpha val="100000"/>
+                </a:srgbClr>
+              </a:solidFill>
+              <a:prstDash val="solid"/>
+              <a:round/>
+            </a:ln>
+          </p:spPr>
+          <p:txBody>
+            <a:bodyPr/>
+            <a:lstStyle/>
+            <a:p/>
+          </p:txBody>
+        </p:sp>
+        <p:sp>
+          <p:nvSpPr>
+            <p:cNvPr id="59" name="rc59"/>
+            <p:cNvSpPr/>
+            <p:nvPr/>
+          </p:nvSpPr>
+          <p:spPr>
+            <a:xfrm>
+              <a:off x="5265396" y="5089446"/>
+              <a:ext cx="277665" cy="27154"/>
+            </a:xfrm>
+            <a:prstGeom prst="rect">
+              <a:avLst/>
+            </a:prstGeom>
+            <a:solidFill>
+              <a:srgbClr val="FCAE91">
+                <a:alpha val="100000"/>
+              </a:srgbClr>
+            </a:solidFill>
+          </p:spPr>
+          <p:txBody>
+            <a:bodyPr/>
+            <a:lstStyle/>
+            <a:p/>
+          </p:txBody>
+        </p:sp>
+        <p:sp>
+          <p:nvSpPr>
+            <p:cNvPr id="60" name="rc60"/>
+            <p:cNvSpPr/>
+            <p:nvPr/>
+          </p:nvSpPr>
+          <p:spPr>
+            <a:xfrm>
+              <a:off x="5573912" y="4763591"/>
+              <a:ext cx="277665" cy="353009"/>
+            </a:xfrm>
+            <a:prstGeom prst="rect">
+              <a:avLst/>
+            </a:prstGeom>
+            <a:solidFill>
+              <a:srgbClr val="FB6A4A">
+                <a:alpha val="100000"/>
+              </a:srgbClr>
+            </a:solidFill>
+          </p:spPr>
+          <p:txBody>
+            <a:bodyPr/>
+            <a:lstStyle/>
+            <a:p/>
+          </p:txBody>
+        </p:sp>
+        <p:sp>
+          <p:nvSpPr>
+            <p:cNvPr id="61" name="rc61"/>
+            <p:cNvSpPr/>
+            <p:nvPr/>
+          </p:nvSpPr>
+          <p:spPr>
+            <a:xfrm>
+              <a:off x="5882429" y="4329118"/>
+              <a:ext cx="277665" cy="787482"/>
+            </a:xfrm>
+            <a:prstGeom prst="rect">
+              <a:avLst/>
+            </a:prstGeom>
+            <a:solidFill>
+              <a:srgbClr val="CB181D">
+                <a:alpha val="100000"/>
+              </a:srgbClr>
+            </a:solidFill>
+          </p:spPr>
+          <p:txBody>
+            <a:bodyPr/>
+            <a:lstStyle/>
+            <a:p/>
+          </p:txBody>
+        </p:sp>
+        <p:sp>
+          <p:nvSpPr>
+            <p:cNvPr id="62" name="rc62"/>
+            <p:cNvSpPr/>
+            <p:nvPr/>
+          </p:nvSpPr>
+          <p:spPr>
+            <a:xfrm>
+              <a:off x="4910601" y="1809173"/>
+              <a:ext cx="1295770" cy="3464924"/>
+            </a:xfrm>
+            <a:prstGeom prst="rect">
+              <a:avLst/>
+            </a:prstGeom>
+            <a:ln w="13550" cap="rnd">
+              <a:solidFill>
+                <a:srgbClr val="333333">
+                  <a:alpha val="100000"/>
+                </a:srgbClr>
+              </a:solidFill>
+              <a:prstDash val="solid"/>
+              <a:round/>
+            </a:ln>
+          </p:spPr>
+          <p:txBody>
+            <a:bodyPr/>
+            <a:lstStyle/>
+            <a:p/>
+          </p:txBody>
+        </p:sp>
+        <p:sp>
+          <p:nvSpPr>
+            <p:cNvPr id="63" name="rc63"/>
+            <p:cNvSpPr/>
+            <p:nvPr/>
+          </p:nvSpPr>
+          <p:spPr>
+            <a:xfrm>
+              <a:off x="6275961" y="1809173"/>
+              <a:ext cx="1295770" cy="3464924"/>
+            </a:xfrm>
+            <a:prstGeom prst="rect">
+              <a:avLst/>
+            </a:prstGeom>
+            <a:solidFill>
+              <a:srgbClr val="FFFFFF">
+                <a:alpha val="100000"/>
+              </a:srgbClr>
+            </a:solidFill>
+          </p:spPr>
+          <p:txBody>
+            <a:bodyPr/>
+            <a:lstStyle/>
+            <a:p/>
+          </p:txBody>
+        </p:sp>
+        <p:sp>
+          <p:nvSpPr>
+            <p:cNvPr id="64" name="pl64"/>
+            <p:cNvSpPr/>
+            <p:nvPr/>
+          </p:nvSpPr>
+          <p:spPr>
+            <a:xfrm>
+              <a:off x="6275961" y="4777168"/>
+              <a:ext cx="1295770" cy="0"/>
+            </a:xfrm>
+            <a:custGeom>
+              <a:avLst/>
+              <a:pathLst>
+                <a:path w="1295770" h="0">
+                  <a:moveTo>
+                    <a:pt x="0" y="0"/>
+                  </a:moveTo>
+                  <a:lnTo>
+                    <a:pt x="1295770" y="0"/>
+                  </a:lnTo>
+                  <a:lnTo>
+                    <a:pt x="1295770" y="0"/>
+                  </a:lnTo>
+                </a:path>
+              </a:pathLst>
+            </a:custGeom>
+            <a:ln w="6775" cap="flat">
+              <a:solidFill>
+                <a:srgbClr val="EBEBEB">
+                  <a:alpha val="100000"/>
+                </a:srgbClr>
+              </a:solidFill>
+              <a:prstDash val="solid"/>
+              <a:round/>
+            </a:ln>
+          </p:spPr>
+          <p:txBody>
+            <a:bodyPr/>
+            <a:lstStyle/>
+            <a:p/>
+          </p:txBody>
+        </p:sp>
+        <p:sp>
+          <p:nvSpPr>
+            <p:cNvPr id="65" name="pl65"/>
+            <p:cNvSpPr/>
+            <p:nvPr/>
+          </p:nvSpPr>
+          <p:spPr>
+            <a:xfrm>
+              <a:off x="6275961" y="4098304"/>
+              <a:ext cx="1295770" cy="0"/>
+            </a:xfrm>
+            <a:custGeom>
+              <a:avLst/>
+              <a:pathLst>
+                <a:path w="1295770" h="0">
+                  <a:moveTo>
+                    <a:pt x="0" y="0"/>
+                  </a:moveTo>
+                  <a:lnTo>
+                    <a:pt x="1295770" y="0"/>
+                  </a:lnTo>
+                  <a:lnTo>
+                    <a:pt x="1295770" y="0"/>
+                  </a:lnTo>
+                </a:path>
+              </a:pathLst>
+            </a:custGeom>
+            <a:ln w="6775" cap="flat">
+              <a:solidFill>
+                <a:srgbClr val="EBEBEB">
+                  <a:alpha val="100000"/>
+                </a:srgbClr>
+              </a:solidFill>
+              <a:prstDash val="solid"/>
+              <a:round/>
+            </a:ln>
+          </p:spPr>
+          <p:txBody>
+            <a:bodyPr/>
+            <a:lstStyle/>
+            <a:p/>
+          </p:txBody>
+        </p:sp>
+        <p:sp>
+          <p:nvSpPr>
+            <p:cNvPr id="66" name="pl66"/>
+            <p:cNvSpPr/>
+            <p:nvPr/>
+          </p:nvSpPr>
+          <p:spPr>
+            <a:xfrm>
+              <a:off x="6275961" y="3419439"/>
+              <a:ext cx="1295770" cy="0"/>
+            </a:xfrm>
+            <a:custGeom>
+              <a:avLst/>
+              <a:pathLst>
+                <a:path w="1295770" h="0">
+                  <a:moveTo>
+                    <a:pt x="0" y="0"/>
+                  </a:moveTo>
+                  <a:lnTo>
+                    <a:pt x="1295770" y="0"/>
+                  </a:lnTo>
+                  <a:lnTo>
+                    <a:pt x="1295770" y="0"/>
+                  </a:lnTo>
+                </a:path>
+              </a:pathLst>
+            </a:custGeom>
+            <a:ln w="6775" cap="flat">
+              <a:solidFill>
+                <a:srgbClr val="EBEBEB">
+                  <a:alpha val="100000"/>
+                </a:srgbClr>
+              </a:solidFill>
+              <a:prstDash val="solid"/>
+              <a:round/>
+            </a:ln>
+          </p:spPr>
+          <p:txBody>
+            <a:bodyPr/>
+            <a:lstStyle/>
+            <a:p/>
+          </p:txBody>
+        </p:sp>
+        <p:sp>
+          <p:nvSpPr>
+            <p:cNvPr id="67" name="pl67"/>
+            <p:cNvSpPr/>
+            <p:nvPr/>
+          </p:nvSpPr>
+          <p:spPr>
+            <a:xfrm>
+              <a:off x="6275961" y="2740575"/>
+              <a:ext cx="1295770" cy="0"/>
+            </a:xfrm>
+            <a:custGeom>
+              <a:avLst/>
+              <a:pathLst>
+                <a:path w="1295770" h="0">
+                  <a:moveTo>
+                    <a:pt x="0" y="0"/>
+                  </a:moveTo>
+                  <a:lnTo>
+                    <a:pt x="1295770" y="0"/>
+                  </a:lnTo>
+                  <a:lnTo>
+                    <a:pt x="1295770" y="0"/>
+                  </a:lnTo>
+                </a:path>
+              </a:pathLst>
+            </a:custGeom>
+            <a:ln w="6775" cap="flat">
+              <a:solidFill>
+                <a:srgbClr val="EBEBEB">
+                  <a:alpha val="100000"/>
+                </a:srgbClr>
+              </a:solidFill>
+              <a:prstDash val="solid"/>
+              <a:round/>
+            </a:ln>
+          </p:spPr>
+          <p:txBody>
+            <a:bodyPr/>
+            <a:lstStyle/>
+            <a:p/>
+          </p:txBody>
+        </p:sp>
+        <p:sp>
+          <p:nvSpPr>
+            <p:cNvPr id="68" name="pl68"/>
+            <p:cNvSpPr/>
+            <p:nvPr/>
+          </p:nvSpPr>
+          <p:spPr>
+            <a:xfrm>
+              <a:off x="6275961" y="2061710"/>
+              <a:ext cx="1295770" cy="0"/>
+            </a:xfrm>
+            <a:custGeom>
+              <a:avLst/>
+              <a:pathLst>
+                <a:path w="1295770" h="0">
+                  <a:moveTo>
+                    <a:pt x="0" y="0"/>
+                  </a:moveTo>
+                  <a:lnTo>
+                    <a:pt x="1295770" y="0"/>
+                  </a:lnTo>
+                  <a:lnTo>
+                    <a:pt x="1295770" y="0"/>
+                  </a:lnTo>
+                </a:path>
+              </a:pathLst>
+            </a:custGeom>
+            <a:ln w="6775" cap="flat">
+              <a:solidFill>
+                <a:srgbClr val="EBEBEB">
+                  <a:alpha val="100000"/>
+                </a:srgbClr>
+              </a:solidFill>
+              <a:prstDash val="solid"/>
+              <a:round/>
+            </a:ln>
+          </p:spPr>
+          <p:txBody>
+            <a:bodyPr/>
+            <a:lstStyle/>
+            <a:p/>
+          </p:txBody>
+        </p:sp>
+        <p:sp>
+          <p:nvSpPr>
+            <p:cNvPr id="69" name="pl69"/>
+            <p:cNvSpPr/>
+            <p:nvPr/>
+          </p:nvSpPr>
+          <p:spPr>
+            <a:xfrm>
+              <a:off x="6275961" y="5116600"/>
+              <a:ext cx="1295770" cy="0"/>
+            </a:xfrm>
+            <a:custGeom>
+              <a:avLst/>
+              <a:pathLst>
+                <a:path w="1295770" h="0">
+                  <a:moveTo>
+                    <a:pt x="0" y="0"/>
+                  </a:moveTo>
+                  <a:lnTo>
+                    <a:pt x="1295770" y="0"/>
+                  </a:lnTo>
+                  <a:lnTo>
+                    <a:pt x="1295770" y="0"/>
+                  </a:lnTo>
+                </a:path>
+              </a:pathLst>
+            </a:custGeom>
+            <a:ln w="13550" cap="flat">
+              <a:solidFill>
+                <a:srgbClr val="EBEBEB">
+                  <a:alpha val="100000"/>
+                </a:srgbClr>
+              </a:solidFill>
+              <a:prstDash val="solid"/>
+              <a:round/>
+            </a:ln>
+          </p:spPr>
+          <p:txBody>
+            <a:bodyPr/>
+            <a:lstStyle/>
+            <a:p/>
+          </p:txBody>
+        </p:sp>
+        <p:sp>
+          <p:nvSpPr>
+            <p:cNvPr id="70" name="pl70"/>
+            <p:cNvSpPr/>
+            <p:nvPr/>
+          </p:nvSpPr>
+          <p:spPr>
+            <a:xfrm>
+              <a:off x="6275961" y="4437736"/>
+              <a:ext cx="1295770" cy="0"/>
+            </a:xfrm>
+            <a:custGeom>
+              <a:avLst/>
+              <a:pathLst>
+                <a:path w="1295770" h="0">
+                  <a:moveTo>
+                    <a:pt x="0" y="0"/>
+                  </a:moveTo>
+                  <a:lnTo>
+                    <a:pt x="1295770" y="0"/>
+                  </a:lnTo>
+                  <a:lnTo>
+                    <a:pt x="1295770" y="0"/>
+                  </a:lnTo>
+                </a:path>
+              </a:pathLst>
+            </a:custGeom>
+            <a:ln w="13550" cap="flat">
+              <a:solidFill>
+                <a:srgbClr val="EBEBEB">
+                  <a:alpha val="100000"/>
+                </a:srgbClr>
+              </a:solidFill>
+              <a:prstDash val="solid"/>
+              <a:round/>
+            </a:ln>
+          </p:spPr>
+          <p:txBody>
+            <a:bodyPr/>
+            <a:lstStyle/>
+            <a:p/>
+          </p:txBody>
+        </p:sp>
+        <p:sp>
+          <p:nvSpPr>
+            <p:cNvPr id="71" name="pl71"/>
+            <p:cNvSpPr/>
+            <p:nvPr/>
+          </p:nvSpPr>
+          <p:spPr>
+            <a:xfrm>
+              <a:off x="6275961" y="3758871"/>
+              <a:ext cx="1295770" cy="0"/>
+            </a:xfrm>
+            <a:custGeom>
+              <a:avLst/>
+              <a:pathLst>
+                <a:path w="1295770" h="0">
+                  <a:moveTo>
+                    <a:pt x="0" y="0"/>
+                  </a:moveTo>
+                  <a:lnTo>
+                    <a:pt x="1295770" y="0"/>
+                  </a:lnTo>
+                  <a:lnTo>
+                    <a:pt x="1295770" y="0"/>
+                  </a:lnTo>
+                </a:path>
+              </a:pathLst>
+            </a:custGeom>
+            <a:ln w="13550" cap="flat">
+              <a:solidFill>
+                <a:srgbClr val="EBEBEB">
+                  <a:alpha val="100000"/>
+                </a:srgbClr>
+              </a:solidFill>
+              <a:prstDash val="solid"/>
+              <a:round/>
+            </a:ln>
+          </p:spPr>
+          <p:txBody>
+            <a:bodyPr/>
+            <a:lstStyle/>
+            <a:p/>
+          </p:txBody>
+        </p:sp>
+        <p:sp>
+          <p:nvSpPr>
+            <p:cNvPr id="72" name="pl72"/>
+            <p:cNvSpPr/>
+            <p:nvPr/>
+          </p:nvSpPr>
+          <p:spPr>
+            <a:xfrm>
+              <a:off x="6275961" y="3080007"/>
+              <a:ext cx="1295770" cy="0"/>
+            </a:xfrm>
+            <a:custGeom>
+              <a:avLst/>
+              <a:pathLst>
+                <a:path w="1295770" h="0">
+                  <a:moveTo>
+                    <a:pt x="0" y="0"/>
+                  </a:moveTo>
+                  <a:lnTo>
+                    <a:pt x="1295770" y="0"/>
+                  </a:lnTo>
+                  <a:lnTo>
+                    <a:pt x="1295770" y="0"/>
+                  </a:lnTo>
+                </a:path>
+              </a:pathLst>
+            </a:custGeom>
+            <a:ln w="13550" cap="flat">
+              <a:solidFill>
+                <a:srgbClr val="EBEBEB">
+                  <a:alpha val="100000"/>
+                </a:srgbClr>
+              </a:solidFill>
+              <a:prstDash val="solid"/>
+              <a:round/>
+            </a:ln>
+          </p:spPr>
+          <p:txBody>
+            <a:bodyPr/>
+            <a:lstStyle/>
+            <a:p/>
+          </p:txBody>
+        </p:sp>
+        <p:sp>
+          <p:nvSpPr>
+            <p:cNvPr id="73" name="pl73"/>
+            <p:cNvSpPr/>
+            <p:nvPr/>
+          </p:nvSpPr>
+          <p:spPr>
+            <a:xfrm>
+              <a:off x="6275961" y="2401142"/>
+              <a:ext cx="1295770" cy="0"/>
+            </a:xfrm>
+            <a:custGeom>
+              <a:avLst/>
+              <a:pathLst>
+                <a:path w="1295770" h="0">
+                  <a:moveTo>
+                    <a:pt x="0" y="0"/>
+                  </a:moveTo>
+                  <a:lnTo>
+                    <a:pt x="1295770" y="0"/>
+                  </a:lnTo>
+                  <a:lnTo>
+                    <a:pt x="1295770" y="0"/>
+                  </a:lnTo>
+                </a:path>
+              </a:pathLst>
+            </a:custGeom>
+            <a:ln w="13550" cap="flat">
+              <a:solidFill>
+                <a:srgbClr val="EBEBEB">
+                  <a:alpha val="100000"/>
+                </a:srgbClr>
+              </a:solidFill>
+              <a:prstDash val="solid"/>
+              <a:round/>
+            </a:ln>
+          </p:spPr>
+          <p:txBody>
+            <a:bodyPr/>
+            <a:lstStyle/>
+            <a:p/>
+          </p:txBody>
+        </p:sp>
+        <p:sp>
+          <p:nvSpPr>
+            <p:cNvPr id="74" name="pl74"/>
+            <p:cNvSpPr/>
+            <p:nvPr/>
+          </p:nvSpPr>
+          <p:spPr>
+            <a:xfrm>
+              <a:off x="6461071" y="1809173"/>
+              <a:ext cx="0" cy="3464924"/>
+            </a:xfrm>
+            <a:custGeom>
+              <a:avLst/>
+              <a:pathLst>
+                <a:path w="0" h="3464924">
+                  <a:moveTo>
+                    <a:pt x="0" y="3464924"/>
+                  </a:moveTo>
+                  <a:lnTo>
+                    <a:pt x="0" y="0"/>
+                  </a:lnTo>
+                  <a:lnTo>
+                    <a:pt x="0" y="0"/>
+                  </a:lnTo>
+                </a:path>
+              </a:pathLst>
+            </a:custGeom>
+            <a:ln w="13550" cap="flat">
+              <a:solidFill>
+                <a:srgbClr val="EBEBEB">
+                  <a:alpha val="100000"/>
+                </a:srgbClr>
+              </a:solidFill>
+              <a:prstDash val="solid"/>
+              <a:round/>
+            </a:ln>
+          </p:spPr>
+          <p:txBody>
+            <a:bodyPr/>
+            <a:lstStyle/>
+            <a:p/>
+          </p:txBody>
+        </p:sp>
+        <p:sp>
+          <p:nvSpPr>
+            <p:cNvPr id="75" name="pl75"/>
+            <p:cNvSpPr/>
+            <p:nvPr/>
+          </p:nvSpPr>
+          <p:spPr>
+            <a:xfrm>
+              <a:off x="6769588" y="1809173"/>
+              <a:ext cx="0" cy="3464924"/>
+            </a:xfrm>
+            <a:custGeom>
+              <a:avLst/>
+              <a:pathLst>
+                <a:path w="0" h="3464924">
+                  <a:moveTo>
+                    <a:pt x="0" y="3464924"/>
+                  </a:moveTo>
+                  <a:lnTo>
+                    <a:pt x="0" y="0"/>
+                  </a:lnTo>
+                  <a:lnTo>
+                    <a:pt x="0" y="0"/>
+                  </a:lnTo>
+                </a:path>
+              </a:pathLst>
+            </a:custGeom>
+            <a:ln w="13550" cap="flat">
+              <a:solidFill>
+                <a:srgbClr val="EBEBEB">
+                  <a:alpha val="100000"/>
+                </a:srgbClr>
+              </a:solidFill>
+              <a:prstDash val="solid"/>
+              <a:round/>
+            </a:ln>
+          </p:spPr>
+          <p:txBody>
+            <a:bodyPr/>
+            <a:lstStyle/>
+            <a:p/>
+          </p:txBody>
+        </p:sp>
+        <p:sp>
+          <p:nvSpPr>
+            <p:cNvPr id="76" name="pl76"/>
+            <p:cNvSpPr/>
+            <p:nvPr/>
+          </p:nvSpPr>
+          <p:spPr>
+            <a:xfrm>
+              <a:off x="7078105" y="1809173"/>
+              <a:ext cx="0" cy="3464924"/>
+            </a:xfrm>
+            <a:custGeom>
+              <a:avLst/>
+              <a:pathLst>
+                <a:path w="0" h="3464924">
+                  <a:moveTo>
+                    <a:pt x="0" y="3464924"/>
+                  </a:moveTo>
+                  <a:lnTo>
+                    <a:pt x="0" y="0"/>
+                  </a:lnTo>
+                  <a:lnTo>
+                    <a:pt x="0" y="0"/>
+                  </a:lnTo>
+                </a:path>
+              </a:pathLst>
+            </a:custGeom>
+            <a:ln w="13550" cap="flat">
+              <a:solidFill>
+                <a:srgbClr val="EBEBEB">
+                  <a:alpha val="100000"/>
+                </a:srgbClr>
+              </a:solidFill>
+              <a:prstDash val="solid"/>
+              <a:round/>
+            </a:ln>
+          </p:spPr>
+          <p:txBody>
+            <a:bodyPr/>
+            <a:lstStyle/>
+            <a:p/>
+          </p:txBody>
+        </p:sp>
+        <p:sp>
+          <p:nvSpPr>
+            <p:cNvPr id="77" name="pl77"/>
+            <p:cNvSpPr/>
+            <p:nvPr/>
+          </p:nvSpPr>
+          <p:spPr>
+            <a:xfrm>
+              <a:off x="7386622" y="1809173"/>
+              <a:ext cx="0" cy="3464924"/>
+            </a:xfrm>
+            <a:custGeom>
+              <a:avLst/>
+              <a:pathLst>
+                <a:path w="0" h="3464924">
+                  <a:moveTo>
+                    <a:pt x="0" y="3464924"/>
+                  </a:moveTo>
+                  <a:lnTo>
+                    <a:pt x="0" y="0"/>
+                  </a:lnTo>
+                  <a:lnTo>
+                    <a:pt x="0" y="0"/>
+                  </a:lnTo>
+                </a:path>
+              </a:pathLst>
+            </a:custGeom>
+            <a:ln w="13550" cap="flat">
+              <a:solidFill>
+                <a:srgbClr val="EBEBEB">
+                  <a:alpha val="100000"/>
+                </a:srgbClr>
+              </a:solidFill>
+              <a:prstDash val="solid"/>
+              <a:round/>
+            </a:ln>
+          </p:spPr>
+          <p:txBody>
+            <a:bodyPr/>
+            <a:lstStyle/>
+            <a:p/>
+          </p:txBody>
+        </p:sp>
+        <p:sp>
+          <p:nvSpPr>
+            <p:cNvPr id="78" name="rc78"/>
+            <p:cNvSpPr/>
+            <p:nvPr/>
+          </p:nvSpPr>
+          <p:spPr>
+            <a:xfrm>
+              <a:off x="6939272" y="4627818"/>
+              <a:ext cx="277665" cy="488782"/>
+            </a:xfrm>
+            <a:prstGeom prst="rect">
+              <a:avLst/>
+            </a:prstGeom>
+            <a:solidFill>
+              <a:srgbClr val="FB6A4A">
+                <a:alpha val="100000"/>
+              </a:srgbClr>
+            </a:solidFill>
+          </p:spPr>
+          <p:txBody>
+            <a:bodyPr/>
+            <a:lstStyle/>
+            <a:p/>
+          </p:txBody>
+        </p:sp>
+        <p:sp>
+          <p:nvSpPr>
+            <p:cNvPr id="79" name="rc79"/>
+            <p:cNvSpPr/>
+            <p:nvPr/>
+          </p:nvSpPr>
+          <p:spPr>
+            <a:xfrm>
+              <a:off x="7247789" y="4654973"/>
+              <a:ext cx="277665" cy="461627"/>
+            </a:xfrm>
+            <a:prstGeom prst="rect">
+              <a:avLst/>
+            </a:prstGeom>
+            <a:solidFill>
+              <a:srgbClr val="CB181D">
+                <a:alpha val="100000"/>
+              </a:srgbClr>
+            </a:solidFill>
+          </p:spPr>
+          <p:txBody>
+            <a:bodyPr/>
+            <a:lstStyle/>
+            <a:p/>
+          </p:txBody>
+        </p:sp>
+        <p:sp>
+          <p:nvSpPr>
+            <p:cNvPr id="80" name="rc80"/>
+            <p:cNvSpPr/>
+            <p:nvPr/>
+          </p:nvSpPr>
+          <p:spPr>
+            <a:xfrm>
+              <a:off x="6275961" y="1809173"/>
+              <a:ext cx="1295770" cy="3464924"/>
+            </a:xfrm>
+            <a:prstGeom prst="rect">
+              <a:avLst/>
+            </a:prstGeom>
+            <a:ln w="13550" cap="rnd">
+              <a:solidFill>
+                <a:srgbClr val="333333">
+                  <a:alpha val="100000"/>
+                </a:srgbClr>
+              </a:solidFill>
+              <a:prstDash val="solid"/>
+              <a:round/>
+            </a:ln>
+          </p:spPr>
+          <p:txBody>
+            <a:bodyPr/>
+            <a:lstStyle/>
+            <a:p/>
+          </p:txBody>
+        </p:sp>
+        <p:sp>
+          <p:nvSpPr>
+            <p:cNvPr id="81" name="rc81"/>
+            <p:cNvSpPr/>
+            <p:nvPr/>
+          </p:nvSpPr>
+          <p:spPr>
+            <a:xfrm>
+              <a:off x="7641321" y="1809173"/>
+              <a:ext cx="1295770" cy="3464924"/>
+            </a:xfrm>
+            <a:prstGeom prst="rect">
+              <a:avLst/>
+            </a:prstGeom>
+            <a:solidFill>
+              <a:srgbClr val="FFFFFF">
+                <a:alpha val="100000"/>
+              </a:srgbClr>
+            </a:solidFill>
+          </p:spPr>
+          <p:txBody>
+            <a:bodyPr/>
+            <a:lstStyle/>
+            <a:p/>
+          </p:txBody>
+        </p:sp>
+        <p:sp>
+          <p:nvSpPr>
+            <p:cNvPr id="82" name="pl82"/>
+            <p:cNvSpPr/>
+            <p:nvPr/>
+          </p:nvSpPr>
+          <p:spPr>
+            <a:xfrm>
+              <a:off x="7641321" y="4777168"/>
+              <a:ext cx="1295770" cy="0"/>
+            </a:xfrm>
+            <a:custGeom>
+              <a:avLst/>
+              <a:pathLst>
+                <a:path w="1295770" h="0">
+                  <a:moveTo>
+                    <a:pt x="0" y="0"/>
+                  </a:moveTo>
+                  <a:lnTo>
+                    <a:pt x="1295770" y="0"/>
+                  </a:lnTo>
+                  <a:lnTo>
+                    <a:pt x="1295770" y="0"/>
+                  </a:lnTo>
+                </a:path>
+              </a:pathLst>
+            </a:custGeom>
+            <a:ln w="6775" cap="flat">
+              <a:solidFill>
+                <a:srgbClr val="EBEBEB">
+                  <a:alpha val="100000"/>
+                </a:srgbClr>
+              </a:solidFill>
+              <a:prstDash val="solid"/>
+              <a:round/>
+            </a:ln>
+          </p:spPr>
+          <p:txBody>
+            <a:bodyPr/>
+            <a:lstStyle/>
+            <a:p/>
+          </p:txBody>
+        </p:sp>
+        <p:sp>
+          <p:nvSpPr>
+            <p:cNvPr id="83" name="pl83"/>
+            <p:cNvSpPr/>
+            <p:nvPr/>
+          </p:nvSpPr>
+          <p:spPr>
+            <a:xfrm>
+              <a:off x="7641321" y="4098304"/>
+              <a:ext cx="1295770" cy="0"/>
+            </a:xfrm>
+            <a:custGeom>
+              <a:avLst/>
+              <a:pathLst>
+                <a:path w="1295770" h="0">
+                  <a:moveTo>
+                    <a:pt x="0" y="0"/>
+                  </a:moveTo>
+                  <a:lnTo>
+                    <a:pt x="1295770" y="0"/>
+                  </a:lnTo>
+                  <a:lnTo>
+                    <a:pt x="1295770" y="0"/>
+                  </a:lnTo>
+                </a:path>
+              </a:pathLst>
+            </a:custGeom>
+            <a:ln w="6775" cap="flat">
+              <a:solidFill>
+                <a:srgbClr val="EBEBEB">
+                  <a:alpha val="100000"/>
+                </a:srgbClr>
+              </a:solidFill>
+              <a:prstDash val="solid"/>
+              <a:round/>
+            </a:ln>
+          </p:spPr>
+          <p:txBody>
+            <a:bodyPr/>
+            <a:lstStyle/>
+            <a:p/>
+          </p:txBody>
+        </p:sp>
+        <p:sp>
+          <p:nvSpPr>
+            <p:cNvPr id="84" name="pl84"/>
+            <p:cNvSpPr/>
+            <p:nvPr/>
+          </p:nvSpPr>
+          <p:spPr>
+            <a:xfrm>
+              <a:off x="7641321" y="3419439"/>
+              <a:ext cx="1295770" cy="0"/>
+            </a:xfrm>
+            <a:custGeom>
+              <a:avLst/>
+              <a:pathLst>
+                <a:path w="1295770" h="0">
+                  <a:moveTo>
+                    <a:pt x="0" y="0"/>
+                  </a:moveTo>
+                  <a:lnTo>
+                    <a:pt x="1295770" y="0"/>
+                  </a:lnTo>
+                  <a:lnTo>
+                    <a:pt x="1295770" y="0"/>
+                  </a:lnTo>
+                </a:path>
+              </a:pathLst>
+            </a:custGeom>
+            <a:ln w="6775" cap="flat">
+              <a:solidFill>
+                <a:srgbClr val="EBEBEB">
+                  <a:alpha val="100000"/>
+                </a:srgbClr>
+              </a:solidFill>
+              <a:prstDash val="solid"/>
+              <a:round/>
+            </a:ln>
+          </p:spPr>
+          <p:txBody>
+            <a:bodyPr/>
+            <a:lstStyle/>
+            <a:p/>
+          </p:txBody>
+        </p:sp>
+        <p:sp>
+          <p:nvSpPr>
+            <p:cNvPr id="85" name="pl85"/>
+            <p:cNvSpPr/>
+            <p:nvPr/>
+          </p:nvSpPr>
+          <p:spPr>
+            <a:xfrm>
+              <a:off x="7641321" y="2740575"/>
+              <a:ext cx="1295770" cy="0"/>
+            </a:xfrm>
+            <a:custGeom>
+              <a:avLst/>
+              <a:pathLst>
+                <a:path w="1295770" h="0">
+                  <a:moveTo>
+                    <a:pt x="0" y="0"/>
+                  </a:moveTo>
+                  <a:lnTo>
+                    <a:pt x="1295770" y="0"/>
+                  </a:lnTo>
+                  <a:lnTo>
+                    <a:pt x="1295770" y="0"/>
+                  </a:lnTo>
+                </a:path>
+              </a:pathLst>
+            </a:custGeom>
+            <a:ln w="6775" cap="flat">
+              <a:solidFill>
+                <a:srgbClr val="EBEBEB">
+                  <a:alpha val="100000"/>
+                </a:srgbClr>
+              </a:solidFill>
+              <a:prstDash val="solid"/>
+              <a:round/>
+            </a:ln>
+          </p:spPr>
+          <p:txBody>
+            <a:bodyPr/>
+            <a:lstStyle/>
+            <a:p/>
+          </p:txBody>
+        </p:sp>
+        <p:sp>
+          <p:nvSpPr>
+            <p:cNvPr id="86" name="pl86"/>
+            <p:cNvSpPr/>
+            <p:nvPr/>
+          </p:nvSpPr>
+          <p:spPr>
+            <a:xfrm>
+              <a:off x="7641321" y="2061710"/>
+              <a:ext cx="1295770" cy="0"/>
+            </a:xfrm>
+            <a:custGeom>
+              <a:avLst/>
+              <a:pathLst>
+                <a:path w="1295770" h="0">
+                  <a:moveTo>
+                    <a:pt x="0" y="0"/>
+                  </a:moveTo>
+                  <a:lnTo>
+                    <a:pt x="1295770" y="0"/>
+                  </a:lnTo>
+                  <a:lnTo>
+                    <a:pt x="1295770" y="0"/>
+                  </a:lnTo>
+                </a:path>
+              </a:pathLst>
+            </a:custGeom>
+            <a:ln w="6775" cap="flat">
+              <a:solidFill>
+                <a:srgbClr val="EBEBEB">
+                  <a:alpha val="100000"/>
+                </a:srgbClr>
+              </a:solidFill>
+              <a:prstDash val="solid"/>
+              <a:round/>
+            </a:ln>
+          </p:spPr>
+          <p:txBody>
+            <a:bodyPr/>
+            <a:lstStyle/>
+            <a:p/>
+          </p:txBody>
+        </p:sp>
+        <p:sp>
+          <p:nvSpPr>
+            <p:cNvPr id="87" name="pl87"/>
+            <p:cNvSpPr/>
+            <p:nvPr/>
+          </p:nvSpPr>
+          <p:spPr>
+            <a:xfrm>
+              <a:off x="7641321" y="5116600"/>
+              <a:ext cx="1295770" cy="0"/>
+            </a:xfrm>
+            <a:custGeom>
+              <a:avLst/>
+              <a:pathLst>
+                <a:path w="1295770" h="0">
+                  <a:moveTo>
+                    <a:pt x="0" y="0"/>
+                  </a:moveTo>
+                  <a:lnTo>
+                    <a:pt x="1295770" y="0"/>
+                  </a:lnTo>
+                  <a:lnTo>
+                    <a:pt x="1295770" y="0"/>
+                  </a:lnTo>
+                </a:path>
+              </a:pathLst>
+            </a:custGeom>
+            <a:ln w="13550" cap="flat">
+              <a:solidFill>
+                <a:srgbClr val="EBEBEB">
+                  <a:alpha val="100000"/>
+                </a:srgbClr>
+              </a:solidFill>
+              <a:prstDash val="solid"/>
+              <a:round/>
+            </a:ln>
+          </p:spPr>
+          <p:txBody>
+            <a:bodyPr/>
+            <a:lstStyle/>
+            <a:p/>
+          </p:txBody>
+        </p:sp>
+        <p:sp>
+          <p:nvSpPr>
+            <p:cNvPr id="88" name="pl88"/>
+            <p:cNvSpPr/>
+            <p:nvPr/>
+          </p:nvSpPr>
+          <p:spPr>
+            <a:xfrm>
+              <a:off x="7641321" y="4437736"/>
+              <a:ext cx="1295770" cy="0"/>
+            </a:xfrm>
+            <a:custGeom>
+              <a:avLst/>
+              <a:pathLst>
+                <a:path w="1295770" h="0">
+                  <a:moveTo>
+                    <a:pt x="0" y="0"/>
+                  </a:moveTo>
+                  <a:lnTo>
+                    <a:pt x="1295770" y="0"/>
+                  </a:lnTo>
+                  <a:lnTo>
+                    <a:pt x="1295770" y="0"/>
+                  </a:lnTo>
+                </a:path>
+              </a:pathLst>
+            </a:custGeom>
+            <a:ln w="13550" cap="flat">
+              <a:solidFill>
+                <a:srgbClr val="EBEBEB">
+                  <a:alpha val="100000"/>
+                </a:srgbClr>
+              </a:solidFill>
+              <a:prstDash val="solid"/>
+              <a:round/>
+            </a:ln>
+          </p:spPr>
+          <p:txBody>
+            <a:bodyPr/>
+            <a:lstStyle/>
+            <a:p/>
+          </p:txBody>
+        </p:sp>
+        <p:sp>
+          <p:nvSpPr>
+            <p:cNvPr id="89" name="pl89"/>
+            <p:cNvSpPr/>
+            <p:nvPr/>
+          </p:nvSpPr>
+          <p:spPr>
+            <a:xfrm>
+              <a:off x="7641321" y="3758871"/>
+              <a:ext cx="1295770" cy="0"/>
+            </a:xfrm>
+            <a:custGeom>
+              <a:avLst/>
+              <a:pathLst>
+                <a:path w="1295770" h="0">
+                  <a:moveTo>
+                    <a:pt x="0" y="0"/>
+                  </a:moveTo>
+                  <a:lnTo>
+                    <a:pt x="1295770" y="0"/>
+                  </a:lnTo>
+                  <a:lnTo>
+                    <a:pt x="1295770" y="0"/>
+                  </a:lnTo>
+                </a:path>
+              </a:pathLst>
+            </a:custGeom>
+            <a:ln w="13550" cap="flat">
+              <a:solidFill>
+                <a:srgbClr val="EBEBEB">
+                  <a:alpha val="100000"/>
+                </a:srgbClr>
+              </a:solidFill>
+              <a:prstDash val="solid"/>
+              <a:round/>
+            </a:ln>
+          </p:spPr>
+          <p:txBody>
+            <a:bodyPr/>
+            <a:lstStyle/>
+            <a:p/>
+          </p:txBody>
+        </p:sp>
+        <p:sp>
+          <p:nvSpPr>
+            <p:cNvPr id="90" name="pl90"/>
+            <p:cNvSpPr/>
+            <p:nvPr/>
+          </p:nvSpPr>
+          <p:spPr>
+            <a:xfrm>
+              <a:off x="7641321" y="3080007"/>
+              <a:ext cx="1295770" cy="0"/>
+            </a:xfrm>
+            <a:custGeom>
+              <a:avLst/>
+              <a:pathLst>
+                <a:path w="1295770" h="0">
+                  <a:moveTo>
+                    <a:pt x="0" y="0"/>
+                  </a:moveTo>
+                  <a:lnTo>
+                    <a:pt x="1295770" y="0"/>
+                  </a:lnTo>
+                  <a:lnTo>
+                    <a:pt x="1295770" y="0"/>
+                  </a:lnTo>
+                </a:path>
+              </a:pathLst>
+            </a:custGeom>
+            <a:ln w="13550" cap="flat">
+              <a:solidFill>
+                <a:srgbClr val="EBEBEB">
+                  <a:alpha val="100000"/>
+                </a:srgbClr>
+              </a:solidFill>
+              <a:prstDash val="solid"/>
+              <a:round/>
+            </a:ln>
+          </p:spPr>
+          <p:txBody>
+            <a:bodyPr/>
+            <a:lstStyle/>
+            <a:p/>
+          </p:txBody>
+        </p:sp>
+        <p:sp>
+          <p:nvSpPr>
+            <p:cNvPr id="91" name="pl91"/>
+            <p:cNvSpPr/>
+            <p:nvPr/>
+          </p:nvSpPr>
+          <p:spPr>
+            <a:xfrm>
+              <a:off x="7641321" y="2401142"/>
+              <a:ext cx="1295770" cy="0"/>
+            </a:xfrm>
+            <a:custGeom>
+              <a:avLst/>
+              <a:pathLst>
+                <a:path w="1295770" h="0">
+                  <a:moveTo>
+                    <a:pt x="0" y="0"/>
+                  </a:moveTo>
+                  <a:lnTo>
+                    <a:pt x="1295770" y="0"/>
+                  </a:lnTo>
+                  <a:lnTo>
+                    <a:pt x="1295770" y="0"/>
+                  </a:lnTo>
+                </a:path>
+              </a:pathLst>
+            </a:custGeom>
+            <a:ln w="13550" cap="flat">
+              <a:solidFill>
+                <a:srgbClr val="EBEBEB">
+                  <a:alpha val="100000"/>
+                </a:srgbClr>
+              </a:solidFill>
+              <a:prstDash val="solid"/>
+              <a:round/>
+            </a:ln>
+          </p:spPr>
+          <p:txBody>
+            <a:bodyPr/>
+            <a:lstStyle/>
+            <a:p/>
+          </p:txBody>
+        </p:sp>
+        <p:sp>
+          <p:nvSpPr>
+            <p:cNvPr id="92" name="pl92"/>
+            <p:cNvSpPr/>
+            <p:nvPr/>
+          </p:nvSpPr>
+          <p:spPr>
+            <a:xfrm>
+              <a:off x="7826431" y="1809173"/>
+              <a:ext cx="0" cy="3464924"/>
+            </a:xfrm>
+            <a:custGeom>
+              <a:avLst/>
+              <a:pathLst>
+                <a:path w="0" h="3464924">
+                  <a:moveTo>
+                    <a:pt x="0" y="3464924"/>
+                  </a:moveTo>
+                  <a:lnTo>
+                    <a:pt x="0" y="0"/>
+                  </a:lnTo>
+                  <a:lnTo>
+                    <a:pt x="0" y="0"/>
+                  </a:lnTo>
+                </a:path>
+              </a:pathLst>
+            </a:custGeom>
+            <a:ln w="13550" cap="flat">
+              <a:solidFill>
+                <a:srgbClr val="EBEBEB">
+                  <a:alpha val="100000"/>
+                </a:srgbClr>
+              </a:solidFill>
+              <a:prstDash val="solid"/>
+              <a:round/>
+            </a:ln>
+          </p:spPr>
+          <p:txBody>
+            <a:bodyPr/>
+            <a:lstStyle/>
+            <a:p/>
+          </p:txBody>
+        </p:sp>
+        <p:sp>
+          <p:nvSpPr>
+            <p:cNvPr id="93" name="pl93"/>
+            <p:cNvSpPr/>
+            <p:nvPr/>
+          </p:nvSpPr>
+          <p:spPr>
+            <a:xfrm>
+              <a:off x="8134948" y="1809173"/>
+              <a:ext cx="0" cy="3464924"/>
+            </a:xfrm>
+            <a:custGeom>
+              <a:avLst/>
+              <a:pathLst>
+                <a:path w="0" h="3464924">
+                  <a:moveTo>
+                    <a:pt x="0" y="3464924"/>
+                  </a:moveTo>
+                  <a:lnTo>
+                    <a:pt x="0" y="0"/>
+                  </a:lnTo>
+                  <a:lnTo>
+                    <a:pt x="0" y="0"/>
+                  </a:lnTo>
+                </a:path>
+              </a:pathLst>
+            </a:custGeom>
+            <a:ln w="13550" cap="flat">
+              <a:solidFill>
+                <a:srgbClr val="EBEBEB">
+                  <a:alpha val="100000"/>
+                </a:srgbClr>
+              </a:solidFill>
+              <a:prstDash val="solid"/>
+              <a:round/>
+            </a:ln>
+          </p:spPr>
+          <p:txBody>
+            <a:bodyPr/>
+            <a:lstStyle/>
+            <a:p/>
+          </p:txBody>
+        </p:sp>
+        <p:sp>
+          <p:nvSpPr>
+            <p:cNvPr id="94" name="pl94"/>
+            <p:cNvSpPr/>
+            <p:nvPr/>
+          </p:nvSpPr>
+          <p:spPr>
+            <a:xfrm>
+              <a:off x="8443465" y="1809173"/>
+              <a:ext cx="0" cy="3464924"/>
+            </a:xfrm>
+            <a:custGeom>
+              <a:avLst/>
+              <a:pathLst>
+                <a:path w="0" h="3464924">
+                  <a:moveTo>
+                    <a:pt x="0" y="3464924"/>
+                  </a:moveTo>
+                  <a:lnTo>
+                    <a:pt x="0" y="0"/>
+                  </a:lnTo>
+                  <a:lnTo>
+                    <a:pt x="0" y="0"/>
+                  </a:lnTo>
+                </a:path>
+              </a:pathLst>
+            </a:custGeom>
+            <a:ln w="13550" cap="flat">
+              <a:solidFill>
+                <a:srgbClr val="EBEBEB">
+                  <a:alpha val="100000"/>
+                </a:srgbClr>
+              </a:solidFill>
+              <a:prstDash val="solid"/>
+              <a:round/>
+            </a:ln>
+          </p:spPr>
+          <p:txBody>
+            <a:bodyPr/>
+            <a:lstStyle/>
+            <a:p/>
+          </p:txBody>
+        </p:sp>
+        <p:sp>
+          <p:nvSpPr>
+            <p:cNvPr id="95" name="pl95"/>
+            <p:cNvSpPr/>
+            <p:nvPr/>
+          </p:nvSpPr>
+          <p:spPr>
+            <a:xfrm>
+              <a:off x="8751982" y="1809173"/>
+              <a:ext cx="0" cy="3464924"/>
+            </a:xfrm>
+            <a:custGeom>
+              <a:avLst/>
+              <a:pathLst>
+                <a:path w="0" h="3464924">
+                  <a:moveTo>
+                    <a:pt x="0" y="3464924"/>
+                  </a:moveTo>
+                  <a:lnTo>
+                    <a:pt x="0" y="0"/>
+                  </a:lnTo>
+                  <a:lnTo>
+                    <a:pt x="0" y="0"/>
+                  </a:lnTo>
+                </a:path>
+              </a:pathLst>
+            </a:custGeom>
+            <a:ln w="13550" cap="flat">
+              <a:solidFill>
+                <a:srgbClr val="EBEBEB">
+                  <a:alpha val="100000"/>
+                </a:srgbClr>
+              </a:solidFill>
+              <a:prstDash val="solid"/>
+              <a:round/>
+            </a:ln>
+          </p:spPr>
+          <p:txBody>
+            <a:bodyPr/>
+            <a:lstStyle/>
+            <a:p/>
+          </p:txBody>
+        </p:sp>
+        <p:sp>
+          <p:nvSpPr>
+            <p:cNvPr id="96" name="rc96"/>
+            <p:cNvSpPr/>
+            <p:nvPr/>
+          </p:nvSpPr>
+          <p:spPr>
+            <a:xfrm>
+              <a:off x="7996115" y="5103023"/>
+              <a:ext cx="277665" cy="13577"/>
+            </a:xfrm>
+            <a:prstGeom prst="rect">
+              <a:avLst/>
+            </a:prstGeom>
+            <a:solidFill>
+              <a:srgbClr val="FCAE91">
+                <a:alpha val="100000"/>
+              </a:srgbClr>
+            </a:solidFill>
+          </p:spPr>
+          <p:txBody>
+            <a:bodyPr/>
+            <a:lstStyle/>
+            <a:p/>
+          </p:txBody>
+        </p:sp>
+        <p:sp>
+          <p:nvSpPr>
+            <p:cNvPr id="97" name="rc97"/>
+            <p:cNvSpPr/>
+            <p:nvPr/>
+          </p:nvSpPr>
+          <p:spPr>
+            <a:xfrm>
+              <a:off x="8304632" y="4329118"/>
+              <a:ext cx="277665" cy="787482"/>
+            </a:xfrm>
+            <a:prstGeom prst="rect">
+              <a:avLst/>
+            </a:prstGeom>
+            <a:solidFill>
+              <a:srgbClr val="FB6A4A">
+                <a:alpha val="100000"/>
+              </a:srgbClr>
+            </a:solidFill>
+          </p:spPr>
+          <p:txBody>
+            <a:bodyPr/>
+            <a:lstStyle/>
+            <a:p/>
+          </p:txBody>
+        </p:sp>
+        <p:sp>
+          <p:nvSpPr>
+            <p:cNvPr id="98" name="rc98"/>
+            <p:cNvSpPr/>
+            <p:nvPr/>
+          </p:nvSpPr>
+          <p:spPr>
+            <a:xfrm>
+              <a:off x="8613149" y="4587086"/>
+              <a:ext cx="277665" cy="529514"/>
+            </a:xfrm>
+            <a:prstGeom prst="rect">
+              <a:avLst/>
+            </a:prstGeom>
+            <a:solidFill>
+              <a:srgbClr val="CB181D">
+                <a:alpha val="100000"/>
+              </a:srgbClr>
+            </a:solidFill>
+          </p:spPr>
+          <p:txBody>
+            <a:bodyPr/>
+            <a:lstStyle/>
+            <a:p/>
+          </p:txBody>
+        </p:sp>
+        <p:sp>
+          <p:nvSpPr>
+            <p:cNvPr id="99" name="rc99"/>
+            <p:cNvSpPr/>
+            <p:nvPr/>
+          </p:nvSpPr>
+          <p:spPr>
+            <a:xfrm>
+              <a:off x="7641321" y="1809173"/>
+              <a:ext cx="1295770" cy="3464924"/>
+            </a:xfrm>
+            <a:prstGeom prst="rect">
+              <a:avLst/>
+            </a:prstGeom>
+            <a:ln w="13550" cap="rnd">
+              <a:solidFill>
+                <a:srgbClr val="333333">
+                  <a:alpha val="100000"/>
+                </a:srgbClr>
+              </a:solidFill>
+              <a:prstDash val="solid"/>
+              <a:round/>
+            </a:ln>
+          </p:spPr>
+          <p:txBody>
+            <a:bodyPr/>
+            <a:lstStyle/>
+            <a:p/>
+          </p:txBody>
+        </p:sp>
+        <p:sp>
+          <p:nvSpPr>
+            <p:cNvPr id="100" name="rc100"/>
+            <p:cNvSpPr/>
+            <p:nvPr/>
+          </p:nvSpPr>
+          <p:spPr>
+            <a:xfrm>
+              <a:off x="2179881" y="1590617"/>
+              <a:ext cx="1295770" cy="218555"/>
+            </a:xfrm>
+            <a:prstGeom prst="rect">
+              <a:avLst/>
+            </a:prstGeom>
+            <a:solidFill>
+              <a:srgbClr val="D9D9D9">
                 <a:alpha val="100000"/>
               </a:srgbClr>
             </a:solidFill>
             <a:ln w="13550" cap="rnd">
               <a:solidFill>
-                <a:srgbClr val="FFFFFF">
-                  <a:alpha val="100000"/>
-                </a:srgbClr>
-              </a:solidFill>
-              <a:prstDash val="solid"/>
-              <a:round/>
-            </a:ln>
-          </p:spPr>
-          <p:txBody>
-            <a:bodyPr/>
-            <a:lstStyle/>
-            <a:p/>
-          </p:txBody>
-        </p:sp>
-        <p:sp>
-          <p:nvSpPr>
-            <p:cNvPr id="6" name="tx6"/>
-            <p:cNvSpPr/>
-            <p:nvPr/>
-          </p:nvSpPr>
-          <p:spPr>
-            <a:xfrm>
-              <a:off x="5601321" y="3177823"/>
-              <a:ext cx="409835" cy="109040"/>
+                <a:srgbClr val="333333">
+                  <a:alpha val="100000"/>
+                </a:srgbClr>
+              </a:solidFill>
+              <a:prstDash val="solid"/>
+              <a:round/>
+            </a:ln>
+          </p:spPr>
+          <p:txBody>
+            <a:bodyPr/>
+            <a:lstStyle/>
+            <a:p/>
+          </p:txBody>
+        </p:sp>
+        <p:sp>
+          <p:nvSpPr>
+            <p:cNvPr id="101" name="tx101"/>
+            <p:cNvSpPr/>
+            <p:nvPr/>
+          </p:nvSpPr>
+          <p:spPr>
+            <a:xfrm>
+              <a:off x="2618217" y="1670045"/>
+              <a:ext cx="419100" cy="69850"/>
             </a:xfrm>
             <a:prstGeom prst="rect">
               <a:avLst/>
@@ -4151,7 +6921,7 @@
             <a:p>
               <a:pPr algn="l" marL="0" marR="0" indent="0">
                 <a:lnSpc>
-                  <a:spcPts val="1138"/>
+                  <a:spcPts val="880"/>
                 </a:lnSpc>
                 <a:spcBef>
                   <a:spcPts val="0"/>
@@ -4161,30 +6931,65 @@
                 </a:spcAft>
               </a:pPr>
               <a:r>
-                <a:rPr sz="1138">
+                <a:rPr sz="880">
                   <a:solidFill>
-                    <a:srgbClr val="FFFFFF">
+                    <a:srgbClr val="1A1A1A">
                       <a:alpha val="100000"/>
                     </a:srgbClr>
                   </a:solidFill>
                   <a:latin typeface="Arial"/>
                   <a:cs typeface="Arial"/>
                 </a:rPr>
-                <a:t>29.5%</a:t>
+                <a:t>基础研究者</a:t>
               </a:r>
             </a:p>
           </p:txBody>
         </p:sp>
         <p:sp>
           <p:nvSpPr>
-            <p:cNvPr id="7" name="tx7"/>
-            <p:cNvSpPr/>
-            <p:nvPr/>
-          </p:nvSpPr>
-          <p:spPr>
-            <a:xfrm>
-              <a:off x="4154426" y="4262491"/>
-              <a:ext cx="409835" cy="109040"/>
+            <p:cNvPr id="102" name="rc102"/>
+            <p:cNvSpPr/>
+            <p:nvPr/>
+          </p:nvSpPr>
+          <p:spPr>
+            <a:xfrm>
+              <a:off x="3545241" y="1590617"/>
+              <a:ext cx="1295770" cy="218555"/>
+            </a:xfrm>
+            <a:prstGeom prst="rect">
+              <a:avLst/>
+            </a:prstGeom>
+            <a:solidFill>
+              <a:srgbClr val="D9D9D9">
+                <a:alpha val="100000"/>
+              </a:srgbClr>
+            </a:solidFill>
+            <a:ln w="13550" cap="rnd">
+              <a:solidFill>
+                <a:srgbClr val="333333">
+                  <a:alpha val="100000"/>
+                </a:srgbClr>
+              </a:solidFill>
+              <a:prstDash val="solid"/>
+              <a:round/>
+            </a:ln>
+          </p:spPr>
+          <p:txBody>
+            <a:bodyPr/>
+            <a:lstStyle/>
+            <a:p/>
+          </p:txBody>
+        </p:sp>
+        <p:sp>
+          <p:nvSpPr>
+            <p:cNvPr id="103" name="tx103"/>
+            <p:cNvSpPr/>
+            <p:nvPr/>
+          </p:nvSpPr>
+          <p:spPr>
+            <a:xfrm>
+              <a:off x="4025487" y="1670045"/>
+              <a:ext cx="335280" cy="69850"/>
             </a:xfrm>
             <a:prstGeom prst="rect">
               <a:avLst/>
@@ -4197,7 +7002,7 @@
             <a:p>
               <a:pPr algn="l" marL="0" marR="0" indent="0">
                 <a:lnSpc>
-                  <a:spcPts val="1138"/>
+                  <a:spcPts val="880"/>
                 </a:lnSpc>
                 <a:spcBef>
                   <a:spcPts val="0"/>
@@ -4207,30 +7012,65 @@
                 </a:spcAft>
               </a:pPr>
               <a:r>
-                <a:rPr sz="1138">
+                <a:rPr sz="880">
                   <a:solidFill>
-                    <a:srgbClr val="FFFFFF">
+                    <a:srgbClr val="1A1A1A">
                       <a:alpha val="100000"/>
                     </a:srgbClr>
                   </a:solidFill>
                   <a:latin typeface="Arial"/>
                   <a:cs typeface="Arial"/>
                 </a:rPr>
-                <a:t>70.5%</a:t>
+                <a:t>临床医生</a:t>
               </a:r>
             </a:p>
           </p:txBody>
         </p:sp>
         <p:sp>
           <p:nvSpPr>
-            <p:cNvPr id="8" name="tx8"/>
-            <p:cNvSpPr/>
-            <p:nvPr/>
-          </p:nvSpPr>
-          <p:spPr>
-            <a:xfrm>
-              <a:off x="5599078" y="3174466"/>
-              <a:ext cx="409835" cy="109040"/>
+            <p:cNvPr id="104" name="rc104"/>
+            <p:cNvSpPr/>
+            <p:nvPr/>
+          </p:nvSpPr>
+          <p:spPr>
+            <a:xfrm>
+              <a:off x="4910601" y="1590617"/>
+              <a:ext cx="1295770" cy="218555"/>
+            </a:xfrm>
+            <a:prstGeom prst="rect">
+              <a:avLst/>
+            </a:prstGeom>
+            <a:solidFill>
+              <a:srgbClr val="D9D9D9">
+                <a:alpha val="100000"/>
+              </a:srgbClr>
+            </a:solidFill>
+            <a:ln w="13550" cap="rnd">
+              <a:solidFill>
+                <a:srgbClr val="333333">
+                  <a:alpha val="100000"/>
+                </a:srgbClr>
+              </a:solidFill>
+              <a:prstDash val="solid"/>
+              <a:round/>
+            </a:ln>
+          </p:spPr>
+          <p:txBody>
+            <a:bodyPr/>
+            <a:lstStyle/>
+            <a:p/>
+          </p:txBody>
+        </p:sp>
+        <p:sp>
+          <p:nvSpPr>
+            <p:cNvPr id="105" name="tx105"/>
+            <p:cNvSpPr/>
+            <p:nvPr/>
+          </p:nvSpPr>
+          <p:spPr>
+            <a:xfrm>
+              <a:off x="5348937" y="1670045"/>
+              <a:ext cx="419100" cy="69850"/>
             </a:xfrm>
             <a:prstGeom prst="rect">
               <a:avLst/>
@@ -4243,7 +7083,7 @@
             <a:p>
               <a:pPr algn="l" marL="0" marR="0" indent="0">
                 <a:lnSpc>
-                  <a:spcPts val="1138"/>
+                  <a:spcPts val="880"/>
                 </a:lnSpc>
                 <a:spcBef>
                   <a:spcPts val="0"/>
@@ -4253,30 +7093,65 @@
                 </a:spcAft>
               </a:pPr>
               <a:r>
-                <a:rPr sz="1138">
+                <a:rPr sz="880">
                   <a:solidFill>
-                    <a:srgbClr val="FFFFFF">
+                    <a:srgbClr val="1A1A1A">
                       <a:alpha val="100000"/>
                     </a:srgbClr>
                   </a:solidFill>
                   <a:latin typeface="Arial"/>
                   <a:cs typeface="Arial"/>
                 </a:rPr>
-                <a:t>29.5%</a:t>
+                <a:t>企业管理者</a:t>
               </a:r>
             </a:p>
           </p:txBody>
         </p:sp>
         <p:sp>
           <p:nvSpPr>
-            <p:cNvPr id="9" name="tx9"/>
-            <p:cNvSpPr/>
-            <p:nvPr/>
-          </p:nvSpPr>
-          <p:spPr>
-            <a:xfrm>
-              <a:off x="4152183" y="4259135"/>
-              <a:ext cx="409835" cy="109040"/>
+            <p:cNvPr id="106" name="rc106"/>
+            <p:cNvSpPr/>
+            <p:nvPr/>
+          </p:nvSpPr>
+          <p:spPr>
+            <a:xfrm>
+              <a:off x="6275961" y="1590617"/>
+              <a:ext cx="1295770" cy="218555"/>
+            </a:xfrm>
+            <a:prstGeom prst="rect">
+              <a:avLst/>
+            </a:prstGeom>
+            <a:solidFill>
+              <a:srgbClr val="D9D9D9">
+                <a:alpha val="100000"/>
+              </a:srgbClr>
+            </a:solidFill>
+            <a:ln w="13550" cap="rnd">
+              <a:solidFill>
+                <a:srgbClr val="333333">
+                  <a:alpha val="100000"/>
+                </a:srgbClr>
+              </a:solidFill>
+              <a:prstDash val="solid"/>
+              <a:round/>
+            </a:ln>
+          </p:spPr>
+          <p:txBody>
+            <a:bodyPr/>
+            <a:lstStyle/>
+            <a:p/>
+          </p:txBody>
+        </p:sp>
+        <p:sp>
+          <p:nvSpPr>
+            <p:cNvPr id="107" name="tx107"/>
+            <p:cNvSpPr/>
+            <p:nvPr/>
+          </p:nvSpPr>
+          <p:spPr>
+            <a:xfrm>
+              <a:off x="6672387" y="1670045"/>
+              <a:ext cx="502920" cy="69850"/>
             </a:xfrm>
             <a:prstGeom prst="rect">
               <a:avLst/>
@@ -4289,7 +7164,7 @@
             <a:p>
               <a:pPr algn="l" marL="0" marR="0" indent="0">
                 <a:lnSpc>
-                  <a:spcPts val="1138"/>
+                  <a:spcPts val="880"/>
                 </a:lnSpc>
                 <a:spcBef>
                   <a:spcPts val="0"/>
@@ -4299,30 +7174,65 @@
                 </a:spcAft>
               </a:pPr>
               <a:r>
-                <a:rPr sz="1138">
+                <a:rPr sz="880">
                   <a:solidFill>
-                    <a:srgbClr val="FFFFFF">
+                    <a:srgbClr val="1A1A1A">
                       <a:alpha val="100000"/>
                     </a:srgbClr>
                   </a:solidFill>
                   <a:latin typeface="Arial"/>
                   <a:cs typeface="Arial"/>
                 </a:rPr>
-                <a:t>70.5%</a:t>
+                <a:t>企业研发人员</a:t>
               </a:r>
             </a:p>
           </p:txBody>
         </p:sp>
         <p:sp>
           <p:nvSpPr>
-            <p:cNvPr id="10" name="tx10"/>
-            <p:cNvSpPr/>
-            <p:nvPr/>
-          </p:nvSpPr>
-          <p:spPr>
-            <a:xfrm>
-              <a:off x="5595722" y="3172224"/>
-              <a:ext cx="409835" cy="109040"/>
+            <p:cNvPr id="108" name="rc108"/>
+            <p:cNvSpPr/>
+            <p:nvPr/>
+          </p:nvSpPr>
+          <p:spPr>
+            <a:xfrm>
+              <a:off x="7641321" y="1590617"/>
+              <a:ext cx="1295770" cy="218555"/>
+            </a:xfrm>
+            <a:prstGeom prst="rect">
+              <a:avLst/>
+            </a:prstGeom>
+            <a:solidFill>
+              <a:srgbClr val="D9D9D9">
+                <a:alpha val="100000"/>
+              </a:srgbClr>
+            </a:solidFill>
+            <a:ln w="13550" cap="rnd">
+              <a:solidFill>
+                <a:srgbClr val="333333">
+                  <a:alpha val="100000"/>
+                </a:srgbClr>
+              </a:solidFill>
+              <a:prstDash val="solid"/>
+              <a:round/>
+            </a:ln>
+          </p:spPr>
+          <p:txBody>
+            <a:bodyPr/>
+            <a:lstStyle/>
+            <a:p/>
+          </p:txBody>
+        </p:sp>
+        <p:sp>
+          <p:nvSpPr>
+            <p:cNvPr id="109" name="tx109"/>
+            <p:cNvSpPr/>
+            <p:nvPr/>
+          </p:nvSpPr>
+          <p:spPr>
+            <a:xfrm>
+              <a:off x="8205386" y="1670045"/>
+              <a:ext cx="167640" cy="69850"/>
             </a:xfrm>
             <a:prstGeom prst="rect">
               <a:avLst/>
@@ -4335,7 +7245,7 @@
             <a:p>
               <a:pPr algn="l" marL="0" marR="0" indent="0">
                 <a:lnSpc>
-                  <a:spcPts val="1138"/>
+                  <a:spcPts val="880"/>
                 </a:lnSpc>
                 <a:spcBef>
                   <a:spcPts val="0"/>
@@ -4345,30 +7255,830 @@
                 </a:spcAft>
               </a:pPr>
               <a:r>
-                <a:rPr sz="1138">
+                <a:rPr sz="880">
                   <a:solidFill>
-                    <a:srgbClr val="FFFFFF">
+                    <a:srgbClr val="1A1A1A">
                       <a:alpha val="100000"/>
                     </a:srgbClr>
                   </a:solidFill>
                   <a:latin typeface="Arial"/>
                   <a:cs typeface="Arial"/>
                 </a:rPr>
-                <a:t>29.5%</a:t>
+                <a:t>其他</a:t>
               </a:r>
             </a:p>
           </p:txBody>
         </p:sp>
         <p:sp>
           <p:nvSpPr>
-            <p:cNvPr id="11" name="tx11"/>
-            <p:cNvSpPr/>
-            <p:nvPr/>
-          </p:nvSpPr>
-          <p:spPr>
-            <a:xfrm>
-              <a:off x="4148826" y="4256892"/>
-              <a:ext cx="409835" cy="109040"/>
+            <p:cNvPr id="110" name="pl110"/>
+            <p:cNvSpPr/>
+            <p:nvPr/>
+          </p:nvSpPr>
+          <p:spPr>
+            <a:xfrm>
+              <a:off x="2364991" y="5274097"/>
+              <a:ext cx="0" cy="34794"/>
+            </a:xfrm>
+            <a:custGeom>
+              <a:avLst/>
+              <a:pathLst>
+                <a:path w="0" h="34794">
+                  <a:moveTo>
+                    <a:pt x="0" y="34794"/>
+                  </a:moveTo>
+                  <a:lnTo>
+                    <a:pt x="0" y="0"/>
+                  </a:lnTo>
+                </a:path>
+              </a:pathLst>
+            </a:custGeom>
+            <a:ln w="13550" cap="flat">
+              <a:solidFill>
+                <a:srgbClr val="333333">
+                  <a:alpha val="100000"/>
+                </a:srgbClr>
+              </a:solidFill>
+              <a:prstDash val="solid"/>
+              <a:round/>
+            </a:ln>
+          </p:spPr>
+          <p:txBody>
+            <a:bodyPr/>
+            <a:lstStyle/>
+            <a:p/>
+          </p:txBody>
+        </p:sp>
+        <p:sp>
+          <p:nvSpPr>
+            <p:cNvPr id="111" name="pl111"/>
+            <p:cNvSpPr/>
+            <p:nvPr/>
+          </p:nvSpPr>
+          <p:spPr>
+            <a:xfrm>
+              <a:off x="2673508" y="5274097"/>
+              <a:ext cx="0" cy="34794"/>
+            </a:xfrm>
+            <a:custGeom>
+              <a:avLst/>
+              <a:pathLst>
+                <a:path w="0" h="34794">
+                  <a:moveTo>
+                    <a:pt x="0" y="34794"/>
+                  </a:moveTo>
+                  <a:lnTo>
+                    <a:pt x="0" y="0"/>
+                  </a:lnTo>
+                </a:path>
+              </a:pathLst>
+            </a:custGeom>
+            <a:ln w="13550" cap="flat">
+              <a:solidFill>
+                <a:srgbClr val="333333">
+                  <a:alpha val="100000"/>
+                </a:srgbClr>
+              </a:solidFill>
+              <a:prstDash val="solid"/>
+              <a:round/>
+            </a:ln>
+          </p:spPr>
+          <p:txBody>
+            <a:bodyPr/>
+            <a:lstStyle/>
+            <a:p/>
+          </p:txBody>
+        </p:sp>
+        <p:sp>
+          <p:nvSpPr>
+            <p:cNvPr id="112" name="pl112"/>
+            <p:cNvSpPr/>
+            <p:nvPr/>
+          </p:nvSpPr>
+          <p:spPr>
+            <a:xfrm>
+              <a:off x="2982025" y="5274097"/>
+              <a:ext cx="0" cy="34794"/>
+            </a:xfrm>
+            <a:custGeom>
+              <a:avLst/>
+              <a:pathLst>
+                <a:path w="0" h="34794">
+                  <a:moveTo>
+                    <a:pt x="0" y="34794"/>
+                  </a:moveTo>
+                  <a:lnTo>
+                    <a:pt x="0" y="0"/>
+                  </a:lnTo>
+                </a:path>
+              </a:pathLst>
+            </a:custGeom>
+            <a:ln w="13550" cap="flat">
+              <a:solidFill>
+                <a:srgbClr val="333333">
+                  <a:alpha val="100000"/>
+                </a:srgbClr>
+              </a:solidFill>
+              <a:prstDash val="solid"/>
+              <a:round/>
+            </a:ln>
+          </p:spPr>
+          <p:txBody>
+            <a:bodyPr/>
+            <a:lstStyle/>
+            <a:p/>
+          </p:txBody>
+        </p:sp>
+        <p:sp>
+          <p:nvSpPr>
+            <p:cNvPr id="113" name="pl113"/>
+            <p:cNvSpPr/>
+            <p:nvPr/>
+          </p:nvSpPr>
+          <p:spPr>
+            <a:xfrm>
+              <a:off x="3290542" y="5274097"/>
+              <a:ext cx="0" cy="34794"/>
+            </a:xfrm>
+            <a:custGeom>
+              <a:avLst/>
+              <a:pathLst>
+                <a:path w="0" h="34794">
+                  <a:moveTo>
+                    <a:pt x="0" y="34794"/>
+                  </a:moveTo>
+                  <a:lnTo>
+                    <a:pt x="0" y="0"/>
+                  </a:lnTo>
+                </a:path>
+              </a:pathLst>
+            </a:custGeom>
+            <a:ln w="13550" cap="flat">
+              <a:solidFill>
+                <a:srgbClr val="333333">
+                  <a:alpha val="100000"/>
+                </a:srgbClr>
+              </a:solidFill>
+              <a:prstDash val="solid"/>
+              <a:round/>
+            </a:ln>
+          </p:spPr>
+          <p:txBody>
+            <a:bodyPr/>
+            <a:lstStyle/>
+            <a:p/>
+          </p:txBody>
+        </p:sp>
+        <p:sp>
+          <p:nvSpPr>
+            <p:cNvPr id="114" name="pl114"/>
+            <p:cNvSpPr/>
+            <p:nvPr/>
+          </p:nvSpPr>
+          <p:spPr>
+            <a:xfrm>
+              <a:off x="3730351" y="5274097"/>
+              <a:ext cx="0" cy="34794"/>
+            </a:xfrm>
+            <a:custGeom>
+              <a:avLst/>
+              <a:pathLst>
+                <a:path w="0" h="34794">
+                  <a:moveTo>
+                    <a:pt x="0" y="34794"/>
+                  </a:moveTo>
+                  <a:lnTo>
+                    <a:pt x="0" y="0"/>
+                  </a:lnTo>
+                </a:path>
+              </a:pathLst>
+            </a:custGeom>
+            <a:ln w="13550" cap="flat">
+              <a:solidFill>
+                <a:srgbClr val="333333">
+                  <a:alpha val="100000"/>
+                </a:srgbClr>
+              </a:solidFill>
+              <a:prstDash val="solid"/>
+              <a:round/>
+            </a:ln>
+          </p:spPr>
+          <p:txBody>
+            <a:bodyPr/>
+            <a:lstStyle/>
+            <a:p/>
+          </p:txBody>
+        </p:sp>
+        <p:sp>
+          <p:nvSpPr>
+            <p:cNvPr id="115" name="pl115"/>
+            <p:cNvSpPr/>
+            <p:nvPr/>
+          </p:nvSpPr>
+          <p:spPr>
+            <a:xfrm>
+              <a:off x="4038868" y="5274097"/>
+              <a:ext cx="0" cy="34794"/>
+            </a:xfrm>
+            <a:custGeom>
+              <a:avLst/>
+              <a:pathLst>
+                <a:path w="0" h="34794">
+                  <a:moveTo>
+                    <a:pt x="0" y="34794"/>
+                  </a:moveTo>
+                  <a:lnTo>
+                    <a:pt x="0" y="0"/>
+                  </a:lnTo>
+                </a:path>
+              </a:pathLst>
+            </a:custGeom>
+            <a:ln w="13550" cap="flat">
+              <a:solidFill>
+                <a:srgbClr val="333333">
+                  <a:alpha val="100000"/>
+                </a:srgbClr>
+              </a:solidFill>
+              <a:prstDash val="solid"/>
+              <a:round/>
+            </a:ln>
+          </p:spPr>
+          <p:txBody>
+            <a:bodyPr/>
+            <a:lstStyle/>
+            <a:p/>
+          </p:txBody>
+        </p:sp>
+        <p:sp>
+          <p:nvSpPr>
+            <p:cNvPr id="116" name="pl116"/>
+            <p:cNvSpPr/>
+            <p:nvPr/>
+          </p:nvSpPr>
+          <p:spPr>
+            <a:xfrm>
+              <a:off x="4347385" y="5274097"/>
+              <a:ext cx="0" cy="34794"/>
+            </a:xfrm>
+            <a:custGeom>
+              <a:avLst/>
+              <a:pathLst>
+                <a:path w="0" h="34794">
+                  <a:moveTo>
+                    <a:pt x="0" y="34794"/>
+                  </a:moveTo>
+                  <a:lnTo>
+                    <a:pt x="0" y="0"/>
+                  </a:lnTo>
+                </a:path>
+              </a:pathLst>
+            </a:custGeom>
+            <a:ln w="13550" cap="flat">
+              <a:solidFill>
+                <a:srgbClr val="333333">
+                  <a:alpha val="100000"/>
+                </a:srgbClr>
+              </a:solidFill>
+              <a:prstDash val="solid"/>
+              <a:round/>
+            </a:ln>
+          </p:spPr>
+          <p:txBody>
+            <a:bodyPr/>
+            <a:lstStyle/>
+            <a:p/>
+          </p:txBody>
+        </p:sp>
+        <p:sp>
+          <p:nvSpPr>
+            <p:cNvPr id="117" name="pl117"/>
+            <p:cNvSpPr/>
+            <p:nvPr/>
+          </p:nvSpPr>
+          <p:spPr>
+            <a:xfrm>
+              <a:off x="4655902" y="5274097"/>
+              <a:ext cx="0" cy="34794"/>
+            </a:xfrm>
+            <a:custGeom>
+              <a:avLst/>
+              <a:pathLst>
+                <a:path w="0" h="34794">
+                  <a:moveTo>
+                    <a:pt x="0" y="34794"/>
+                  </a:moveTo>
+                  <a:lnTo>
+                    <a:pt x="0" y="0"/>
+                  </a:lnTo>
+                </a:path>
+              </a:pathLst>
+            </a:custGeom>
+            <a:ln w="13550" cap="flat">
+              <a:solidFill>
+                <a:srgbClr val="333333">
+                  <a:alpha val="100000"/>
+                </a:srgbClr>
+              </a:solidFill>
+              <a:prstDash val="solid"/>
+              <a:round/>
+            </a:ln>
+          </p:spPr>
+          <p:txBody>
+            <a:bodyPr/>
+            <a:lstStyle/>
+            <a:p/>
+          </p:txBody>
+        </p:sp>
+        <p:sp>
+          <p:nvSpPr>
+            <p:cNvPr id="118" name="pl118"/>
+            <p:cNvSpPr/>
+            <p:nvPr/>
+          </p:nvSpPr>
+          <p:spPr>
+            <a:xfrm>
+              <a:off x="5095711" y="5274097"/>
+              <a:ext cx="0" cy="34794"/>
+            </a:xfrm>
+            <a:custGeom>
+              <a:avLst/>
+              <a:pathLst>
+                <a:path w="0" h="34794">
+                  <a:moveTo>
+                    <a:pt x="0" y="34794"/>
+                  </a:moveTo>
+                  <a:lnTo>
+                    <a:pt x="0" y="0"/>
+                  </a:lnTo>
+                </a:path>
+              </a:pathLst>
+            </a:custGeom>
+            <a:ln w="13550" cap="flat">
+              <a:solidFill>
+                <a:srgbClr val="333333">
+                  <a:alpha val="100000"/>
+                </a:srgbClr>
+              </a:solidFill>
+              <a:prstDash val="solid"/>
+              <a:round/>
+            </a:ln>
+          </p:spPr>
+          <p:txBody>
+            <a:bodyPr/>
+            <a:lstStyle/>
+            <a:p/>
+          </p:txBody>
+        </p:sp>
+        <p:sp>
+          <p:nvSpPr>
+            <p:cNvPr id="119" name="pl119"/>
+            <p:cNvSpPr/>
+            <p:nvPr/>
+          </p:nvSpPr>
+          <p:spPr>
+            <a:xfrm>
+              <a:off x="5404228" y="5274097"/>
+              <a:ext cx="0" cy="34794"/>
+            </a:xfrm>
+            <a:custGeom>
+              <a:avLst/>
+              <a:pathLst>
+                <a:path w="0" h="34794">
+                  <a:moveTo>
+                    <a:pt x="0" y="34794"/>
+                  </a:moveTo>
+                  <a:lnTo>
+                    <a:pt x="0" y="0"/>
+                  </a:lnTo>
+                </a:path>
+              </a:pathLst>
+            </a:custGeom>
+            <a:ln w="13550" cap="flat">
+              <a:solidFill>
+                <a:srgbClr val="333333">
+                  <a:alpha val="100000"/>
+                </a:srgbClr>
+              </a:solidFill>
+              <a:prstDash val="solid"/>
+              <a:round/>
+            </a:ln>
+          </p:spPr>
+          <p:txBody>
+            <a:bodyPr/>
+            <a:lstStyle/>
+            <a:p/>
+          </p:txBody>
+        </p:sp>
+        <p:sp>
+          <p:nvSpPr>
+            <p:cNvPr id="120" name="pl120"/>
+            <p:cNvSpPr/>
+            <p:nvPr/>
+          </p:nvSpPr>
+          <p:spPr>
+            <a:xfrm>
+              <a:off x="5712745" y="5274097"/>
+              <a:ext cx="0" cy="34794"/>
+            </a:xfrm>
+            <a:custGeom>
+              <a:avLst/>
+              <a:pathLst>
+                <a:path w="0" h="34794">
+                  <a:moveTo>
+                    <a:pt x="0" y="34794"/>
+                  </a:moveTo>
+                  <a:lnTo>
+                    <a:pt x="0" y="0"/>
+                  </a:lnTo>
+                </a:path>
+              </a:pathLst>
+            </a:custGeom>
+            <a:ln w="13550" cap="flat">
+              <a:solidFill>
+                <a:srgbClr val="333333">
+                  <a:alpha val="100000"/>
+                </a:srgbClr>
+              </a:solidFill>
+              <a:prstDash val="solid"/>
+              <a:round/>
+            </a:ln>
+          </p:spPr>
+          <p:txBody>
+            <a:bodyPr/>
+            <a:lstStyle/>
+            <a:p/>
+          </p:txBody>
+        </p:sp>
+        <p:sp>
+          <p:nvSpPr>
+            <p:cNvPr id="121" name="pl121"/>
+            <p:cNvSpPr/>
+            <p:nvPr/>
+          </p:nvSpPr>
+          <p:spPr>
+            <a:xfrm>
+              <a:off x="6021262" y="5274097"/>
+              <a:ext cx="0" cy="34794"/>
+            </a:xfrm>
+            <a:custGeom>
+              <a:avLst/>
+              <a:pathLst>
+                <a:path w="0" h="34794">
+                  <a:moveTo>
+                    <a:pt x="0" y="34794"/>
+                  </a:moveTo>
+                  <a:lnTo>
+                    <a:pt x="0" y="0"/>
+                  </a:lnTo>
+                </a:path>
+              </a:pathLst>
+            </a:custGeom>
+            <a:ln w="13550" cap="flat">
+              <a:solidFill>
+                <a:srgbClr val="333333">
+                  <a:alpha val="100000"/>
+                </a:srgbClr>
+              </a:solidFill>
+              <a:prstDash val="solid"/>
+              <a:round/>
+            </a:ln>
+          </p:spPr>
+          <p:txBody>
+            <a:bodyPr/>
+            <a:lstStyle/>
+            <a:p/>
+          </p:txBody>
+        </p:sp>
+        <p:sp>
+          <p:nvSpPr>
+            <p:cNvPr id="122" name="pl122"/>
+            <p:cNvSpPr/>
+            <p:nvPr/>
+          </p:nvSpPr>
+          <p:spPr>
+            <a:xfrm>
+              <a:off x="6461071" y="5274097"/>
+              <a:ext cx="0" cy="34794"/>
+            </a:xfrm>
+            <a:custGeom>
+              <a:avLst/>
+              <a:pathLst>
+                <a:path w="0" h="34794">
+                  <a:moveTo>
+                    <a:pt x="0" y="34794"/>
+                  </a:moveTo>
+                  <a:lnTo>
+                    <a:pt x="0" y="0"/>
+                  </a:lnTo>
+                </a:path>
+              </a:pathLst>
+            </a:custGeom>
+            <a:ln w="13550" cap="flat">
+              <a:solidFill>
+                <a:srgbClr val="333333">
+                  <a:alpha val="100000"/>
+                </a:srgbClr>
+              </a:solidFill>
+              <a:prstDash val="solid"/>
+              <a:round/>
+            </a:ln>
+          </p:spPr>
+          <p:txBody>
+            <a:bodyPr/>
+            <a:lstStyle/>
+            <a:p/>
+          </p:txBody>
+        </p:sp>
+        <p:sp>
+          <p:nvSpPr>
+            <p:cNvPr id="123" name="pl123"/>
+            <p:cNvSpPr/>
+            <p:nvPr/>
+          </p:nvSpPr>
+          <p:spPr>
+            <a:xfrm>
+              <a:off x="6769588" y="5274097"/>
+              <a:ext cx="0" cy="34794"/>
+            </a:xfrm>
+            <a:custGeom>
+              <a:avLst/>
+              <a:pathLst>
+                <a:path w="0" h="34794">
+                  <a:moveTo>
+                    <a:pt x="0" y="34794"/>
+                  </a:moveTo>
+                  <a:lnTo>
+                    <a:pt x="0" y="0"/>
+                  </a:lnTo>
+                </a:path>
+              </a:pathLst>
+            </a:custGeom>
+            <a:ln w="13550" cap="flat">
+              <a:solidFill>
+                <a:srgbClr val="333333">
+                  <a:alpha val="100000"/>
+                </a:srgbClr>
+              </a:solidFill>
+              <a:prstDash val="solid"/>
+              <a:round/>
+            </a:ln>
+          </p:spPr>
+          <p:txBody>
+            <a:bodyPr/>
+            <a:lstStyle/>
+            <a:p/>
+          </p:txBody>
+        </p:sp>
+        <p:sp>
+          <p:nvSpPr>
+            <p:cNvPr id="124" name="pl124"/>
+            <p:cNvSpPr/>
+            <p:nvPr/>
+          </p:nvSpPr>
+          <p:spPr>
+            <a:xfrm>
+              <a:off x="7078105" y="5274097"/>
+              <a:ext cx="0" cy="34794"/>
+            </a:xfrm>
+            <a:custGeom>
+              <a:avLst/>
+              <a:pathLst>
+                <a:path w="0" h="34794">
+                  <a:moveTo>
+                    <a:pt x="0" y="34794"/>
+                  </a:moveTo>
+                  <a:lnTo>
+                    <a:pt x="0" y="0"/>
+                  </a:lnTo>
+                </a:path>
+              </a:pathLst>
+            </a:custGeom>
+            <a:ln w="13550" cap="flat">
+              <a:solidFill>
+                <a:srgbClr val="333333">
+                  <a:alpha val="100000"/>
+                </a:srgbClr>
+              </a:solidFill>
+              <a:prstDash val="solid"/>
+              <a:round/>
+            </a:ln>
+          </p:spPr>
+          <p:txBody>
+            <a:bodyPr/>
+            <a:lstStyle/>
+            <a:p/>
+          </p:txBody>
+        </p:sp>
+        <p:sp>
+          <p:nvSpPr>
+            <p:cNvPr id="125" name="pl125"/>
+            <p:cNvSpPr/>
+            <p:nvPr/>
+          </p:nvSpPr>
+          <p:spPr>
+            <a:xfrm>
+              <a:off x="7386622" y="5274097"/>
+              <a:ext cx="0" cy="34794"/>
+            </a:xfrm>
+            <a:custGeom>
+              <a:avLst/>
+              <a:pathLst>
+                <a:path w="0" h="34794">
+                  <a:moveTo>
+                    <a:pt x="0" y="34794"/>
+                  </a:moveTo>
+                  <a:lnTo>
+                    <a:pt x="0" y="0"/>
+                  </a:lnTo>
+                </a:path>
+              </a:pathLst>
+            </a:custGeom>
+            <a:ln w="13550" cap="flat">
+              <a:solidFill>
+                <a:srgbClr val="333333">
+                  <a:alpha val="100000"/>
+                </a:srgbClr>
+              </a:solidFill>
+              <a:prstDash val="solid"/>
+              <a:round/>
+            </a:ln>
+          </p:spPr>
+          <p:txBody>
+            <a:bodyPr/>
+            <a:lstStyle/>
+            <a:p/>
+          </p:txBody>
+        </p:sp>
+        <p:sp>
+          <p:nvSpPr>
+            <p:cNvPr id="126" name="pl126"/>
+            <p:cNvSpPr/>
+            <p:nvPr/>
+          </p:nvSpPr>
+          <p:spPr>
+            <a:xfrm>
+              <a:off x="7826431" y="5274097"/>
+              <a:ext cx="0" cy="34794"/>
+            </a:xfrm>
+            <a:custGeom>
+              <a:avLst/>
+              <a:pathLst>
+                <a:path w="0" h="34794">
+                  <a:moveTo>
+                    <a:pt x="0" y="34794"/>
+                  </a:moveTo>
+                  <a:lnTo>
+                    <a:pt x="0" y="0"/>
+                  </a:lnTo>
+                </a:path>
+              </a:pathLst>
+            </a:custGeom>
+            <a:ln w="13550" cap="flat">
+              <a:solidFill>
+                <a:srgbClr val="333333">
+                  <a:alpha val="100000"/>
+                </a:srgbClr>
+              </a:solidFill>
+              <a:prstDash val="solid"/>
+              <a:round/>
+            </a:ln>
+          </p:spPr>
+          <p:txBody>
+            <a:bodyPr/>
+            <a:lstStyle/>
+            <a:p/>
+          </p:txBody>
+        </p:sp>
+        <p:sp>
+          <p:nvSpPr>
+            <p:cNvPr id="127" name="pl127"/>
+            <p:cNvSpPr/>
+            <p:nvPr/>
+          </p:nvSpPr>
+          <p:spPr>
+            <a:xfrm>
+              <a:off x="8134948" y="5274097"/>
+              <a:ext cx="0" cy="34794"/>
+            </a:xfrm>
+            <a:custGeom>
+              <a:avLst/>
+              <a:pathLst>
+                <a:path w="0" h="34794">
+                  <a:moveTo>
+                    <a:pt x="0" y="34794"/>
+                  </a:moveTo>
+                  <a:lnTo>
+                    <a:pt x="0" y="0"/>
+                  </a:lnTo>
+                </a:path>
+              </a:pathLst>
+            </a:custGeom>
+            <a:ln w="13550" cap="flat">
+              <a:solidFill>
+                <a:srgbClr val="333333">
+                  <a:alpha val="100000"/>
+                </a:srgbClr>
+              </a:solidFill>
+              <a:prstDash val="solid"/>
+              <a:round/>
+            </a:ln>
+          </p:spPr>
+          <p:txBody>
+            <a:bodyPr/>
+            <a:lstStyle/>
+            <a:p/>
+          </p:txBody>
+        </p:sp>
+        <p:sp>
+          <p:nvSpPr>
+            <p:cNvPr id="128" name="pl128"/>
+            <p:cNvSpPr/>
+            <p:nvPr/>
+          </p:nvSpPr>
+          <p:spPr>
+            <a:xfrm>
+              <a:off x="8443465" y="5274097"/>
+              <a:ext cx="0" cy="34794"/>
+            </a:xfrm>
+            <a:custGeom>
+              <a:avLst/>
+              <a:pathLst>
+                <a:path w="0" h="34794">
+                  <a:moveTo>
+                    <a:pt x="0" y="34794"/>
+                  </a:moveTo>
+                  <a:lnTo>
+                    <a:pt x="0" y="0"/>
+                  </a:lnTo>
+                </a:path>
+              </a:pathLst>
+            </a:custGeom>
+            <a:ln w="13550" cap="flat">
+              <a:solidFill>
+                <a:srgbClr val="333333">
+                  <a:alpha val="100000"/>
+                </a:srgbClr>
+              </a:solidFill>
+              <a:prstDash val="solid"/>
+              <a:round/>
+            </a:ln>
+          </p:spPr>
+          <p:txBody>
+            <a:bodyPr/>
+            <a:lstStyle/>
+            <a:p/>
+          </p:txBody>
+        </p:sp>
+        <p:sp>
+          <p:nvSpPr>
+            <p:cNvPr id="129" name="pl129"/>
+            <p:cNvSpPr/>
+            <p:nvPr/>
+          </p:nvSpPr>
+          <p:spPr>
+            <a:xfrm>
+              <a:off x="8751982" y="5274097"/>
+              <a:ext cx="0" cy="34794"/>
+            </a:xfrm>
+            <a:custGeom>
+              <a:avLst/>
+              <a:pathLst>
+                <a:path w="0" h="34794">
+                  <a:moveTo>
+                    <a:pt x="0" y="34794"/>
+                  </a:moveTo>
+                  <a:lnTo>
+                    <a:pt x="0" y="0"/>
+                  </a:lnTo>
+                </a:path>
+              </a:pathLst>
+            </a:custGeom>
+            <a:ln w="13550" cap="flat">
+              <a:solidFill>
+                <a:srgbClr val="333333">
+                  <a:alpha val="100000"/>
+                </a:srgbClr>
+              </a:solidFill>
+              <a:prstDash val="solid"/>
+              <a:round/>
+            </a:ln>
+          </p:spPr>
+          <p:txBody>
+            <a:bodyPr/>
+            <a:lstStyle/>
+            <a:p/>
+          </p:txBody>
+        </p:sp>
+        <p:sp>
+          <p:nvSpPr>
+            <p:cNvPr id="130" name="tx130"/>
+            <p:cNvSpPr/>
+            <p:nvPr/>
+          </p:nvSpPr>
+          <p:spPr>
+            <a:xfrm>
+              <a:off x="2055095" y="5074909"/>
+              <a:ext cx="62155" cy="81691"/>
             </a:xfrm>
             <a:prstGeom prst="rect">
               <a:avLst/>
@@ -4381,7 +8091,7 @@
             <a:p>
               <a:pPr algn="l" marL="0" marR="0" indent="0">
                 <a:lnSpc>
-                  <a:spcPts val="1138"/>
+                  <a:spcPts val="880"/>
                 </a:lnSpc>
                 <a:spcBef>
                   <a:spcPts val="0"/>
@@ -4391,30 +8101,30 @@
                 </a:spcAft>
               </a:pPr>
               <a:r>
-                <a:rPr sz="1138">
+                <a:rPr sz="880">
                   <a:solidFill>
-                    <a:srgbClr val="FFFFFF">
+                    <a:srgbClr val="4D4D4D">
                       <a:alpha val="100000"/>
                     </a:srgbClr>
                   </a:solidFill>
                   <a:latin typeface="Arial"/>
                   <a:cs typeface="Arial"/>
                 </a:rPr>
-                <a:t>70.5%</a:t>
+                <a:t>0</a:t>
               </a:r>
             </a:p>
           </p:txBody>
         </p:sp>
         <p:sp>
           <p:nvSpPr>
-            <p:cNvPr id="12" name="tx12"/>
-            <p:cNvSpPr/>
-            <p:nvPr/>
-          </p:nvSpPr>
-          <p:spPr>
-            <a:xfrm>
-              <a:off x="5591762" y="3171436"/>
-              <a:ext cx="409835" cy="109040"/>
+            <p:cNvPr id="131" name="tx131"/>
+            <p:cNvSpPr/>
+            <p:nvPr/>
+          </p:nvSpPr>
+          <p:spPr>
+            <a:xfrm>
+              <a:off x="1992940" y="4396044"/>
+              <a:ext cx="124311" cy="81691"/>
             </a:xfrm>
             <a:prstGeom prst="rect">
               <a:avLst/>
@@ -4427,7 +8137,7 @@
             <a:p>
               <a:pPr algn="l" marL="0" marR="0" indent="0">
                 <a:lnSpc>
-                  <a:spcPts val="1138"/>
+                  <a:spcPts val="880"/>
                 </a:lnSpc>
                 <a:spcBef>
                   <a:spcPts val="0"/>
@@ -4437,30 +8147,30 @@
                 </a:spcAft>
               </a:pPr>
               <a:r>
-                <a:rPr sz="1138">
+                <a:rPr sz="880">
                   <a:solidFill>
-                    <a:srgbClr val="FFFFFF">
+                    <a:srgbClr val="4D4D4D">
                       <a:alpha val="100000"/>
                     </a:srgbClr>
                   </a:solidFill>
                   <a:latin typeface="Arial"/>
                   <a:cs typeface="Arial"/>
                 </a:rPr>
-                <a:t>29.5%</a:t>
+                <a:t>50</a:t>
               </a:r>
             </a:p>
           </p:txBody>
         </p:sp>
         <p:sp>
           <p:nvSpPr>
-            <p:cNvPr id="13" name="tx13"/>
-            <p:cNvSpPr/>
-            <p:nvPr/>
-          </p:nvSpPr>
-          <p:spPr>
-            <a:xfrm>
-              <a:off x="4144867" y="4256104"/>
-              <a:ext cx="409835" cy="109040"/>
+            <p:cNvPr id="132" name="tx132"/>
+            <p:cNvSpPr/>
+            <p:nvPr/>
+          </p:nvSpPr>
+          <p:spPr>
+            <a:xfrm>
+              <a:off x="1930784" y="3717180"/>
+              <a:ext cx="186466" cy="81691"/>
             </a:xfrm>
             <a:prstGeom prst="rect">
               <a:avLst/>
@@ -4473,7 +8183,7 @@
             <a:p>
               <a:pPr algn="l" marL="0" marR="0" indent="0">
                 <a:lnSpc>
-                  <a:spcPts val="1138"/>
+                  <a:spcPts val="880"/>
                 </a:lnSpc>
                 <a:spcBef>
                   <a:spcPts val="0"/>
@@ -4483,30 +8193,30 @@
                 </a:spcAft>
               </a:pPr>
               <a:r>
-                <a:rPr sz="1138">
+                <a:rPr sz="880">
                   <a:solidFill>
-                    <a:srgbClr val="FFFFFF">
+                    <a:srgbClr val="4D4D4D">
                       <a:alpha val="100000"/>
                     </a:srgbClr>
                   </a:solidFill>
                   <a:latin typeface="Arial"/>
                   <a:cs typeface="Arial"/>
                 </a:rPr>
-                <a:t>70.5%</a:t>
+                <a:t>100</a:t>
               </a:r>
             </a:p>
           </p:txBody>
         </p:sp>
         <p:sp>
           <p:nvSpPr>
-            <p:cNvPr id="14" name="tx14"/>
-            <p:cNvSpPr/>
-            <p:nvPr/>
-          </p:nvSpPr>
-          <p:spPr>
-            <a:xfrm>
-              <a:off x="5587803" y="3172224"/>
-              <a:ext cx="409835" cy="109040"/>
+            <p:cNvPr id="133" name="tx133"/>
+            <p:cNvSpPr/>
+            <p:nvPr/>
+          </p:nvSpPr>
+          <p:spPr>
+            <a:xfrm>
+              <a:off x="1930784" y="3038315"/>
+              <a:ext cx="186466" cy="81691"/>
             </a:xfrm>
             <a:prstGeom prst="rect">
               <a:avLst/>
@@ -4519,7 +8229,7 @@
             <a:p>
               <a:pPr algn="l" marL="0" marR="0" indent="0">
                 <a:lnSpc>
-                  <a:spcPts val="1138"/>
+                  <a:spcPts val="880"/>
                 </a:lnSpc>
                 <a:spcBef>
                   <a:spcPts val="0"/>
@@ -4529,30 +8239,30 @@
                 </a:spcAft>
               </a:pPr>
               <a:r>
-                <a:rPr sz="1138">
+                <a:rPr sz="880">
                   <a:solidFill>
-                    <a:srgbClr val="FFFFFF">
+                    <a:srgbClr val="4D4D4D">
                       <a:alpha val="100000"/>
                     </a:srgbClr>
                   </a:solidFill>
                   <a:latin typeface="Arial"/>
                   <a:cs typeface="Arial"/>
                 </a:rPr>
-                <a:t>29.5%</a:t>
+                <a:t>150</a:t>
               </a:r>
             </a:p>
           </p:txBody>
         </p:sp>
         <p:sp>
           <p:nvSpPr>
-            <p:cNvPr id="15" name="tx15"/>
-            <p:cNvSpPr/>
-            <p:nvPr/>
-          </p:nvSpPr>
-          <p:spPr>
-            <a:xfrm>
-              <a:off x="4140907" y="4256892"/>
-              <a:ext cx="409835" cy="109040"/>
+            <p:cNvPr id="134" name="tx134"/>
+            <p:cNvSpPr/>
+            <p:nvPr/>
+          </p:nvSpPr>
+          <p:spPr>
+            <a:xfrm>
+              <a:off x="1930784" y="2359451"/>
+              <a:ext cx="186466" cy="81691"/>
             </a:xfrm>
             <a:prstGeom prst="rect">
               <a:avLst/>
@@ -4565,7 +8275,7 @@
             <a:p>
               <a:pPr algn="l" marL="0" marR="0" indent="0">
                 <a:lnSpc>
-                  <a:spcPts val="1138"/>
+                  <a:spcPts val="880"/>
                 </a:lnSpc>
                 <a:spcBef>
                   <a:spcPts val="0"/>
@@ -4575,1204 +8285,464 @@
                 </a:spcAft>
               </a:pPr>
               <a:r>
-                <a:rPr sz="1138">
+                <a:rPr sz="880">
                   <a:solidFill>
-                    <a:srgbClr val="FFFFFF">
+                    <a:srgbClr val="4D4D4D">
                       <a:alpha val="100000"/>
                     </a:srgbClr>
                   </a:solidFill>
                   <a:latin typeface="Arial"/>
                   <a:cs typeface="Arial"/>
                 </a:rPr>
-                <a:t>70.5%</a:t>
+                <a:t>200</a:t>
               </a:r>
             </a:p>
           </p:txBody>
         </p:sp>
         <p:sp>
           <p:nvSpPr>
-            <p:cNvPr id="16" name="tx16"/>
-            <p:cNvSpPr/>
-            <p:nvPr/>
-          </p:nvSpPr>
-          <p:spPr>
-            <a:xfrm>
-              <a:off x="5584446" y="3174466"/>
-              <a:ext cx="409835" cy="109040"/>
-            </a:xfrm>
-            <a:prstGeom prst="rect">
-              <a:avLst/>
-            </a:prstGeom>
-            <a:noFill/>
-          </p:spPr>
-          <p:txBody>
-            <a:bodyPr lIns="0" rIns="0" tIns="0" bIns="0" anchorCtr="1" anchor="ctr" wrap="none"/>
-            <a:lstStyle/>
-            <a:p>
-              <a:pPr algn="l" marL="0" marR="0" indent="0">
-                <a:lnSpc>
-                  <a:spcPts val="1138"/>
-                </a:lnSpc>
-                <a:spcBef>
-                  <a:spcPts val="0"/>
-                </a:spcBef>
-                <a:spcAft>
-                  <a:spcPts val="0"/>
-                </a:spcAft>
-              </a:pPr>
-              <a:r>
-                <a:rPr sz="1138">
-                  <a:solidFill>
-                    <a:srgbClr val="FFFFFF">
-                      <a:alpha val="100000"/>
-                    </a:srgbClr>
-                  </a:solidFill>
-                  <a:latin typeface="Arial"/>
-                  <a:cs typeface="Arial"/>
-                </a:rPr>
-                <a:t>29.5%</a:t>
-              </a:r>
-            </a:p>
-          </p:txBody>
-        </p:sp>
-        <p:sp>
-          <p:nvSpPr>
-            <p:cNvPr id="17" name="tx17"/>
-            <p:cNvSpPr/>
-            <p:nvPr/>
-          </p:nvSpPr>
-          <p:spPr>
-            <a:xfrm>
-              <a:off x="4137551" y="4259135"/>
-              <a:ext cx="409835" cy="109040"/>
-            </a:xfrm>
-            <a:prstGeom prst="rect">
-              <a:avLst/>
-            </a:prstGeom>
-            <a:noFill/>
-          </p:spPr>
-          <p:txBody>
-            <a:bodyPr lIns="0" rIns="0" tIns="0" bIns="0" anchorCtr="1" anchor="ctr" wrap="none"/>
-            <a:lstStyle/>
-            <a:p>
-              <a:pPr algn="l" marL="0" marR="0" indent="0">
-                <a:lnSpc>
-                  <a:spcPts val="1138"/>
-                </a:lnSpc>
-                <a:spcBef>
-                  <a:spcPts val="0"/>
-                </a:spcBef>
-                <a:spcAft>
-                  <a:spcPts val="0"/>
-                </a:spcAft>
-              </a:pPr>
-              <a:r>
-                <a:rPr sz="1138">
-                  <a:solidFill>
-                    <a:srgbClr val="FFFFFF">
-                      <a:alpha val="100000"/>
-                    </a:srgbClr>
-                  </a:solidFill>
-                  <a:latin typeface="Arial"/>
-                  <a:cs typeface="Arial"/>
-                </a:rPr>
-                <a:t>70.5%</a:t>
-              </a:r>
-            </a:p>
-          </p:txBody>
-        </p:sp>
-        <p:sp>
-          <p:nvSpPr>
-            <p:cNvPr id="18" name="tx18"/>
-            <p:cNvSpPr/>
-            <p:nvPr/>
-          </p:nvSpPr>
-          <p:spPr>
-            <a:xfrm>
-              <a:off x="5582203" y="3177823"/>
-              <a:ext cx="409835" cy="109040"/>
-            </a:xfrm>
-            <a:prstGeom prst="rect">
-              <a:avLst/>
-            </a:prstGeom>
-            <a:noFill/>
-          </p:spPr>
-          <p:txBody>
-            <a:bodyPr lIns="0" rIns="0" tIns="0" bIns="0" anchorCtr="1" anchor="ctr" wrap="none"/>
-            <a:lstStyle/>
-            <a:p>
-              <a:pPr algn="l" marL="0" marR="0" indent="0">
-                <a:lnSpc>
-                  <a:spcPts val="1138"/>
-                </a:lnSpc>
-                <a:spcBef>
-                  <a:spcPts val="0"/>
-                </a:spcBef>
-                <a:spcAft>
-                  <a:spcPts val="0"/>
-                </a:spcAft>
-              </a:pPr>
-              <a:r>
-                <a:rPr sz="1138">
-                  <a:solidFill>
-                    <a:srgbClr val="FFFFFF">
-                      <a:alpha val="100000"/>
-                    </a:srgbClr>
-                  </a:solidFill>
-                  <a:latin typeface="Arial"/>
-                  <a:cs typeface="Arial"/>
-                </a:rPr>
-                <a:t>29.5%</a:t>
-              </a:r>
-            </a:p>
-          </p:txBody>
-        </p:sp>
-        <p:sp>
-          <p:nvSpPr>
-            <p:cNvPr id="19" name="tx19"/>
-            <p:cNvSpPr/>
-            <p:nvPr/>
-          </p:nvSpPr>
-          <p:spPr>
-            <a:xfrm>
-              <a:off x="4135308" y="4262491"/>
-              <a:ext cx="409835" cy="109040"/>
-            </a:xfrm>
-            <a:prstGeom prst="rect">
-              <a:avLst/>
-            </a:prstGeom>
-            <a:noFill/>
-          </p:spPr>
-          <p:txBody>
-            <a:bodyPr lIns="0" rIns="0" tIns="0" bIns="0" anchorCtr="1" anchor="ctr" wrap="none"/>
-            <a:lstStyle/>
-            <a:p>
-              <a:pPr algn="l" marL="0" marR="0" indent="0">
-                <a:lnSpc>
-                  <a:spcPts val="1138"/>
-                </a:lnSpc>
-                <a:spcBef>
-                  <a:spcPts val="0"/>
-                </a:spcBef>
-                <a:spcAft>
-                  <a:spcPts val="0"/>
-                </a:spcAft>
-              </a:pPr>
-              <a:r>
-                <a:rPr sz="1138">
-                  <a:solidFill>
-                    <a:srgbClr val="FFFFFF">
-                      <a:alpha val="100000"/>
-                    </a:srgbClr>
-                  </a:solidFill>
-                  <a:latin typeface="Arial"/>
-                  <a:cs typeface="Arial"/>
-                </a:rPr>
-                <a:t>70.5%</a:t>
-              </a:r>
-            </a:p>
-          </p:txBody>
-        </p:sp>
-        <p:sp>
-          <p:nvSpPr>
-            <p:cNvPr id="20" name="tx20"/>
-            <p:cNvSpPr/>
-            <p:nvPr/>
-          </p:nvSpPr>
-          <p:spPr>
-            <a:xfrm>
-              <a:off x="5581416" y="3181782"/>
-              <a:ext cx="409835" cy="109040"/>
-            </a:xfrm>
-            <a:prstGeom prst="rect">
-              <a:avLst/>
-            </a:prstGeom>
-            <a:noFill/>
-          </p:spPr>
-          <p:txBody>
-            <a:bodyPr lIns="0" rIns="0" tIns="0" bIns="0" anchorCtr="1" anchor="ctr" wrap="none"/>
-            <a:lstStyle/>
-            <a:p>
-              <a:pPr algn="l" marL="0" marR="0" indent="0">
-                <a:lnSpc>
-                  <a:spcPts val="1138"/>
-                </a:lnSpc>
-                <a:spcBef>
-                  <a:spcPts val="0"/>
-                </a:spcBef>
-                <a:spcAft>
-                  <a:spcPts val="0"/>
-                </a:spcAft>
-              </a:pPr>
-              <a:r>
-                <a:rPr sz="1138">
-                  <a:solidFill>
-                    <a:srgbClr val="FFFFFF">
-                      <a:alpha val="100000"/>
-                    </a:srgbClr>
-                  </a:solidFill>
-                  <a:latin typeface="Arial"/>
-                  <a:cs typeface="Arial"/>
-                </a:rPr>
-                <a:t>29.5%</a:t>
-              </a:r>
-            </a:p>
-          </p:txBody>
-        </p:sp>
-        <p:sp>
-          <p:nvSpPr>
-            <p:cNvPr id="21" name="tx21"/>
-            <p:cNvSpPr/>
-            <p:nvPr/>
-          </p:nvSpPr>
-          <p:spPr>
-            <a:xfrm>
-              <a:off x="4134520" y="4266451"/>
-              <a:ext cx="409835" cy="109040"/>
-            </a:xfrm>
-            <a:prstGeom prst="rect">
-              <a:avLst/>
-            </a:prstGeom>
-            <a:noFill/>
-          </p:spPr>
-          <p:txBody>
-            <a:bodyPr lIns="0" rIns="0" tIns="0" bIns="0" anchorCtr="1" anchor="ctr" wrap="none"/>
-            <a:lstStyle/>
-            <a:p>
-              <a:pPr algn="l" marL="0" marR="0" indent="0">
-                <a:lnSpc>
-                  <a:spcPts val="1138"/>
-                </a:lnSpc>
-                <a:spcBef>
-                  <a:spcPts val="0"/>
-                </a:spcBef>
-                <a:spcAft>
-                  <a:spcPts val="0"/>
-                </a:spcAft>
-              </a:pPr>
-              <a:r>
-                <a:rPr sz="1138">
-                  <a:solidFill>
-                    <a:srgbClr val="FFFFFF">
-                      <a:alpha val="100000"/>
-                    </a:srgbClr>
-                  </a:solidFill>
-                  <a:latin typeface="Arial"/>
-                  <a:cs typeface="Arial"/>
-                </a:rPr>
-                <a:t>70.5%</a:t>
-              </a:r>
-            </a:p>
-          </p:txBody>
-        </p:sp>
-        <p:sp>
-          <p:nvSpPr>
-            <p:cNvPr id="22" name="tx22"/>
-            <p:cNvSpPr/>
-            <p:nvPr/>
-          </p:nvSpPr>
-          <p:spPr>
-            <a:xfrm>
-              <a:off x="5582203" y="3185742"/>
-              <a:ext cx="409835" cy="109040"/>
-            </a:xfrm>
-            <a:prstGeom prst="rect">
-              <a:avLst/>
-            </a:prstGeom>
-            <a:noFill/>
-          </p:spPr>
-          <p:txBody>
-            <a:bodyPr lIns="0" rIns="0" tIns="0" bIns="0" anchorCtr="1" anchor="ctr" wrap="none"/>
-            <a:lstStyle/>
-            <a:p>
-              <a:pPr algn="l" marL="0" marR="0" indent="0">
-                <a:lnSpc>
-                  <a:spcPts val="1138"/>
-                </a:lnSpc>
-                <a:spcBef>
-                  <a:spcPts val="0"/>
-                </a:spcBef>
-                <a:spcAft>
-                  <a:spcPts val="0"/>
-                </a:spcAft>
-              </a:pPr>
-              <a:r>
-                <a:rPr sz="1138">
-                  <a:solidFill>
-                    <a:srgbClr val="FFFFFF">
-                      <a:alpha val="100000"/>
-                    </a:srgbClr>
-                  </a:solidFill>
-                  <a:latin typeface="Arial"/>
-                  <a:cs typeface="Arial"/>
-                </a:rPr>
-                <a:t>29.5%</a:t>
-              </a:r>
-            </a:p>
-          </p:txBody>
-        </p:sp>
-        <p:sp>
-          <p:nvSpPr>
-            <p:cNvPr id="23" name="tx23"/>
-            <p:cNvSpPr/>
-            <p:nvPr/>
-          </p:nvSpPr>
-          <p:spPr>
-            <a:xfrm>
-              <a:off x="4135308" y="4270410"/>
-              <a:ext cx="409835" cy="109040"/>
-            </a:xfrm>
-            <a:prstGeom prst="rect">
-              <a:avLst/>
-            </a:prstGeom>
-            <a:noFill/>
-          </p:spPr>
-          <p:txBody>
-            <a:bodyPr lIns="0" rIns="0" tIns="0" bIns="0" anchorCtr="1" anchor="ctr" wrap="none"/>
-            <a:lstStyle/>
-            <a:p>
-              <a:pPr algn="l" marL="0" marR="0" indent="0">
-                <a:lnSpc>
-                  <a:spcPts val="1138"/>
-                </a:lnSpc>
-                <a:spcBef>
-                  <a:spcPts val="0"/>
-                </a:spcBef>
-                <a:spcAft>
-                  <a:spcPts val="0"/>
-                </a:spcAft>
-              </a:pPr>
-              <a:r>
-                <a:rPr sz="1138">
-                  <a:solidFill>
-                    <a:srgbClr val="FFFFFF">
-                      <a:alpha val="100000"/>
-                    </a:srgbClr>
-                  </a:solidFill>
-                  <a:latin typeface="Arial"/>
-                  <a:cs typeface="Arial"/>
-                </a:rPr>
-                <a:t>70.5%</a:t>
-              </a:r>
-            </a:p>
-          </p:txBody>
-        </p:sp>
-        <p:sp>
-          <p:nvSpPr>
-            <p:cNvPr id="24" name="tx24"/>
-            <p:cNvSpPr/>
-            <p:nvPr/>
-          </p:nvSpPr>
-          <p:spPr>
-            <a:xfrm>
-              <a:off x="5584446" y="3189099"/>
-              <a:ext cx="409835" cy="109040"/>
-            </a:xfrm>
-            <a:prstGeom prst="rect">
-              <a:avLst/>
-            </a:prstGeom>
-            <a:noFill/>
-          </p:spPr>
-          <p:txBody>
-            <a:bodyPr lIns="0" rIns="0" tIns="0" bIns="0" anchorCtr="1" anchor="ctr" wrap="none"/>
-            <a:lstStyle/>
-            <a:p>
-              <a:pPr algn="l" marL="0" marR="0" indent="0">
-                <a:lnSpc>
-                  <a:spcPts val="1138"/>
-                </a:lnSpc>
-                <a:spcBef>
-                  <a:spcPts val="0"/>
-                </a:spcBef>
-                <a:spcAft>
-                  <a:spcPts val="0"/>
-                </a:spcAft>
-              </a:pPr>
-              <a:r>
-                <a:rPr sz="1138">
-                  <a:solidFill>
-                    <a:srgbClr val="FFFFFF">
-                      <a:alpha val="100000"/>
-                    </a:srgbClr>
-                  </a:solidFill>
-                  <a:latin typeface="Arial"/>
-                  <a:cs typeface="Arial"/>
-                </a:rPr>
-                <a:t>29.5%</a:t>
-              </a:r>
-            </a:p>
-          </p:txBody>
-        </p:sp>
-        <p:sp>
-          <p:nvSpPr>
-            <p:cNvPr id="25" name="tx25"/>
-            <p:cNvSpPr/>
-            <p:nvPr/>
-          </p:nvSpPr>
-          <p:spPr>
-            <a:xfrm>
-              <a:off x="4137551" y="4273767"/>
-              <a:ext cx="409835" cy="109040"/>
-            </a:xfrm>
-            <a:prstGeom prst="rect">
-              <a:avLst/>
-            </a:prstGeom>
-            <a:noFill/>
-          </p:spPr>
-          <p:txBody>
-            <a:bodyPr lIns="0" rIns="0" tIns="0" bIns="0" anchorCtr="1" anchor="ctr" wrap="none"/>
-            <a:lstStyle/>
-            <a:p>
-              <a:pPr algn="l" marL="0" marR="0" indent="0">
-                <a:lnSpc>
-                  <a:spcPts val="1138"/>
-                </a:lnSpc>
-                <a:spcBef>
-                  <a:spcPts val="0"/>
-                </a:spcBef>
-                <a:spcAft>
-                  <a:spcPts val="0"/>
-                </a:spcAft>
-              </a:pPr>
-              <a:r>
-                <a:rPr sz="1138">
-                  <a:solidFill>
-                    <a:srgbClr val="FFFFFF">
-                      <a:alpha val="100000"/>
-                    </a:srgbClr>
-                  </a:solidFill>
-                  <a:latin typeface="Arial"/>
-                  <a:cs typeface="Arial"/>
-                </a:rPr>
-                <a:t>70.5%</a:t>
-              </a:r>
-            </a:p>
-          </p:txBody>
-        </p:sp>
-        <p:sp>
-          <p:nvSpPr>
-            <p:cNvPr id="26" name="tx26"/>
-            <p:cNvSpPr/>
-            <p:nvPr/>
-          </p:nvSpPr>
-          <p:spPr>
-            <a:xfrm>
-              <a:off x="5587803" y="3191341"/>
-              <a:ext cx="409835" cy="109040"/>
-            </a:xfrm>
-            <a:prstGeom prst="rect">
-              <a:avLst/>
-            </a:prstGeom>
-            <a:noFill/>
-          </p:spPr>
-          <p:txBody>
-            <a:bodyPr lIns="0" rIns="0" tIns="0" bIns="0" anchorCtr="1" anchor="ctr" wrap="none"/>
-            <a:lstStyle/>
-            <a:p>
-              <a:pPr algn="l" marL="0" marR="0" indent="0">
-                <a:lnSpc>
-                  <a:spcPts val="1138"/>
-                </a:lnSpc>
-                <a:spcBef>
-                  <a:spcPts val="0"/>
-                </a:spcBef>
-                <a:spcAft>
-                  <a:spcPts val="0"/>
-                </a:spcAft>
-              </a:pPr>
-              <a:r>
-                <a:rPr sz="1138">
-                  <a:solidFill>
-                    <a:srgbClr val="FFFFFF">
-                      <a:alpha val="100000"/>
-                    </a:srgbClr>
-                  </a:solidFill>
-                  <a:latin typeface="Arial"/>
-                  <a:cs typeface="Arial"/>
-                </a:rPr>
-                <a:t>29.5%</a:t>
-              </a:r>
-            </a:p>
-          </p:txBody>
-        </p:sp>
-        <p:sp>
-          <p:nvSpPr>
-            <p:cNvPr id="27" name="tx27"/>
-            <p:cNvSpPr/>
-            <p:nvPr/>
-          </p:nvSpPr>
-          <p:spPr>
-            <a:xfrm>
-              <a:off x="4140907" y="4276010"/>
-              <a:ext cx="409835" cy="109040"/>
-            </a:xfrm>
-            <a:prstGeom prst="rect">
-              <a:avLst/>
-            </a:prstGeom>
-            <a:noFill/>
-          </p:spPr>
-          <p:txBody>
-            <a:bodyPr lIns="0" rIns="0" tIns="0" bIns="0" anchorCtr="1" anchor="ctr" wrap="none"/>
-            <a:lstStyle/>
-            <a:p>
-              <a:pPr algn="l" marL="0" marR="0" indent="0">
-                <a:lnSpc>
-                  <a:spcPts val="1138"/>
-                </a:lnSpc>
-                <a:spcBef>
-                  <a:spcPts val="0"/>
-                </a:spcBef>
-                <a:spcAft>
-                  <a:spcPts val="0"/>
-                </a:spcAft>
-              </a:pPr>
-              <a:r>
-                <a:rPr sz="1138">
-                  <a:solidFill>
-                    <a:srgbClr val="FFFFFF">
-                      <a:alpha val="100000"/>
-                    </a:srgbClr>
-                  </a:solidFill>
-                  <a:latin typeface="Arial"/>
-                  <a:cs typeface="Arial"/>
-                </a:rPr>
-                <a:t>70.5%</a:t>
-              </a:r>
-            </a:p>
-          </p:txBody>
-        </p:sp>
-        <p:sp>
-          <p:nvSpPr>
-            <p:cNvPr id="28" name="tx28"/>
-            <p:cNvSpPr/>
-            <p:nvPr/>
-          </p:nvSpPr>
-          <p:spPr>
-            <a:xfrm>
-              <a:off x="5591762" y="3192129"/>
-              <a:ext cx="409835" cy="109040"/>
-            </a:xfrm>
-            <a:prstGeom prst="rect">
-              <a:avLst/>
-            </a:prstGeom>
-            <a:noFill/>
-          </p:spPr>
-          <p:txBody>
-            <a:bodyPr lIns="0" rIns="0" tIns="0" bIns="0" anchorCtr="1" anchor="ctr" wrap="none"/>
-            <a:lstStyle/>
-            <a:p>
-              <a:pPr algn="l" marL="0" marR="0" indent="0">
-                <a:lnSpc>
-                  <a:spcPts val="1138"/>
-                </a:lnSpc>
-                <a:spcBef>
-                  <a:spcPts val="0"/>
-                </a:spcBef>
-                <a:spcAft>
-                  <a:spcPts val="0"/>
-                </a:spcAft>
-              </a:pPr>
-              <a:r>
-                <a:rPr sz="1138">
-                  <a:solidFill>
-                    <a:srgbClr val="FFFFFF">
-                      <a:alpha val="100000"/>
-                    </a:srgbClr>
-                  </a:solidFill>
-                  <a:latin typeface="Arial"/>
-                  <a:cs typeface="Arial"/>
-                </a:rPr>
-                <a:t>29.5%</a:t>
-              </a:r>
-            </a:p>
-          </p:txBody>
-        </p:sp>
-        <p:sp>
-          <p:nvSpPr>
-            <p:cNvPr id="29" name="tx29"/>
-            <p:cNvSpPr/>
-            <p:nvPr/>
-          </p:nvSpPr>
-          <p:spPr>
-            <a:xfrm>
-              <a:off x="4144867" y="4276797"/>
-              <a:ext cx="409835" cy="109040"/>
-            </a:xfrm>
-            <a:prstGeom prst="rect">
-              <a:avLst/>
-            </a:prstGeom>
-            <a:noFill/>
-          </p:spPr>
-          <p:txBody>
-            <a:bodyPr lIns="0" rIns="0" tIns="0" bIns="0" anchorCtr="1" anchor="ctr" wrap="none"/>
-            <a:lstStyle/>
-            <a:p>
-              <a:pPr algn="l" marL="0" marR="0" indent="0">
-                <a:lnSpc>
-                  <a:spcPts val="1138"/>
-                </a:lnSpc>
-                <a:spcBef>
-                  <a:spcPts val="0"/>
-                </a:spcBef>
-                <a:spcAft>
-                  <a:spcPts val="0"/>
-                </a:spcAft>
-              </a:pPr>
-              <a:r>
-                <a:rPr sz="1138">
-                  <a:solidFill>
-                    <a:srgbClr val="FFFFFF">
-                      <a:alpha val="100000"/>
-                    </a:srgbClr>
-                  </a:solidFill>
-                  <a:latin typeface="Arial"/>
-                  <a:cs typeface="Arial"/>
-                </a:rPr>
-                <a:t>70.5%</a:t>
-              </a:r>
-            </a:p>
-          </p:txBody>
-        </p:sp>
-        <p:sp>
-          <p:nvSpPr>
-            <p:cNvPr id="30" name="tx30"/>
-            <p:cNvSpPr/>
-            <p:nvPr/>
-          </p:nvSpPr>
-          <p:spPr>
-            <a:xfrm>
-              <a:off x="5595722" y="3191341"/>
-              <a:ext cx="409835" cy="109040"/>
-            </a:xfrm>
-            <a:prstGeom prst="rect">
-              <a:avLst/>
-            </a:prstGeom>
-            <a:noFill/>
-          </p:spPr>
-          <p:txBody>
-            <a:bodyPr lIns="0" rIns="0" tIns="0" bIns="0" anchorCtr="1" anchor="ctr" wrap="none"/>
-            <a:lstStyle/>
-            <a:p>
-              <a:pPr algn="l" marL="0" marR="0" indent="0">
-                <a:lnSpc>
-                  <a:spcPts val="1138"/>
-                </a:lnSpc>
-                <a:spcBef>
-                  <a:spcPts val="0"/>
-                </a:spcBef>
-                <a:spcAft>
-                  <a:spcPts val="0"/>
-                </a:spcAft>
-              </a:pPr>
-              <a:r>
-                <a:rPr sz="1138">
-                  <a:solidFill>
-                    <a:srgbClr val="FFFFFF">
-                      <a:alpha val="100000"/>
-                    </a:srgbClr>
-                  </a:solidFill>
-                  <a:latin typeface="Arial"/>
-                  <a:cs typeface="Arial"/>
-                </a:rPr>
-                <a:t>29.5%</a:t>
-              </a:r>
-            </a:p>
-          </p:txBody>
-        </p:sp>
-        <p:sp>
-          <p:nvSpPr>
-            <p:cNvPr id="31" name="tx31"/>
-            <p:cNvSpPr/>
-            <p:nvPr/>
-          </p:nvSpPr>
-          <p:spPr>
-            <a:xfrm>
-              <a:off x="4148826" y="4276010"/>
-              <a:ext cx="409835" cy="109040"/>
-            </a:xfrm>
-            <a:prstGeom prst="rect">
-              <a:avLst/>
-            </a:prstGeom>
-            <a:noFill/>
-          </p:spPr>
-          <p:txBody>
-            <a:bodyPr lIns="0" rIns="0" tIns="0" bIns="0" anchorCtr="1" anchor="ctr" wrap="none"/>
-            <a:lstStyle/>
-            <a:p>
-              <a:pPr algn="l" marL="0" marR="0" indent="0">
-                <a:lnSpc>
-                  <a:spcPts val="1138"/>
-                </a:lnSpc>
-                <a:spcBef>
-                  <a:spcPts val="0"/>
-                </a:spcBef>
-                <a:spcAft>
-                  <a:spcPts val="0"/>
-                </a:spcAft>
-              </a:pPr>
-              <a:r>
-                <a:rPr sz="1138">
-                  <a:solidFill>
-                    <a:srgbClr val="FFFFFF">
-                      <a:alpha val="100000"/>
-                    </a:srgbClr>
-                  </a:solidFill>
-                  <a:latin typeface="Arial"/>
-                  <a:cs typeface="Arial"/>
-                </a:rPr>
-                <a:t>70.5%</a:t>
-              </a:r>
-            </a:p>
-          </p:txBody>
-        </p:sp>
-        <p:sp>
-          <p:nvSpPr>
-            <p:cNvPr id="32" name="tx32"/>
-            <p:cNvSpPr/>
-            <p:nvPr/>
-          </p:nvSpPr>
-          <p:spPr>
-            <a:xfrm>
-              <a:off x="5599078" y="3189099"/>
-              <a:ext cx="409835" cy="109040"/>
-            </a:xfrm>
-            <a:prstGeom prst="rect">
-              <a:avLst/>
-            </a:prstGeom>
-            <a:noFill/>
-          </p:spPr>
-          <p:txBody>
-            <a:bodyPr lIns="0" rIns="0" tIns="0" bIns="0" anchorCtr="1" anchor="ctr" wrap="none"/>
-            <a:lstStyle/>
-            <a:p>
-              <a:pPr algn="l" marL="0" marR="0" indent="0">
-                <a:lnSpc>
-                  <a:spcPts val="1138"/>
-                </a:lnSpc>
-                <a:spcBef>
-                  <a:spcPts val="0"/>
-                </a:spcBef>
-                <a:spcAft>
-                  <a:spcPts val="0"/>
-                </a:spcAft>
-              </a:pPr>
-              <a:r>
-                <a:rPr sz="1138">
-                  <a:solidFill>
-                    <a:srgbClr val="FFFFFF">
-                      <a:alpha val="100000"/>
-                    </a:srgbClr>
-                  </a:solidFill>
-                  <a:latin typeface="Arial"/>
-                  <a:cs typeface="Arial"/>
-                </a:rPr>
-                <a:t>29.5%</a:t>
-              </a:r>
-            </a:p>
-          </p:txBody>
-        </p:sp>
-        <p:sp>
-          <p:nvSpPr>
-            <p:cNvPr id="33" name="tx33"/>
-            <p:cNvSpPr/>
-            <p:nvPr/>
-          </p:nvSpPr>
-          <p:spPr>
-            <a:xfrm>
-              <a:off x="4152183" y="4273767"/>
-              <a:ext cx="409835" cy="109040"/>
-            </a:xfrm>
-            <a:prstGeom prst="rect">
-              <a:avLst/>
-            </a:prstGeom>
-            <a:noFill/>
-          </p:spPr>
-          <p:txBody>
-            <a:bodyPr lIns="0" rIns="0" tIns="0" bIns="0" anchorCtr="1" anchor="ctr" wrap="none"/>
-            <a:lstStyle/>
-            <a:p>
-              <a:pPr algn="l" marL="0" marR="0" indent="0">
-                <a:lnSpc>
-                  <a:spcPts val="1138"/>
-                </a:lnSpc>
-                <a:spcBef>
-                  <a:spcPts val="0"/>
-                </a:spcBef>
-                <a:spcAft>
-                  <a:spcPts val="0"/>
-                </a:spcAft>
-              </a:pPr>
-              <a:r>
-                <a:rPr sz="1138">
-                  <a:solidFill>
-                    <a:srgbClr val="FFFFFF">
-                      <a:alpha val="100000"/>
-                    </a:srgbClr>
-                  </a:solidFill>
-                  <a:latin typeface="Arial"/>
-                  <a:cs typeface="Arial"/>
-                </a:rPr>
-                <a:t>70.5%</a:t>
-              </a:r>
-            </a:p>
-          </p:txBody>
-        </p:sp>
-        <p:sp>
-          <p:nvSpPr>
-            <p:cNvPr id="34" name="tx34"/>
-            <p:cNvSpPr/>
-            <p:nvPr/>
-          </p:nvSpPr>
-          <p:spPr>
-            <a:xfrm>
-              <a:off x="5601321" y="3185742"/>
-              <a:ext cx="409835" cy="109040"/>
-            </a:xfrm>
-            <a:prstGeom prst="rect">
-              <a:avLst/>
-            </a:prstGeom>
-            <a:noFill/>
-          </p:spPr>
-          <p:txBody>
-            <a:bodyPr lIns="0" rIns="0" tIns="0" bIns="0" anchorCtr="1" anchor="ctr" wrap="none"/>
-            <a:lstStyle/>
-            <a:p>
-              <a:pPr algn="l" marL="0" marR="0" indent="0">
-                <a:lnSpc>
-                  <a:spcPts val="1138"/>
-                </a:lnSpc>
-                <a:spcBef>
-                  <a:spcPts val="0"/>
-                </a:spcBef>
-                <a:spcAft>
-                  <a:spcPts val="0"/>
-                </a:spcAft>
-              </a:pPr>
-              <a:r>
-                <a:rPr sz="1138">
-                  <a:solidFill>
-                    <a:srgbClr val="FFFFFF">
-                      <a:alpha val="100000"/>
-                    </a:srgbClr>
-                  </a:solidFill>
-                  <a:latin typeface="Arial"/>
-                  <a:cs typeface="Arial"/>
-                </a:rPr>
-                <a:t>29.5%</a:t>
-              </a:r>
-            </a:p>
-          </p:txBody>
-        </p:sp>
-        <p:sp>
-          <p:nvSpPr>
-            <p:cNvPr id="35" name="tx35"/>
-            <p:cNvSpPr/>
-            <p:nvPr/>
-          </p:nvSpPr>
-          <p:spPr>
-            <a:xfrm>
-              <a:off x="4154426" y="4270410"/>
-              <a:ext cx="409835" cy="109040"/>
-            </a:xfrm>
-            <a:prstGeom prst="rect">
-              <a:avLst/>
-            </a:prstGeom>
-            <a:noFill/>
-          </p:spPr>
-          <p:txBody>
-            <a:bodyPr lIns="0" rIns="0" tIns="0" bIns="0" anchorCtr="1" anchor="ctr" wrap="none"/>
-            <a:lstStyle/>
-            <a:p>
-              <a:pPr algn="l" marL="0" marR="0" indent="0">
-                <a:lnSpc>
-                  <a:spcPts val="1138"/>
-                </a:lnSpc>
-                <a:spcBef>
-                  <a:spcPts val="0"/>
-                </a:spcBef>
-                <a:spcAft>
-                  <a:spcPts val="0"/>
-                </a:spcAft>
-              </a:pPr>
-              <a:r>
-                <a:rPr sz="1138">
-                  <a:solidFill>
-                    <a:srgbClr val="FFFFFF">
-                      <a:alpha val="100000"/>
-                    </a:srgbClr>
-                  </a:solidFill>
-                  <a:latin typeface="Arial"/>
-                  <a:cs typeface="Arial"/>
-                </a:rPr>
-                <a:t>70.5%</a:t>
-              </a:r>
-            </a:p>
-          </p:txBody>
-        </p:sp>
-        <p:sp>
-          <p:nvSpPr>
-            <p:cNvPr id="36" name="tx36"/>
-            <p:cNvSpPr/>
-            <p:nvPr/>
-          </p:nvSpPr>
-          <p:spPr>
-            <a:xfrm>
-              <a:off x="5602109" y="3181782"/>
-              <a:ext cx="409835" cy="109040"/>
-            </a:xfrm>
-            <a:prstGeom prst="rect">
-              <a:avLst/>
-            </a:prstGeom>
-            <a:noFill/>
-          </p:spPr>
-          <p:txBody>
-            <a:bodyPr lIns="0" rIns="0" tIns="0" bIns="0" anchorCtr="1" anchor="ctr" wrap="none"/>
-            <a:lstStyle/>
-            <a:p>
-              <a:pPr algn="l" marL="0" marR="0" indent="0">
-                <a:lnSpc>
-                  <a:spcPts val="1138"/>
-                </a:lnSpc>
-                <a:spcBef>
-                  <a:spcPts val="0"/>
-                </a:spcBef>
-                <a:spcAft>
-                  <a:spcPts val="0"/>
-                </a:spcAft>
-              </a:pPr>
-              <a:r>
-                <a:rPr sz="1138">
-                  <a:solidFill>
-                    <a:srgbClr val="FFFFFF">
-                      <a:alpha val="100000"/>
-                    </a:srgbClr>
-                  </a:solidFill>
-                  <a:latin typeface="Arial"/>
-                  <a:cs typeface="Arial"/>
-                </a:rPr>
-                <a:t>29.5%</a:t>
-              </a:r>
-            </a:p>
-          </p:txBody>
-        </p:sp>
-        <p:sp>
-          <p:nvSpPr>
-            <p:cNvPr id="37" name="tx37"/>
-            <p:cNvSpPr/>
-            <p:nvPr/>
-          </p:nvSpPr>
-          <p:spPr>
-            <a:xfrm>
-              <a:off x="4155213" y="4266451"/>
-              <a:ext cx="409835" cy="109040"/>
-            </a:xfrm>
-            <a:prstGeom prst="rect">
-              <a:avLst/>
-            </a:prstGeom>
-            <a:noFill/>
-          </p:spPr>
-          <p:txBody>
-            <a:bodyPr lIns="0" rIns="0" tIns="0" bIns="0" anchorCtr="1" anchor="ctr" wrap="none"/>
-            <a:lstStyle/>
-            <a:p>
-              <a:pPr algn="l" marL="0" marR="0" indent="0">
-                <a:lnSpc>
-                  <a:spcPts val="1138"/>
-                </a:lnSpc>
-                <a:spcBef>
-                  <a:spcPts val="0"/>
-                </a:spcBef>
-                <a:spcAft>
-                  <a:spcPts val="0"/>
-                </a:spcAft>
-              </a:pPr>
-              <a:r>
-                <a:rPr sz="1138">
-                  <a:solidFill>
-                    <a:srgbClr val="FFFFFF">
-                      <a:alpha val="100000"/>
-                    </a:srgbClr>
-                  </a:solidFill>
-                  <a:latin typeface="Arial"/>
-                  <a:cs typeface="Arial"/>
-                </a:rPr>
-                <a:t>70.5%</a:t>
-              </a:r>
-            </a:p>
-          </p:txBody>
-        </p:sp>
-        <p:sp>
-          <p:nvSpPr>
-            <p:cNvPr id="38" name="tx38"/>
-            <p:cNvSpPr/>
-            <p:nvPr/>
-          </p:nvSpPr>
-          <p:spPr>
-            <a:xfrm>
-              <a:off x="5591762" y="3181782"/>
-              <a:ext cx="409835" cy="109040"/>
-            </a:xfrm>
-            <a:prstGeom prst="rect">
-              <a:avLst/>
-            </a:prstGeom>
-            <a:noFill/>
-          </p:spPr>
-          <p:txBody>
-            <a:bodyPr lIns="0" rIns="0" tIns="0" bIns="0" anchorCtr="1" anchor="ctr" wrap="none"/>
-            <a:lstStyle/>
-            <a:p>
-              <a:pPr algn="l" marL="0" marR="0" indent="0">
-                <a:lnSpc>
-                  <a:spcPts val="1138"/>
-                </a:lnSpc>
-                <a:spcBef>
-                  <a:spcPts val="0"/>
-                </a:spcBef>
-                <a:spcAft>
-                  <a:spcPts val="0"/>
-                </a:spcAft>
-              </a:pPr>
-              <a:r>
-                <a:rPr sz="1138">
-                  <a:solidFill>
-                    <a:srgbClr val="00BFC4">
-                      <a:alpha val="100000"/>
-                    </a:srgbClr>
-                  </a:solidFill>
-                  <a:latin typeface="Arial"/>
-                  <a:cs typeface="Arial"/>
-                </a:rPr>
-                <a:t>29.5%</a:t>
-              </a:r>
-            </a:p>
-          </p:txBody>
-        </p:sp>
-        <p:sp>
-          <p:nvSpPr>
-            <p:cNvPr id="39" name="tx39"/>
-            <p:cNvSpPr/>
-            <p:nvPr/>
-          </p:nvSpPr>
-          <p:spPr>
-            <a:xfrm>
-              <a:off x="4144867" y="4266451"/>
-              <a:ext cx="409835" cy="109040"/>
-            </a:xfrm>
-            <a:prstGeom prst="rect">
-              <a:avLst/>
-            </a:prstGeom>
-            <a:noFill/>
-          </p:spPr>
-          <p:txBody>
-            <a:bodyPr lIns="0" rIns="0" tIns="0" bIns="0" anchorCtr="1" anchor="ctr" wrap="none"/>
-            <a:lstStyle/>
-            <a:p>
-              <a:pPr algn="l" marL="0" marR="0" indent="0">
-                <a:lnSpc>
-                  <a:spcPts val="1138"/>
-                </a:lnSpc>
-                <a:spcBef>
-                  <a:spcPts val="0"/>
-                </a:spcBef>
-                <a:spcAft>
-                  <a:spcPts val="0"/>
-                </a:spcAft>
-              </a:pPr>
-              <a:r>
-                <a:rPr sz="1138">
-                  <a:solidFill>
-                    <a:srgbClr val="F8766D">
-                      <a:alpha val="100000"/>
-                    </a:srgbClr>
-                  </a:solidFill>
-                  <a:latin typeface="Arial"/>
-                  <a:cs typeface="Arial"/>
-                </a:rPr>
-                <a:t>70.5%</a:t>
-              </a:r>
-            </a:p>
-          </p:txBody>
-        </p:sp>
-        <p:sp>
-          <p:nvSpPr>
-            <p:cNvPr id="40" name="rc40"/>
-            <p:cNvSpPr/>
-            <p:nvPr/>
-          </p:nvSpPr>
-          <p:spPr>
-            <a:xfrm>
-              <a:off x="7414629" y="3671282"/>
-              <a:ext cx="201456" cy="201456"/>
+            <p:cNvPr id="135" name="pl135"/>
+            <p:cNvSpPr/>
+            <p:nvPr/>
+          </p:nvSpPr>
+          <p:spPr>
+            <a:xfrm>
+              <a:off x="2145087" y="5116600"/>
+              <a:ext cx="34794" cy="0"/>
+            </a:xfrm>
+            <a:custGeom>
+              <a:avLst/>
+              <a:pathLst>
+                <a:path w="34794" h="0">
+                  <a:moveTo>
+                    <a:pt x="0" y="0"/>
+                  </a:moveTo>
+                  <a:lnTo>
+                    <a:pt x="34794" y="0"/>
+                  </a:lnTo>
+                </a:path>
+              </a:pathLst>
+            </a:custGeom>
+            <a:ln w="13550" cap="flat">
+              <a:solidFill>
+                <a:srgbClr val="333333">
+                  <a:alpha val="100000"/>
+                </a:srgbClr>
+              </a:solidFill>
+              <a:prstDash val="solid"/>
+              <a:round/>
+            </a:ln>
+          </p:spPr>
+          <p:txBody>
+            <a:bodyPr/>
+            <a:lstStyle/>
+            <a:p/>
+          </p:txBody>
+        </p:sp>
+        <p:sp>
+          <p:nvSpPr>
+            <p:cNvPr id="136" name="pl136"/>
+            <p:cNvSpPr/>
+            <p:nvPr/>
+          </p:nvSpPr>
+          <p:spPr>
+            <a:xfrm>
+              <a:off x="2145087" y="4437736"/>
+              <a:ext cx="34794" cy="0"/>
+            </a:xfrm>
+            <a:custGeom>
+              <a:avLst/>
+              <a:pathLst>
+                <a:path w="34794" h="0">
+                  <a:moveTo>
+                    <a:pt x="0" y="0"/>
+                  </a:moveTo>
+                  <a:lnTo>
+                    <a:pt x="34794" y="0"/>
+                  </a:lnTo>
+                </a:path>
+              </a:pathLst>
+            </a:custGeom>
+            <a:ln w="13550" cap="flat">
+              <a:solidFill>
+                <a:srgbClr val="333333">
+                  <a:alpha val="100000"/>
+                </a:srgbClr>
+              </a:solidFill>
+              <a:prstDash val="solid"/>
+              <a:round/>
+            </a:ln>
+          </p:spPr>
+          <p:txBody>
+            <a:bodyPr/>
+            <a:lstStyle/>
+            <a:p/>
+          </p:txBody>
+        </p:sp>
+        <p:sp>
+          <p:nvSpPr>
+            <p:cNvPr id="137" name="pl137"/>
+            <p:cNvSpPr/>
+            <p:nvPr/>
+          </p:nvSpPr>
+          <p:spPr>
+            <a:xfrm>
+              <a:off x="2145087" y="3758871"/>
+              <a:ext cx="34794" cy="0"/>
+            </a:xfrm>
+            <a:custGeom>
+              <a:avLst/>
+              <a:pathLst>
+                <a:path w="34794" h="0">
+                  <a:moveTo>
+                    <a:pt x="0" y="0"/>
+                  </a:moveTo>
+                  <a:lnTo>
+                    <a:pt x="34794" y="0"/>
+                  </a:lnTo>
+                </a:path>
+              </a:pathLst>
+            </a:custGeom>
+            <a:ln w="13550" cap="flat">
+              <a:solidFill>
+                <a:srgbClr val="333333">
+                  <a:alpha val="100000"/>
+                </a:srgbClr>
+              </a:solidFill>
+              <a:prstDash val="solid"/>
+              <a:round/>
+            </a:ln>
+          </p:spPr>
+          <p:txBody>
+            <a:bodyPr/>
+            <a:lstStyle/>
+            <a:p/>
+          </p:txBody>
+        </p:sp>
+        <p:sp>
+          <p:nvSpPr>
+            <p:cNvPr id="138" name="pl138"/>
+            <p:cNvSpPr/>
+            <p:nvPr/>
+          </p:nvSpPr>
+          <p:spPr>
+            <a:xfrm>
+              <a:off x="2145087" y="3080007"/>
+              <a:ext cx="34794" cy="0"/>
+            </a:xfrm>
+            <a:custGeom>
+              <a:avLst/>
+              <a:pathLst>
+                <a:path w="34794" h="0">
+                  <a:moveTo>
+                    <a:pt x="0" y="0"/>
+                  </a:moveTo>
+                  <a:lnTo>
+                    <a:pt x="34794" y="0"/>
+                  </a:lnTo>
+                </a:path>
+              </a:pathLst>
+            </a:custGeom>
+            <a:ln w="13550" cap="flat">
+              <a:solidFill>
+                <a:srgbClr val="333333">
+                  <a:alpha val="100000"/>
+                </a:srgbClr>
+              </a:solidFill>
+              <a:prstDash val="solid"/>
+              <a:round/>
+            </a:ln>
+          </p:spPr>
+          <p:txBody>
+            <a:bodyPr/>
+            <a:lstStyle/>
+            <a:p/>
+          </p:txBody>
+        </p:sp>
+        <p:sp>
+          <p:nvSpPr>
+            <p:cNvPr id="139" name="pl139"/>
+            <p:cNvSpPr/>
+            <p:nvPr/>
+          </p:nvSpPr>
+          <p:spPr>
+            <a:xfrm>
+              <a:off x="2145087" y="2401142"/>
+              <a:ext cx="34794" cy="0"/>
+            </a:xfrm>
+            <a:custGeom>
+              <a:avLst/>
+              <a:pathLst>
+                <a:path w="34794" h="0">
+                  <a:moveTo>
+                    <a:pt x="0" y="0"/>
+                  </a:moveTo>
+                  <a:lnTo>
+                    <a:pt x="34794" y="0"/>
+                  </a:lnTo>
+                </a:path>
+              </a:pathLst>
+            </a:custGeom>
+            <a:ln w="13550" cap="flat">
+              <a:solidFill>
+                <a:srgbClr val="333333">
+                  <a:alpha val="100000"/>
+                </a:srgbClr>
+              </a:solidFill>
+              <a:prstDash val="solid"/>
+              <a:round/>
+            </a:ln>
+          </p:spPr>
+          <p:txBody>
+            <a:bodyPr/>
+            <a:lstStyle/>
+            <a:p/>
+          </p:txBody>
+        </p:sp>
+        <p:sp>
+          <p:nvSpPr>
+            <p:cNvPr id="140" name="rc140"/>
+            <p:cNvSpPr/>
+            <p:nvPr/>
+          </p:nvSpPr>
+          <p:spPr>
+            <a:xfrm>
+              <a:off x="4009020" y="5613598"/>
+              <a:ext cx="3098933" cy="358634"/>
             </a:xfrm>
             <a:prstGeom prst="rect">
               <a:avLst/>
             </a:prstGeom>
             <a:solidFill>
-              <a:srgbClr val="00BFC4">
+              <a:srgbClr val="FFFFFF">
                 <a:alpha val="100000"/>
               </a:srgbClr>
             </a:solidFill>
-            <a:ln w="13550" cap="sq">
-              <a:solidFill>
-                <a:srgbClr val="FFFFFF">
-                  <a:alpha val="100000"/>
-                </a:srgbClr>
-              </a:solidFill>
-              <a:prstDash val="solid"/>
-              <a:miter/>
-            </a:ln>
-          </p:spPr>
-          <p:txBody>
-            <a:bodyPr/>
-            <a:lstStyle/>
-            <a:p/>
-          </p:txBody>
-        </p:sp>
-        <p:sp>
-          <p:nvSpPr>
-            <p:cNvPr id="41" name="rc41"/>
-            <p:cNvSpPr/>
-            <p:nvPr/>
-          </p:nvSpPr>
-          <p:spPr>
-            <a:xfrm>
-              <a:off x="7414629" y="3890738"/>
-              <a:ext cx="201456" cy="201455"/>
+          </p:spPr>
+          <p:txBody>
+            <a:bodyPr/>
+            <a:lstStyle/>
+            <a:p/>
+          </p:txBody>
+        </p:sp>
+        <p:sp>
+          <p:nvSpPr>
+            <p:cNvPr id="141" name="rc141"/>
+            <p:cNvSpPr/>
+            <p:nvPr/>
+          </p:nvSpPr>
+          <p:spPr>
+            <a:xfrm>
+              <a:off x="4148198" y="5683187"/>
+              <a:ext cx="219455" cy="219455"/>
             </a:xfrm>
             <a:prstGeom prst="rect">
               <a:avLst/>
             </a:prstGeom>
             <a:solidFill>
-              <a:srgbClr val="F8766D">
+              <a:srgbClr val="FFFFFF">
                 <a:alpha val="100000"/>
               </a:srgbClr>
             </a:solidFill>
-            <a:ln w="13550" cap="sq">
-              <a:solidFill>
-                <a:srgbClr val="FFFFFF">
-                  <a:alpha val="100000"/>
-                </a:srgbClr>
-              </a:solidFill>
-              <a:prstDash val="solid"/>
-              <a:miter/>
-            </a:ln>
-          </p:spPr>
-          <p:txBody>
-            <a:bodyPr/>
-            <a:lstStyle/>
-            <a:p/>
-          </p:txBody>
-        </p:sp>
-        <p:sp>
-          <p:nvSpPr>
-            <p:cNvPr id="42" name="tx42"/>
-            <p:cNvSpPr/>
-            <p:nvPr/>
-          </p:nvSpPr>
-          <p:spPr>
-            <a:xfrm>
-              <a:off x="7694674" y="3742160"/>
-              <a:ext cx="167640" cy="69850"/>
+          </p:spPr>
+          <p:txBody>
+            <a:bodyPr/>
+            <a:lstStyle/>
+            <a:p/>
+          </p:txBody>
+        </p:sp>
+        <p:sp>
+          <p:nvSpPr>
+            <p:cNvPr id="142" name="rc142"/>
+            <p:cNvSpPr/>
+            <p:nvPr/>
+          </p:nvSpPr>
+          <p:spPr>
+            <a:xfrm>
+              <a:off x="4157198" y="5692187"/>
+              <a:ext cx="201456" cy="201456"/>
+            </a:xfrm>
+            <a:prstGeom prst="rect">
+              <a:avLst/>
+            </a:prstGeom>
+            <a:solidFill>
+              <a:srgbClr val="FEE5D9">
+                <a:alpha val="100000"/>
+              </a:srgbClr>
+            </a:solidFill>
+          </p:spPr>
+          <p:txBody>
+            <a:bodyPr/>
+            <a:lstStyle/>
+            <a:p/>
+          </p:txBody>
+        </p:sp>
+        <p:sp>
+          <p:nvSpPr>
+            <p:cNvPr id="143" name="rc143"/>
+            <p:cNvSpPr/>
+            <p:nvPr/>
+          </p:nvSpPr>
+          <p:spPr>
+            <a:xfrm>
+              <a:off x="4983463" y="5683187"/>
+              <a:ext cx="219455" cy="219455"/>
+            </a:xfrm>
+            <a:prstGeom prst="rect">
+              <a:avLst/>
+            </a:prstGeom>
+            <a:solidFill>
+              <a:srgbClr val="FFFFFF">
+                <a:alpha val="100000"/>
+              </a:srgbClr>
+            </a:solidFill>
+          </p:spPr>
+          <p:txBody>
+            <a:bodyPr/>
+            <a:lstStyle/>
+            <a:p/>
+          </p:txBody>
+        </p:sp>
+        <p:sp>
+          <p:nvSpPr>
+            <p:cNvPr id="144" name="rc144"/>
+            <p:cNvSpPr/>
+            <p:nvPr/>
+          </p:nvSpPr>
+          <p:spPr>
+            <a:xfrm>
+              <a:off x="4992463" y="5692187"/>
+              <a:ext cx="201456" cy="201456"/>
+            </a:xfrm>
+            <a:prstGeom prst="rect">
+              <a:avLst/>
+            </a:prstGeom>
+            <a:solidFill>
+              <a:srgbClr val="FCAE91">
+                <a:alpha val="100000"/>
+              </a:srgbClr>
+            </a:solidFill>
+          </p:spPr>
+          <p:txBody>
+            <a:bodyPr/>
+            <a:lstStyle/>
+            <a:p/>
+          </p:txBody>
+        </p:sp>
+        <p:sp>
+          <p:nvSpPr>
+            <p:cNvPr id="145" name="rc145"/>
+            <p:cNvSpPr/>
+            <p:nvPr/>
+          </p:nvSpPr>
+          <p:spPr>
+            <a:xfrm>
+              <a:off x="5628076" y="5683187"/>
+              <a:ext cx="219455" cy="219455"/>
+            </a:xfrm>
+            <a:prstGeom prst="rect">
+              <a:avLst/>
+            </a:prstGeom>
+            <a:solidFill>
+              <a:srgbClr val="FFFFFF">
+                <a:alpha val="100000"/>
+              </a:srgbClr>
+            </a:solidFill>
+          </p:spPr>
+          <p:txBody>
+            <a:bodyPr/>
+            <a:lstStyle/>
+            <a:p/>
+          </p:txBody>
+        </p:sp>
+        <p:sp>
+          <p:nvSpPr>
+            <p:cNvPr id="146" name="rc146"/>
+            <p:cNvSpPr/>
+            <p:nvPr/>
+          </p:nvSpPr>
+          <p:spPr>
+            <a:xfrm>
+              <a:off x="5637076" y="5692187"/>
+              <a:ext cx="201456" cy="201456"/>
+            </a:xfrm>
+            <a:prstGeom prst="rect">
+              <a:avLst/>
+            </a:prstGeom>
+            <a:solidFill>
+              <a:srgbClr val="FB6A4A">
+                <a:alpha val="100000"/>
+              </a:srgbClr>
+            </a:solidFill>
+          </p:spPr>
+          <p:txBody>
+            <a:bodyPr/>
+            <a:lstStyle/>
+            <a:p/>
+          </p:txBody>
+        </p:sp>
+        <p:sp>
+          <p:nvSpPr>
+            <p:cNvPr id="147" name="rc147"/>
+            <p:cNvSpPr/>
+            <p:nvPr/>
+          </p:nvSpPr>
+          <p:spPr>
+            <a:xfrm>
+              <a:off x="6368015" y="5683187"/>
+              <a:ext cx="219455" cy="219455"/>
+            </a:xfrm>
+            <a:prstGeom prst="rect">
+              <a:avLst/>
+            </a:prstGeom>
+            <a:solidFill>
+              <a:srgbClr val="FFFFFF">
+                <a:alpha val="100000"/>
+              </a:srgbClr>
+            </a:solidFill>
+          </p:spPr>
+          <p:txBody>
+            <a:bodyPr/>
+            <a:lstStyle/>
+            <a:p/>
+          </p:txBody>
+        </p:sp>
+        <p:sp>
+          <p:nvSpPr>
+            <p:cNvPr id="148" name="rc148"/>
+            <p:cNvSpPr/>
+            <p:nvPr/>
+          </p:nvSpPr>
+          <p:spPr>
+            <a:xfrm>
+              <a:off x="6377015" y="5692187"/>
+              <a:ext cx="201456" cy="201456"/>
+            </a:xfrm>
+            <a:prstGeom prst="rect">
+              <a:avLst/>
+            </a:prstGeom>
+            <a:solidFill>
+              <a:srgbClr val="CB181D">
+                <a:alpha val="100000"/>
+              </a:srgbClr>
+            </a:solidFill>
+          </p:spPr>
+          <p:txBody>
+            <a:bodyPr/>
+            <a:lstStyle/>
+            <a:p/>
+          </p:txBody>
+        </p:sp>
+        <p:sp>
+          <p:nvSpPr>
+            <p:cNvPr id="149" name="tx149"/>
+            <p:cNvSpPr/>
+            <p:nvPr/>
+          </p:nvSpPr>
+          <p:spPr>
+            <a:xfrm>
+              <a:off x="4437243" y="5763065"/>
+              <a:ext cx="419100" cy="69850"/>
             </a:xfrm>
             <a:prstGeom prst="rect">
               <a:avLst/>
@@ -5804,21 +8774,21 @@
                   <a:latin typeface="Arial"/>
                   <a:cs typeface="Arial"/>
                 </a:rPr>
-                <a:t>男性</a:t>
+                <a:t>完全不认同</a:t>
               </a:r>
             </a:p>
           </p:txBody>
         </p:sp>
         <p:sp>
           <p:nvSpPr>
-            <p:cNvPr id="43" name="tx43"/>
-            <p:cNvSpPr/>
-            <p:nvPr/>
-          </p:nvSpPr>
-          <p:spPr>
-            <a:xfrm>
-              <a:off x="7694674" y="3961616"/>
-              <a:ext cx="167640" cy="69850"/>
+            <p:cNvPr id="150" name="tx150"/>
+            <p:cNvSpPr/>
+            <p:nvPr/>
+          </p:nvSpPr>
+          <p:spPr>
+            <a:xfrm>
+              <a:off x="5272508" y="5763065"/>
+              <a:ext cx="251460" cy="69850"/>
             </a:xfrm>
             <a:prstGeom prst="rect">
               <a:avLst/>
@@ -5850,7 +8820,99 @@
                   <a:latin typeface="Arial"/>
                   <a:cs typeface="Arial"/>
                 </a:rPr>
-                <a:t>女性</a:t>
+                <a:t>不认同</a:t>
+              </a:r>
+            </a:p>
+          </p:txBody>
+        </p:sp>
+        <p:sp>
+          <p:nvSpPr>
+            <p:cNvPr id="151" name="tx151"/>
+            <p:cNvSpPr/>
+            <p:nvPr/>
+          </p:nvSpPr>
+          <p:spPr>
+            <a:xfrm>
+              <a:off x="5917121" y="5763065"/>
+              <a:ext cx="335280" cy="69850"/>
+            </a:xfrm>
+            <a:prstGeom prst="rect">
+              <a:avLst/>
+            </a:prstGeom>
+            <a:noFill/>
+          </p:spPr>
+          <p:txBody>
+            <a:bodyPr lIns="0" rIns="0" tIns="0" bIns="0" anchorCtr="1" anchor="ctr" wrap="none"/>
+            <a:lstStyle/>
+            <a:p>
+              <a:pPr algn="l" marL="0" marR="0" indent="0">
+                <a:lnSpc>
+                  <a:spcPts val="880"/>
+                </a:lnSpc>
+                <a:spcBef>
+                  <a:spcPts val="0"/>
+                </a:spcBef>
+                <a:spcAft>
+                  <a:spcPts val="0"/>
+                </a:spcAft>
+              </a:pPr>
+              <a:r>
+                <a:rPr sz="880">
+                  <a:solidFill>
+                    <a:srgbClr val="000000">
+                      <a:alpha val="100000"/>
+                    </a:srgbClr>
+                  </a:solidFill>
+                  <a:latin typeface="Arial"/>
+                  <a:cs typeface="Arial"/>
+                </a:rPr>
+                <a:t>有限认同</a:t>
+              </a:r>
+            </a:p>
+          </p:txBody>
+        </p:sp>
+        <p:sp>
+          <p:nvSpPr>
+            <p:cNvPr id="152" name="tx152"/>
+            <p:cNvSpPr/>
+            <p:nvPr/>
+          </p:nvSpPr>
+          <p:spPr>
+            <a:xfrm>
+              <a:off x="6657060" y="5763065"/>
+              <a:ext cx="335280" cy="69850"/>
+            </a:xfrm>
+            <a:prstGeom prst="rect">
+              <a:avLst/>
+            </a:prstGeom>
+            <a:noFill/>
+          </p:spPr>
+          <p:txBody>
+            <a:bodyPr lIns="0" rIns="0" tIns="0" bIns="0" anchorCtr="1" anchor="ctr" wrap="none"/>
+            <a:lstStyle/>
+            <a:p>
+              <a:pPr algn="l" marL="0" marR="0" indent="0">
+                <a:lnSpc>
+                  <a:spcPts val="880"/>
+                </a:lnSpc>
+                <a:spcBef>
+                  <a:spcPts val="0"/>
+                </a:spcBef>
+                <a:spcAft>
+                  <a:spcPts val="0"/>
+                </a:spcAft>
+              </a:pPr>
+              <a:r>
+                <a:rPr sz="880">
+                  <a:solidFill>
+                    <a:srgbClr val="000000">
+                      <a:alpha val="100000"/>
+                    </a:srgbClr>
+                  </a:solidFill>
+                  <a:latin typeface="Arial"/>
+                  <a:cs typeface="Arial"/>
+                </a:rPr>
+                <a:t>完全认同</a:t>
               </a:r>
             </a:p>
           </p:txBody>
